--- a/kotlin/coroutine/_1coroutine核心.pptx
+++ b/kotlin/coroutine/_1coroutine核心.pptx
@@ -4,12 +4,16 @@
   <p:sldMasterIdLst>
     <p:sldMasterId id="2147483648" r:id="rId1"/>
   </p:sldMasterIdLst>
+  <p:notesMasterIdLst>
+    <p:notesMasterId r:id="rId7"/>
+  </p:notesMasterIdLst>
   <p:sldIdLst>
     <p:sldId id="409" r:id="rId3"/>
     <p:sldId id="413" r:id="rId4"/>
     <p:sldId id="410" r:id="rId5"/>
     <p:sldId id="411" r:id="rId6"/>
-    <p:sldId id="412" r:id="rId7"/>
+    <p:sldId id="412" r:id="rId8"/>
+    <p:sldId id="417" r:id="rId9"/>
   </p:sldIdLst>
   <p:sldSz cx="12192000" cy="6858000"/>
   <p:notesSz cx="6858000" cy="9144000"/>
@@ -109,6 +113,397 @@
     </a:lvl9pPr>
   </p:defaultTextStyle>
 </p:presentation>
+</file>
+
+<file path=ppt/notesMasters/notesMaster1.xml><?xml version="1.0" encoding="utf-8"?>
+<p:notesMaster xmlns:a="http://schemas.openxmlformats.org/drawingml/2006/main" xmlns:r="http://schemas.openxmlformats.org/officeDocument/2006/relationships" xmlns:p="http://schemas.openxmlformats.org/presentationml/2006/main">
+  <p:cSld>
+    <p:bg>
+      <p:bgRef idx="1001">
+        <a:schemeClr val="bg1"/>
+      </p:bgRef>
+    </p:bg>
+    <p:spTree>
+      <p:nvGrpSpPr>
+        <p:cNvPr id="1" name=""/>
+        <p:cNvGrpSpPr/>
+        <p:nvPr/>
+      </p:nvGrpSpPr>
+      <p:grpSpPr>
+        <a:xfrm>
+          <a:off x="0" y="0"/>
+          <a:ext cx="0" cy="0"/>
+          <a:chOff x="0" y="0"/>
+          <a:chExt cx="0" cy="0"/>
+        </a:xfrm>
+      </p:grpSpPr>
+      <p:sp>
+        <p:nvSpPr>
+          <p:cNvPr id="2" name="页眉占位符 1"/>
+          <p:cNvSpPr>
+            <a:spLocks noGrp="1"/>
+          </p:cNvSpPr>
+          <p:nvPr>
+            <p:ph type="hdr" sz="quarter"/>
+          </p:nvPr>
+        </p:nvSpPr>
+        <p:spPr>
+          <a:xfrm>
+            <a:off x="0" y="0"/>
+            <a:ext cx="2971800" cy="458788"/>
+          </a:xfrm>
+          <a:prstGeom prst="rect">
+            <a:avLst/>
+          </a:prstGeom>
+        </p:spPr>
+        <p:txBody>
+          <a:bodyPr vert="horz" lIns="91440" tIns="45720" rIns="91440" bIns="45720" rtlCol="0"/>
+          <a:lstStyle>
+            <a:lvl1pPr algn="l">
+              <a:defRPr sz="1200"/>
+            </a:lvl1pPr>
+          </a:lstStyle>
+          <a:p>
+            <a:endParaRPr lang="zh-CN" altLang="en-US"/>
+          </a:p>
+        </p:txBody>
+      </p:sp>
+      <p:sp>
+        <p:nvSpPr>
+          <p:cNvPr id="3" name="日期占位符 2"/>
+          <p:cNvSpPr>
+            <a:spLocks noGrp="1"/>
+          </p:cNvSpPr>
+          <p:nvPr>
+            <p:ph type="dt" idx="1"/>
+          </p:nvPr>
+        </p:nvSpPr>
+        <p:spPr>
+          <a:xfrm>
+            <a:off x="3884613" y="0"/>
+            <a:ext cx="2971800" cy="458788"/>
+          </a:xfrm>
+          <a:prstGeom prst="rect">
+            <a:avLst/>
+          </a:prstGeom>
+        </p:spPr>
+        <p:txBody>
+          <a:bodyPr vert="horz" lIns="91440" tIns="45720" rIns="91440" bIns="45720" rtlCol="0"/>
+          <a:lstStyle>
+            <a:lvl1pPr algn="r">
+              <a:defRPr sz="1200"/>
+            </a:lvl1pPr>
+          </a:lstStyle>
+          <a:p>
+            <a:fld id="{D2A48B96-639E-45A3-A0BA-2464DFDB1FAA}" type="datetimeFigureOut">
+              <a:rPr lang="zh-CN" altLang="en-US" smtClean="0"/>
+            </a:fld>
+            <a:endParaRPr lang="zh-CN" altLang="en-US"/>
+          </a:p>
+        </p:txBody>
+      </p:sp>
+      <p:sp>
+        <p:nvSpPr>
+          <p:cNvPr id="4" name="幻灯片图像占位符 3"/>
+          <p:cNvSpPr>
+            <a:spLocks noGrp="1" noRot="1" noChangeAspect="1"/>
+          </p:cNvSpPr>
+          <p:nvPr>
+            <p:ph type="sldImg" idx="2"/>
+          </p:nvPr>
+        </p:nvSpPr>
+        <p:spPr>
+          <a:xfrm>
+            <a:off x="685800" y="1143000"/>
+            <a:ext cx="5486400" cy="3086100"/>
+          </a:xfrm>
+          <a:prstGeom prst="rect">
+            <a:avLst/>
+          </a:prstGeom>
+          <a:noFill/>
+          <a:ln w="12700">
+            <a:solidFill>
+              <a:prstClr val="black"/>
+            </a:solidFill>
+          </a:ln>
+        </p:spPr>
+        <p:txBody>
+          <a:bodyPr vert="horz" lIns="91440" tIns="45720" rIns="91440" bIns="45720" rtlCol="0" anchor="ctr"/>
+          <a:lstStyle/>
+          <a:p>
+            <a:endParaRPr lang="zh-CN" altLang="en-US"/>
+          </a:p>
+        </p:txBody>
+      </p:sp>
+      <p:sp>
+        <p:nvSpPr>
+          <p:cNvPr id="5" name="备注占位符 4"/>
+          <p:cNvSpPr>
+            <a:spLocks noGrp="1"/>
+          </p:cNvSpPr>
+          <p:nvPr>
+            <p:ph type="body" sz="quarter" idx="3"/>
+          </p:nvPr>
+        </p:nvSpPr>
+        <p:spPr>
+          <a:xfrm>
+            <a:off x="685800" y="4400550"/>
+            <a:ext cx="5486400" cy="3600450"/>
+          </a:xfrm>
+          <a:prstGeom prst="rect">
+            <a:avLst/>
+          </a:prstGeom>
+        </p:spPr>
+        <p:txBody>
+          <a:bodyPr vert="horz" lIns="91440" tIns="45720" rIns="91440" bIns="45720" rtlCol="0"/>
+          <a:lstStyle/>
+          <a:p>
+            <a:pPr lvl="0"/>
+            <a:r>
+              <a:rPr lang="zh-CN" altLang="en-US" smtClean="0"/>
+              <a:t>单击此处编辑母版文本样式</a:t>
+            </a:r>
+            <a:endParaRPr lang="zh-CN" altLang="en-US" smtClean="0"/>
+          </a:p>
+          <a:p>
+            <a:pPr lvl="1"/>
+            <a:r>
+              <a:rPr lang="zh-CN" altLang="en-US" smtClean="0"/>
+              <a:t>第二级</a:t>
+            </a:r>
+            <a:endParaRPr lang="zh-CN" altLang="en-US" smtClean="0"/>
+          </a:p>
+          <a:p>
+            <a:pPr lvl="2"/>
+            <a:r>
+              <a:rPr lang="zh-CN" altLang="en-US" smtClean="0"/>
+              <a:t>第三级</a:t>
+            </a:r>
+            <a:endParaRPr lang="zh-CN" altLang="en-US" smtClean="0"/>
+          </a:p>
+          <a:p>
+            <a:pPr lvl="3"/>
+            <a:r>
+              <a:rPr lang="zh-CN" altLang="en-US" smtClean="0"/>
+              <a:t>第四级</a:t>
+            </a:r>
+            <a:endParaRPr lang="zh-CN" altLang="en-US" smtClean="0"/>
+          </a:p>
+          <a:p>
+            <a:pPr lvl="4"/>
+            <a:r>
+              <a:rPr lang="zh-CN" altLang="en-US" smtClean="0"/>
+              <a:t>第五级</a:t>
+            </a:r>
+            <a:endParaRPr lang="zh-CN" altLang="en-US"/>
+          </a:p>
+        </p:txBody>
+      </p:sp>
+      <p:sp>
+        <p:nvSpPr>
+          <p:cNvPr id="6" name="页脚占位符 5"/>
+          <p:cNvSpPr>
+            <a:spLocks noGrp="1"/>
+          </p:cNvSpPr>
+          <p:nvPr>
+            <p:ph type="ftr" sz="quarter" idx="4"/>
+          </p:nvPr>
+        </p:nvSpPr>
+        <p:spPr>
+          <a:xfrm>
+            <a:off x="0" y="8685213"/>
+            <a:ext cx="2971800" cy="458787"/>
+          </a:xfrm>
+          <a:prstGeom prst="rect">
+            <a:avLst/>
+          </a:prstGeom>
+        </p:spPr>
+        <p:txBody>
+          <a:bodyPr vert="horz" lIns="91440" tIns="45720" rIns="91440" bIns="45720" rtlCol="0" anchor="b"/>
+          <a:lstStyle>
+            <a:lvl1pPr algn="l">
+              <a:defRPr sz="1200"/>
+            </a:lvl1pPr>
+          </a:lstStyle>
+          <a:p>
+            <a:endParaRPr lang="zh-CN" altLang="en-US"/>
+          </a:p>
+        </p:txBody>
+      </p:sp>
+      <p:sp>
+        <p:nvSpPr>
+          <p:cNvPr id="7" name="灯片编号占位符 6"/>
+          <p:cNvSpPr>
+            <a:spLocks noGrp="1"/>
+          </p:cNvSpPr>
+          <p:nvPr>
+            <p:ph type="sldNum" sz="quarter" idx="5"/>
+          </p:nvPr>
+        </p:nvSpPr>
+        <p:spPr>
+          <a:xfrm>
+            <a:off x="3884613" y="8685213"/>
+            <a:ext cx="2971800" cy="458787"/>
+          </a:xfrm>
+          <a:prstGeom prst="rect">
+            <a:avLst/>
+          </a:prstGeom>
+        </p:spPr>
+        <p:txBody>
+          <a:bodyPr vert="horz" lIns="91440" tIns="45720" rIns="91440" bIns="45720" rtlCol="0" anchor="b"/>
+          <a:lstStyle>
+            <a:lvl1pPr algn="r">
+              <a:defRPr sz="1200"/>
+            </a:lvl1pPr>
+          </a:lstStyle>
+          <a:p>
+            <a:fld id="{A6837353-30EB-4A48-80EB-173D804AEFBD}" type="slidenum">
+              <a:rPr lang="zh-CN" altLang="en-US" smtClean="0"/>
+            </a:fld>
+            <a:endParaRPr lang="zh-CN" altLang="en-US"/>
+          </a:p>
+        </p:txBody>
+      </p:sp>
+    </p:spTree>
+  </p:cSld>
+  <p:clrMap bg1="lt1" tx1="dk1" bg2="lt2" tx2="dk2" accent1="accent1" accent2="accent2" accent3="accent3" accent4="accent4" accent5="accent5" accent6="accent6" hlink="hlink" folHlink="folHlink"/>
+  <p:notesStyle>
+    <a:lvl1pPr marL="0" algn="l" defTabSz="914400" rtl="0" eaLnBrk="1" latinLnBrk="0" hangingPunct="1">
+      <a:defRPr sz="1200" kern="1200">
+        <a:solidFill>
+          <a:schemeClr val="tx1"/>
+        </a:solidFill>
+        <a:latin typeface="+mn-lt"/>
+        <a:ea typeface="+mn-ea"/>
+        <a:cs typeface="+mn-cs"/>
+      </a:defRPr>
+    </a:lvl1pPr>
+    <a:lvl2pPr marL="457200" algn="l" defTabSz="914400" rtl="0" eaLnBrk="1" latinLnBrk="0" hangingPunct="1">
+      <a:defRPr sz="1200" kern="1200">
+        <a:solidFill>
+          <a:schemeClr val="tx1"/>
+        </a:solidFill>
+        <a:latin typeface="+mn-lt"/>
+        <a:ea typeface="+mn-ea"/>
+        <a:cs typeface="+mn-cs"/>
+      </a:defRPr>
+    </a:lvl2pPr>
+    <a:lvl3pPr marL="914400" algn="l" defTabSz="914400" rtl="0" eaLnBrk="1" latinLnBrk="0" hangingPunct="1">
+      <a:defRPr sz="1200" kern="1200">
+        <a:solidFill>
+          <a:schemeClr val="tx1"/>
+        </a:solidFill>
+        <a:latin typeface="+mn-lt"/>
+        <a:ea typeface="+mn-ea"/>
+        <a:cs typeface="+mn-cs"/>
+      </a:defRPr>
+    </a:lvl3pPr>
+    <a:lvl4pPr marL="1371600" algn="l" defTabSz="914400" rtl="0" eaLnBrk="1" latinLnBrk="0" hangingPunct="1">
+      <a:defRPr sz="1200" kern="1200">
+        <a:solidFill>
+          <a:schemeClr val="tx1"/>
+        </a:solidFill>
+        <a:latin typeface="+mn-lt"/>
+        <a:ea typeface="+mn-ea"/>
+        <a:cs typeface="+mn-cs"/>
+      </a:defRPr>
+    </a:lvl4pPr>
+    <a:lvl5pPr marL="1828800" algn="l" defTabSz="914400" rtl="0" eaLnBrk="1" latinLnBrk="0" hangingPunct="1">
+      <a:defRPr sz="1200" kern="1200">
+        <a:solidFill>
+          <a:schemeClr val="tx1"/>
+        </a:solidFill>
+        <a:latin typeface="+mn-lt"/>
+        <a:ea typeface="+mn-ea"/>
+        <a:cs typeface="+mn-cs"/>
+      </a:defRPr>
+    </a:lvl5pPr>
+    <a:lvl6pPr marL="2286000" algn="l" defTabSz="914400" rtl="0" eaLnBrk="1" latinLnBrk="0" hangingPunct="1">
+      <a:defRPr sz="1200" kern="1200">
+        <a:solidFill>
+          <a:schemeClr val="tx1"/>
+        </a:solidFill>
+        <a:latin typeface="+mn-lt"/>
+        <a:ea typeface="+mn-ea"/>
+        <a:cs typeface="+mn-cs"/>
+      </a:defRPr>
+    </a:lvl6pPr>
+    <a:lvl7pPr marL="2743200" algn="l" defTabSz="914400" rtl="0" eaLnBrk="1" latinLnBrk="0" hangingPunct="1">
+      <a:defRPr sz="1200" kern="1200">
+        <a:solidFill>
+          <a:schemeClr val="tx1"/>
+        </a:solidFill>
+        <a:latin typeface="+mn-lt"/>
+        <a:ea typeface="+mn-ea"/>
+        <a:cs typeface="+mn-cs"/>
+      </a:defRPr>
+    </a:lvl7pPr>
+    <a:lvl8pPr marL="3200400" algn="l" defTabSz="914400" rtl="0" eaLnBrk="1" latinLnBrk="0" hangingPunct="1">
+      <a:defRPr sz="1200" kern="1200">
+        <a:solidFill>
+          <a:schemeClr val="tx1"/>
+        </a:solidFill>
+        <a:latin typeface="+mn-lt"/>
+        <a:ea typeface="+mn-ea"/>
+        <a:cs typeface="+mn-cs"/>
+      </a:defRPr>
+    </a:lvl8pPr>
+    <a:lvl9pPr marL="3657600" algn="l" defTabSz="914400" rtl="0" eaLnBrk="1" latinLnBrk="0" hangingPunct="1">
+      <a:defRPr sz="1200" kern="1200">
+        <a:solidFill>
+          <a:schemeClr val="tx1"/>
+        </a:solidFill>
+        <a:latin typeface="+mn-lt"/>
+        <a:ea typeface="+mn-ea"/>
+        <a:cs typeface="+mn-cs"/>
+      </a:defRPr>
+    </a:lvl9pPr>
+  </p:notesStyle>
+</p:notesMaster>
+</file>
+
+<file path=ppt/notesSlides/notesSlide1.xml><?xml version="1.0" encoding="utf-8"?>
+<p:notes xmlns:a="http://schemas.openxmlformats.org/drawingml/2006/main" xmlns:r="http://schemas.openxmlformats.org/officeDocument/2006/relationships" xmlns:p="http://schemas.openxmlformats.org/presentationml/2006/main">
+  <p:cSld>
+    <p:spTree>
+      <p:nvGrpSpPr>
+        <p:cNvPr id="1" name=""/>
+        <p:cNvGrpSpPr/>
+        <p:nvPr/>
+      </p:nvGrpSpPr>
+      <p:grpSpPr/>
+      <p:sp>
+        <p:nvSpPr>
+          <p:cNvPr id="2" name="幻灯片图像占位符 1"/>
+          <p:cNvSpPr/>
+          <p:nvPr>
+            <p:ph type="sldImg" idx="2"/>
+          </p:nvPr>
+        </p:nvSpPr>
+        <p:spPr/>
+      </p:sp>
+      <p:sp>
+        <p:nvSpPr>
+          <p:cNvPr id="3" name="文本占位符 2"/>
+          <p:cNvSpPr/>
+          <p:nvPr>
+            <p:ph type="body" idx="3"/>
+          </p:nvPr>
+        </p:nvSpPr>
+        <p:spPr/>
+        <p:txBody>
+          <a:bodyPr/>
+          <a:p>
+            <a:endParaRPr lang="zh-CN" altLang="en-US"/>
+          </a:p>
+        </p:txBody>
+      </p:sp>
+    </p:spTree>
+  </p:cSld>
+  <p:clrMapOvr>
+    <a:masterClrMapping/>
+  </p:clrMapOvr>
+</p:notes>
 </file>
 
 <file path=ppt/slideLayouts/slideLayout1.xml><?xml version="1.0" encoding="utf-8"?>
@@ -6332,390 +6727,1384 @@
         <p:nvPr/>
       </p:nvGrpSpPr>
       <p:grpSpPr/>
+      <p:pic>
+        <p:nvPicPr>
+          <p:cNvPr id="3" name="图片 2"/>
+          <p:cNvPicPr>
+            <a:picLocks noChangeAspect="1"/>
+          </p:cNvPicPr>
+          <p:nvPr/>
+        </p:nvPicPr>
+        <p:blipFill>
+          <a:blip r:embed="rId1"/>
+          <a:stretch>
+            <a:fillRect/>
+          </a:stretch>
+        </p:blipFill>
+        <p:spPr>
+          <a:xfrm>
+            <a:off x="149860" y="272415"/>
+            <a:ext cx="2720340" cy="594360"/>
+          </a:xfrm>
+          <a:prstGeom prst="rect">
+            <a:avLst/>
+          </a:prstGeom>
+        </p:spPr>
+      </p:pic>
+      <p:pic>
+        <p:nvPicPr>
+          <p:cNvPr id="4" name="图片 3"/>
+          <p:cNvPicPr>
+            <a:picLocks noChangeAspect="1"/>
+          </p:cNvPicPr>
+          <p:nvPr/>
+        </p:nvPicPr>
+        <p:blipFill>
+          <a:blip r:embed="rId2"/>
+          <a:stretch>
+            <a:fillRect/>
+          </a:stretch>
+        </p:blipFill>
+        <p:spPr>
+          <a:xfrm>
+            <a:off x="149860" y="1052830"/>
+            <a:ext cx="3316605" cy="1920875"/>
+          </a:xfrm>
+          <a:prstGeom prst="rect">
+            <a:avLst/>
+          </a:prstGeom>
+        </p:spPr>
+      </p:pic>
+      <p:pic>
+        <p:nvPicPr>
+          <p:cNvPr id="5" name="图片 4"/>
+          <p:cNvPicPr>
+            <a:picLocks noChangeAspect="1"/>
+          </p:cNvPicPr>
+          <p:nvPr/>
+        </p:nvPicPr>
+        <p:blipFill>
+          <a:blip r:embed="rId3"/>
+          <a:stretch>
+            <a:fillRect/>
+          </a:stretch>
+        </p:blipFill>
+        <p:spPr>
+          <a:xfrm>
+            <a:off x="3743325" y="1073150"/>
+            <a:ext cx="5630545" cy="994410"/>
+          </a:xfrm>
+          <a:prstGeom prst="rect">
+            <a:avLst/>
+          </a:prstGeom>
+        </p:spPr>
+      </p:pic>
+      <p:pic>
+        <p:nvPicPr>
+          <p:cNvPr id="6" name="图片 5"/>
+          <p:cNvPicPr>
+            <a:picLocks noChangeAspect="1"/>
+          </p:cNvPicPr>
+          <p:nvPr/>
+        </p:nvPicPr>
+        <p:blipFill>
+          <a:blip r:embed="rId4"/>
+          <a:stretch>
+            <a:fillRect/>
+          </a:stretch>
+        </p:blipFill>
+        <p:spPr>
+          <a:xfrm>
+            <a:off x="3895725" y="268605"/>
+            <a:ext cx="4400550" cy="598170"/>
+          </a:xfrm>
+          <a:prstGeom prst="rect">
+            <a:avLst/>
+          </a:prstGeom>
+        </p:spPr>
+      </p:pic>
       <p:sp>
         <p:nvSpPr>
-          <p:cNvPr id="2" name="文本框 1"/>
-          <p:cNvSpPr txBox="1"/>
+          <p:cNvPr id="11" name="矩形 10"/>
+          <p:cNvSpPr/>
           <p:nvPr/>
         </p:nvSpPr>
         <p:spPr>
           <a:xfrm>
-            <a:off x="155575" y="642620"/>
-            <a:ext cx="6087745" cy="2584450"/>
+            <a:off x="808990" y="280670"/>
+            <a:ext cx="2052320" cy="126365"/>
           </a:xfrm>
           <a:prstGeom prst="rect">
             <a:avLst/>
           </a:prstGeom>
           <a:noFill/>
-        </p:spPr>
+          <a:ln>
+            <a:solidFill>
+              <a:srgbClr val="FF0000"/>
+            </a:solidFill>
+          </a:ln>
+          <a:extLst>
+            <a:ext uri="{909E8E84-426E-40DD-AFC4-6F175D3DCCD1}">
+              <a14:hiddenFill xmlns:a14="http://schemas.microsoft.com/office/drawing/2010/main">
+                <a:solidFill>
+                  <a:schemeClr val="lt1"/>
+                </a:solidFill>
+              </a14:hiddenFill>
+            </a:ext>
+          </a:extLst>
+        </p:spPr>
+        <p:style>
+          <a:lnRef idx="2">
+            <a:schemeClr val="accent6"/>
+          </a:lnRef>
+          <a:fillRef idx="1">
+            <a:schemeClr val="lt1"/>
+          </a:fillRef>
+          <a:effectRef idx="0">
+            <a:schemeClr val="accent6"/>
+          </a:effectRef>
+          <a:fontRef idx="minor">
+            <a:schemeClr val="dk1"/>
+          </a:fontRef>
+        </p:style>
         <p:txBody>
-          <a:bodyPr wrap="square" rtlCol="0" anchor="t">
+          <a:bodyPr rtlCol="0" anchor="ctr"/>
+          <a:p>
+            <a:pPr algn="ctr"/>
+            <a:endParaRPr lang="zh-CN" altLang="en-US"/>
+          </a:p>
+        </p:txBody>
+      </p:sp>
+      <p:sp>
+        <p:nvSpPr>
+          <p:cNvPr id="12" name="矩形 11"/>
+          <p:cNvSpPr/>
+          <p:nvPr/>
+        </p:nvSpPr>
+        <p:spPr>
+          <a:xfrm>
+            <a:off x="438785" y="2509520"/>
+            <a:ext cx="2341245" cy="127000"/>
+          </a:xfrm>
+          <a:prstGeom prst="rect">
+            <a:avLst/>
+          </a:prstGeom>
+          <a:noFill/>
+          <a:ln>
+            <a:solidFill>
+              <a:srgbClr val="FF0000"/>
+            </a:solidFill>
+          </a:ln>
+          <a:extLst>
+            <a:ext uri="{909E8E84-426E-40DD-AFC4-6F175D3DCCD1}">
+              <a14:hiddenFill xmlns:a14="http://schemas.microsoft.com/office/drawing/2010/main">
+                <a:solidFill>
+                  <a:schemeClr val="lt1"/>
+                </a:solidFill>
+              </a14:hiddenFill>
+            </a:ext>
+          </a:extLst>
+        </p:spPr>
+        <p:style>
+          <a:lnRef idx="2">
+            <a:schemeClr val="accent6"/>
+          </a:lnRef>
+          <a:fillRef idx="1">
+            <a:schemeClr val="lt1"/>
+          </a:fillRef>
+          <a:effectRef idx="0">
+            <a:schemeClr val="accent6"/>
+          </a:effectRef>
+          <a:fontRef idx="minor">
+            <a:schemeClr val="dk1"/>
+          </a:fontRef>
+        </p:style>
+        <p:txBody>
+          <a:bodyPr rtlCol="0" anchor="ctr"/>
+          <a:p>
+            <a:pPr algn="ctr"/>
+            <a:endParaRPr lang="zh-CN" altLang="en-US"/>
+          </a:p>
+        </p:txBody>
+      </p:sp>
+      <p:sp>
+        <p:nvSpPr>
+          <p:cNvPr id="13" name="矩形 12"/>
+          <p:cNvSpPr/>
+          <p:nvPr/>
+        </p:nvSpPr>
+        <p:spPr>
+          <a:xfrm>
+            <a:off x="4144645" y="577850"/>
+            <a:ext cx="1456055" cy="106680"/>
+          </a:xfrm>
+          <a:prstGeom prst="rect">
+            <a:avLst/>
+          </a:prstGeom>
+          <a:noFill/>
+          <a:ln>
+            <a:solidFill>
+              <a:srgbClr val="FF0000"/>
+            </a:solidFill>
+          </a:ln>
+          <a:extLst>
+            <a:ext uri="{909E8E84-426E-40DD-AFC4-6F175D3DCCD1}">
+              <a14:hiddenFill xmlns:a14="http://schemas.microsoft.com/office/drawing/2010/main">
+                <a:solidFill>
+                  <a:schemeClr val="lt1"/>
+                </a:solidFill>
+              </a14:hiddenFill>
+            </a:ext>
+          </a:extLst>
+        </p:spPr>
+        <p:style>
+          <a:lnRef idx="2">
+            <a:schemeClr val="accent6"/>
+          </a:lnRef>
+          <a:fillRef idx="1">
+            <a:schemeClr val="lt1"/>
+          </a:fillRef>
+          <a:effectRef idx="0">
+            <a:schemeClr val="accent6"/>
+          </a:effectRef>
+          <a:fontRef idx="minor">
+            <a:schemeClr val="dk1"/>
+          </a:fontRef>
+        </p:style>
+        <p:txBody>
+          <a:bodyPr rtlCol="0" anchor="ctr"/>
+          <a:p>
+            <a:pPr algn="ctr"/>
+            <a:endParaRPr lang="zh-CN" altLang="en-US"/>
+          </a:p>
+        </p:txBody>
+      </p:sp>
+      <p:pic>
+        <p:nvPicPr>
+          <p:cNvPr id="14" name="图片 13"/>
+          <p:cNvPicPr>
+            <a:picLocks noChangeAspect="1"/>
+          </p:cNvPicPr>
+          <p:nvPr/>
+        </p:nvPicPr>
+        <p:blipFill>
+          <a:blip r:embed="rId5"/>
+          <a:stretch>
+            <a:fillRect/>
+          </a:stretch>
+        </p:blipFill>
+        <p:spPr>
+          <a:xfrm>
+            <a:off x="81280" y="3411855"/>
+            <a:ext cx="9619615" cy="227330"/>
+          </a:xfrm>
+          <a:prstGeom prst="rect">
+            <a:avLst/>
+          </a:prstGeom>
+        </p:spPr>
+      </p:pic>
+      <p:pic>
+        <p:nvPicPr>
+          <p:cNvPr id="15" name="图片 14"/>
+          <p:cNvPicPr>
+            <a:picLocks noChangeAspect="1"/>
+          </p:cNvPicPr>
+          <p:nvPr/>
+        </p:nvPicPr>
+        <p:blipFill>
+          <a:blip r:embed="rId6"/>
+          <a:stretch>
+            <a:fillRect/>
+          </a:stretch>
+        </p:blipFill>
+        <p:spPr>
+          <a:xfrm>
+            <a:off x="3743325" y="2509520"/>
+            <a:ext cx="5681345" cy="577215"/>
+          </a:xfrm>
+          <a:prstGeom prst="rect">
+            <a:avLst/>
+          </a:prstGeom>
+        </p:spPr>
+      </p:pic>
+      <p:sp>
+        <p:nvSpPr>
+          <p:cNvPr id="16" name="矩形 15"/>
+          <p:cNvSpPr/>
+          <p:nvPr/>
+        </p:nvSpPr>
+        <p:spPr>
+          <a:xfrm>
+            <a:off x="4791710" y="1348740"/>
+            <a:ext cx="2686050" cy="127000"/>
+          </a:xfrm>
+          <a:prstGeom prst="rect">
+            <a:avLst/>
+          </a:prstGeom>
+          <a:noFill/>
+          <a:ln>
+            <a:solidFill>
+              <a:srgbClr val="FF0000"/>
+            </a:solidFill>
+          </a:ln>
+          <a:extLst>
+            <a:ext uri="{909E8E84-426E-40DD-AFC4-6F175D3DCCD1}">
+              <a14:hiddenFill xmlns:a14="http://schemas.microsoft.com/office/drawing/2010/main">
+                <a:solidFill>
+                  <a:schemeClr val="lt1"/>
+                </a:solidFill>
+              </a14:hiddenFill>
+            </a:ext>
+          </a:extLst>
+        </p:spPr>
+        <p:style>
+          <a:lnRef idx="2">
+            <a:schemeClr val="accent6"/>
+          </a:lnRef>
+          <a:fillRef idx="1">
+            <a:schemeClr val="lt1"/>
+          </a:fillRef>
+          <a:effectRef idx="0">
+            <a:schemeClr val="accent6"/>
+          </a:effectRef>
+          <a:fontRef idx="minor">
+            <a:schemeClr val="dk1"/>
+          </a:fontRef>
+        </p:style>
+        <p:txBody>
+          <a:bodyPr rtlCol="0" anchor="ctr"/>
+          <a:p>
+            <a:pPr algn="ctr"/>
+            <a:endParaRPr lang="zh-CN" altLang="en-US"/>
+          </a:p>
+        </p:txBody>
+      </p:sp>
+      <p:sp>
+        <p:nvSpPr>
+          <p:cNvPr id="17" name="矩形 16"/>
+          <p:cNvSpPr/>
+          <p:nvPr/>
+        </p:nvSpPr>
+        <p:spPr>
+          <a:xfrm>
+            <a:off x="4133850" y="2794635"/>
+            <a:ext cx="2461260" cy="109855"/>
+          </a:xfrm>
+          <a:prstGeom prst="rect">
+            <a:avLst/>
+          </a:prstGeom>
+          <a:noFill/>
+          <a:ln>
+            <a:solidFill>
+              <a:srgbClr val="FF0000"/>
+            </a:solidFill>
+          </a:ln>
+          <a:extLst>
+            <a:ext uri="{909E8E84-426E-40DD-AFC4-6F175D3DCCD1}">
+              <a14:hiddenFill xmlns:a14="http://schemas.microsoft.com/office/drawing/2010/main">
+                <a:solidFill>
+                  <a:schemeClr val="lt1"/>
+                </a:solidFill>
+              </a14:hiddenFill>
+            </a:ext>
+          </a:extLst>
+        </p:spPr>
+        <p:style>
+          <a:lnRef idx="2">
+            <a:schemeClr val="accent6"/>
+          </a:lnRef>
+          <a:fillRef idx="1">
+            <a:schemeClr val="lt1"/>
+          </a:fillRef>
+          <a:effectRef idx="0">
+            <a:schemeClr val="accent6"/>
+          </a:effectRef>
+          <a:fontRef idx="minor">
+            <a:schemeClr val="dk1"/>
+          </a:fontRef>
+        </p:style>
+        <p:txBody>
+          <a:bodyPr rtlCol="0" anchor="ctr"/>
+          <a:p>
+            <a:pPr algn="ctr"/>
+            <a:endParaRPr lang="zh-CN" altLang="en-US"/>
+          </a:p>
+        </p:txBody>
+      </p:sp>
+      <p:sp>
+        <p:nvSpPr>
+          <p:cNvPr id="18" name="矩形 17"/>
+          <p:cNvSpPr/>
+          <p:nvPr/>
+        </p:nvSpPr>
+        <p:spPr>
+          <a:xfrm>
+            <a:off x="4507865" y="3449320"/>
+            <a:ext cx="679450" cy="143510"/>
+          </a:xfrm>
+          <a:prstGeom prst="rect">
+            <a:avLst/>
+          </a:prstGeom>
+          <a:noFill/>
+          <a:ln>
+            <a:solidFill>
+              <a:srgbClr val="92D050"/>
+            </a:solidFill>
+          </a:ln>
+          <a:extLst>
+            <a:ext uri="{909E8E84-426E-40DD-AFC4-6F175D3DCCD1}">
+              <a14:hiddenFill xmlns:a14="http://schemas.microsoft.com/office/drawing/2010/main">
+                <a:solidFill>
+                  <a:schemeClr val="lt1"/>
+                </a:solidFill>
+              </a14:hiddenFill>
+            </a:ext>
+          </a:extLst>
+        </p:spPr>
+        <p:style>
+          <a:lnRef idx="2">
+            <a:schemeClr val="accent6"/>
+          </a:lnRef>
+          <a:fillRef idx="1">
+            <a:schemeClr val="lt1"/>
+          </a:fillRef>
+          <a:effectRef idx="0">
+            <a:schemeClr val="accent6"/>
+          </a:effectRef>
+          <a:fontRef idx="minor">
+            <a:schemeClr val="dk1"/>
+          </a:fontRef>
+        </p:style>
+        <p:txBody>
+          <a:bodyPr rtlCol="0" anchor="ctr"/>
+          <a:p>
+            <a:pPr algn="ctr"/>
+            <a:endParaRPr lang="zh-CN" altLang="en-US"/>
+          </a:p>
+        </p:txBody>
+      </p:sp>
+      <p:cxnSp>
+        <p:nvCxnSpPr>
+          <p:cNvPr id="19" name="直接箭头连接符 18"/>
+          <p:cNvCxnSpPr>
+            <a:stCxn id="11" idx="2"/>
+            <a:endCxn id="4" idx="0"/>
+          </p:cNvCxnSpPr>
+          <p:nvPr/>
+        </p:nvCxnSpPr>
+        <p:spPr>
+          <a:xfrm flipH="1">
+            <a:off x="1808480" y="407035"/>
+            <a:ext cx="26670" cy="645795"/>
+          </a:xfrm>
+          <a:prstGeom prst="straightConnector1">
+            <a:avLst/>
+          </a:prstGeom>
+          <a:ln>
+            <a:tailEnd type="arrow"/>
+          </a:ln>
+        </p:spPr>
+        <p:style>
+          <a:lnRef idx="1">
+            <a:schemeClr val="accent1"/>
+          </a:lnRef>
+          <a:fillRef idx="0">
+            <a:schemeClr val="accent1"/>
+          </a:fillRef>
+          <a:effectRef idx="0">
+            <a:schemeClr val="accent1"/>
+          </a:effectRef>
+          <a:fontRef idx="minor">
+            <a:schemeClr val="tx1"/>
+          </a:fontRef>
+        </p:style>
+      </p:cxnSp>
+      <p:cxnSp>
+        <p:nvCxnSpPr>
+          <p:cNvPr id="20" name="直接箭头连接符 19"/>
+          <p:cNvCxnSpPr>
+            <a:stCxn id="12" idx="3"/>
+            <a:endCxn id="6" idx="1"/>
+          </p:cNvCxnSpPr>
+          <p:nvPr/>
+        </p:nvCxnSpPr>
+        <p:spPr>
+          <a:xfrm flipV="1">
+            <a:off x="2780030" y="567690"/>
+            <a:ext cx="1115695" cy="2005330"/>
+          </a:xfrm>
+          <a:prstGeom prst="straightConnector1">
+            <a:avLst/>
+          </a:prstGeom>
+          <a:ln>
+            <a:tailEnd type="arrow"/>
+          </a:ln>
+        </p:spPr>
+        <p:style>
+          <a:lnRef idx="1">
+            <a:schemeClr val="accent1"/>
+          </a:lnRef>
+          <a:fillRef idx="0">
+            <a:schemeClr val="accent1"/>
+          </a:fillRef>
+          <a:effectRef idx="0">
+            <a:schemeClr val="accent1"/>
+          </a:effectRef>
+          <a:fontRef idx="minor">
+            <a:schemeClr val="tx1"/>
+          </a:fontRef>
+        </p:style>
+      </p:cxnSp>
+      <p:cxnSp>
+        <p:nvCxnSpPr>
+          <p:cNvPr id="21" name="直接箭头连接符 20"/>
+          <p:cNvCxnSpPr>
+            <a:stCxn id="13" idx="2"/>
+            <a:endCxn id="5" idx="0"/>
+          </p:cNvCxnSpPr>
+          <p:nvPr/>
+        </p:nvCxnSpPr>
+        <p:spPr>
+          <a:xfrm>
+            <a:off x="4872990" y="684530"/>
+            <a:ext cx="1685925" cy="388620"/>
+          </a:xfrm>
+          <a:prstGeom prst="straightConnector1">
+            <a:avLst/>
+          </a:prstGeom>
+          <a:ln>
+            <a:tailEnd type="arrow"/>
+          </a:ln>
+        </p:spPr>
+        <p:style>
+          <a:lnRef idx="1">
+            <a:schemeClr val="accent1"/>
+          </a:lnRef>
+          <a:fillRef idx="0">
+            <a:schemeClr val="accent1"/>
+          </a:fillRef>
+          <a:effectRef idx="0">
+            <a:schemeClr val="accent1"/>
+          </a:effectRef>
+          <a:fontRef idx="minor">
+            <a:schemeClr val="tx1"/>
+          </a:fontRef>
+        </p:style>
+      </p:cxnSp>
+      <p:cxnSp>
+        <p:nvCxnSpPr>
+          <p:cNvPr id="22" name="直接箭头连接符 21"/>
+          <p:cNvCxnSpPr>
+            <a:stCxn id="16" idx="2"/>
+            <a:endCxn id="15" idx="0"/>
+          </p:cNvCxnSpPr>
+          <p:nvPr/>
+        </p:nvCxnSpPr>
+        <p:spPr>
+          <a:xfrm>
+            <a:off x="6134735" y="1475740"/>
+            <a:ext cx="449580" cy="1033780"/>
+          </a:xfrm>
+          <a:prstGeom prst="straightConnector1">
+            <a:avLst/>
+          </a:prstGeom>
+          <a:ln>
+            <a:tailEnd type="arrow"/>
+          </a:ln>
+        </p:spPr>
+        <p:style>
+          <a:lnRef idx="1">
+            <a:schemeClr val="accent1"/>
+          </a:lnRef>
+          <a:fillRef idx="0">
+            <a:schemeClr val="accent1"/>
+          </a:fillRef>
+          <a:effectRef idx="0">
+            <a:schemeClr val="accent1"/>
+          </a:effectRef>
+          <a:fontRef idx="minor">
+            <a:schemeClr val="tx1"/>
+          </a:fontRef>
+        </p:style>
+      </p:cxnSp>
+      <p:cxnSp>
+        <p:nvCxnSpPr>
+          <p:cNvPr id="23" name="直接箭头连接符 22"/>
+          <p:cNvCxnSpPr>
+            <a:stCxn id="17" idx="2"/>
+            <a:endCxn id="14" idx="0"/>
+          </p:cNvCxnSpPr>
+          <p:nvPr/>
+        </p:nvCxnSpPr>
+        <p:spPr>
+          <a:xfrm flipH="1">
+            <a:off x="4891405" y="2904490"/>
+            <a:ext cx="473075" cy="507365"/>
+          </a:xfrm>
+          <a:prstGeom prst="straightConnector1">
+            <a:avLst/>
+          </a:prstGeom>
+          <a:ln>
+            <a:tailEnd type="arrow"/>
+          </a:ln>
+        </p:spPr>
+        <p:style>
+          <a:lnRef idx="1">
+            <a:schemeClr val="accent1"/>
+          </a:lnRef>
+          <a:fillRef idx="0">
+            <a:schemeClr val="accent1"/>
+          </a:fillRef>
+          <a:effectRef idx="0">
+            <a:schemeClr val="accent1"/>
+          </a:effectRef>
+          <a:fontRef idx="minor">
+            <a:schemeClr val="tx1"/>
+          </a:fontRef>
+        </p:style>
+      </p:cxnSp>
+      <p:sp>
+        <p:nvSpPr>
+          <p:cNvPr id="24" name="矩形 23"/>
+          <p:cNvSpPr/>
+          <p:nvPr/>
+        </p:nvSpPr>
+        <p:spPr>
+          <a:xfrm>
+            <a:off x="8129270" y="3449320"/>
+            <a:ext cx="731520" cy="143510"/>
+          </a:xfrm>
+          <a:prstGeom prst="rect">
+            <a:avLst/>
+          </a:prstGeom>
+          <a:noFill/>
+          <a:ln>
+            <a:solidFill>
+              <a:srgbClr val="FF0000"/>
+            </a:solidFill>
+          </a:ln>
+          <a:extLst>
+            <a:ext uri="{909E8E84-426E-40DD-AFC4-6F175D3DCCD1}">
+              <a14:hiddenFill xmlns:a14="http://schemas.microsoft.com/office/drawing/2010/main">
+                <a:solidFill>
+                  <a:schemeClr val="lt1"/>
+                </a:solidFill>
+              </a14:hiddenFill>
+            </a:ext>
+          </a:extLst>
+        </p:spPr>
+        <p:style>
+          <a:lnRef idx="2">
+            <a:schemeClr val="accent6"/>
+          </a:lnRef>
+          <a:fillRef idx="1">
+            <a:schemeClr val="lt1"/>
+          </a:fillRef>
+          <a:effectRef idx="0">
+            <a:schemeClr val="accent6"/>
+          </a:effectRef>
+          <a:fontRef idx="minor">
+            <a:schemeClr val="dk1"/>
+          </a:fontRef>
+        </p:style>
+        <p:txBody>
+          <a:bodyPr rtlCol="0" anchor="ctr"/>
+          <a:p>
+            <a:pPr algn="ctr"/>
+            <a:endParaRPr lang="zh-CN" altLang="en-US"/>
+          </a:p>
+        </p:txBody>
+      </p:sp>
+      <p:sp>
+        <p:nvSpPr>
+          <p:cNvPr id="25" name="矩形 24"/>
+          <p:cNvSpPr/>
+          <p:nvPr/>
+        </p:nvSpPr>
+        <p:spPr>
+          <a:xfrm>
+            <a:off x="1076960" y="3449320"/>
+            <a:ext cx="1120775" cy="143510"/>
+          </a:xfrm>
+          <a:prstGeom prst="rect">
+            <a:avLst/>
+          </a:prstGeom>
+          <a:noFill/>
+          <a:ln>
+            <a:solidFill>
+              <a:srgbClr val="FFFF00"/>
+            </a:solidFill>
+          </a:ln>
+          <a:extLst>
+            <a:ext uri="{909E8E84-426E-40DD-AFC4-6F175D3DCCD1}">
+              <a14:hiddenFill xmlns:a14="http://schemas.microsoft.com/office/drawing/2010/main">
+                <a:solidFill>
+                  <a:schemeClr val="lt1"/>
+                </a:solidFill>
+              </a14:hiddenFill>
+            </a:ext>
+          </a:extLst>
+        </p:spPr>
+        <p:style>
+          <a:lnRef idx="2">
+            <a:schemeClr val="accent6"/>
+          </a:lnRef>
+          <a:fillRef idx="1">
+            <a:schemeClr val="lt1"/>
+          </a:fillRef>
+          <a:effectRef idx="0">
+            <a:schemeClr val="accent6"/>
+          </a:effectRef>
+          <a:fontRef idx="minor">
+            <a:schemeClr val="dk1"/>
+          </a:fontRef>
+        </p:style>
+        <p:txBody>
+          <a:bodyPr rtlCol="0" anchor="ctr"/>
+          <a:p>
+            <a:pPr algn="ctr"/>
+            <a:endParaRPr lang="zh-CN" altLang="en-US"/>
+          </a:p>
+        </p:txBody>
+      </p:sp>
+      <p:sp>
+        <p:nvSpPr>
+          <p:cNvPr id="27" name="矩形 26"/>
+          <p:cNvSpPr/>
+          <p:nvPr/>
+        </p:nvSpPr>
+        <p:spPr>
+          <a:xfrm>
+            <a:off x="985520" y="424180"/>
+            <a:ext cx="822960" cy="324485"/>
+          </a:xfrm>
+          <a:prstGeom prst="rect">
+            <a:avLst/>
+          </a:prstGeom>
+          <a:noFill/>
+          <a:ln>
+            <a:solidFill>
+              <a:srgbClr val="FFFF00"/>
+            </a:solidFill>
+          </a:ln>
+          <a:extLst>
+            <a:ext uri="{909E8E84-426E-40DD-AFC4-6F175D3DCCD1}">
+              <a14:hiddenFill xmlns:a14="http://schemas.microsoft.com/office/drawing/2010/main">
+                <a:solidFill>
+                  <a:schemeClr val="lt1"/>
+                </a:solidFill>
+              </a14:hiddenFill>
+            </a:ext>
+          </a:extLst>
+        </p:spPr>
+        <p:style>
+          <a:lnRef idx="2">
+            <a:schemeClr val="accent6"/>
+          </a:lnRef>
+          <a:fillRef idx="1">
+            <a:schemeClr val="lt1"/>
+          </a:fillRef>
+          <a:effectRef idx="0">
+            <a:schemeClr val="accent6"/>
+          </a:effectRef>
+          <a:fontRef idx="minor">
+            <a:schemeClr val="dk1"/>
+          </a:fontRef>
+        </p:style>
+        <p:txBody>
+          <a:bodyPr rtlCol="0" anchor="ctr"/>
+          <a:p>
+            <a:pPr algn="ctr"/>
+            <a:endParaRPr lang="zh-CN" altLang="en-US"/>
+          </a:p>
+        </p:txBody>
+      </p:sp>
+      <p:sp>
+        <p:nvSpPr>
+          <p:cNvPr id="30" name="矩形 29"/>
+          <p:cNvSpPr/>
+          <p:nvPr/>
+        </p:nvSpPr>
+        <p:spPr>
+          <a:xfrm>
+            <a:off x="7288530" y="2786380"/>
+            <a:ext cx="1096010" cy="118110"/>
+          </a:xfrm>
+          <a:prstGeom prst="rect">
+            <a:avLst/>
+          </a:prstGeom>
+          <a:noFill/>
+          <a:ln>
+            <a:solidFill>
+              <a:srgbClr val="FFFFFF"/>
+            </a:solidFill>
+          </a:ln>
+          <a:extLst>
+            <a:ext uri="{909E8E84-426E-40DD-AFC4-6F175D3DCCD1}">
+              <a14:hiddenFill xmlns:a14="http://schemas.microsoft.com/office/drawing/2010/main">
+                <a:solidFill>
+                  <a:schemeClr val="lt1"/>
+                </a:solidFill>
+              </a14:hiddenFill>
+            </a:ext>
+          </a:extLst>
+        </p:spPr>
+        <p:style>
+          <a:lnRef idx="2">
+            <a:schemeClr val="accent6"/>
+          </a:lnRef>
+          <a:fillRef idx="1">
+            <a:schemeClr val="lt1"/>
+          </a:fillRef>
+          <a:effectRef idx="0">
+            <a:schemeClr val="accent6"/>
+          </a:effectRef>
+          <a:fontRef idx="minor">
+            <a:schemeClr val="dk1"/>
+          </a:fontRef>
+        </p:style>
+        <p:txBody>
+          <a:bodyPr rtlCol="0" anchor="ctr"/>
+          <a:p>
+            <a:pPr algn="ctr"/>
+            <a:endParaRPr lang="zh-CN" altLang="en-US"/>
+          </a:p>
+        </p:txBody>
+      </p:sp>
+      <p:sp>
+        <p:nvSpPr>
+          <p:cNvPr id="31" name="矩形 30"/>
+          <p:cNvSpPr/>
+          <p:nvPr/>
+        </p:nvSpPr>
+        <p:spPr>
+          <a:xfrm>
+            <a:off x="662940" y="2336800"/>
+            <a:ext cx="1146175" cy="126365"/>
+          </a:xfrm>
+          <a:prstGeom prst="rect">
+            <a:avLst/>
+          </a:prstGeom>
+          <a:noFill/>
+          <a:ln>
+            <a:solidFill>
+              <a:srgbClr val="92D050"/>
+            </a:solidFill>
+          </a:ln>
+          <a:extLst>
+            <a:ext uri="{909E8E84-426E-40DD-AFC4-6F175D3DCCD1}">
+              <a14:hiddenFill xmlns:a14="http://schemas.microsoft.com/office/drawing/2010/main">
+                <a:solidFill>
+                  <a:schemeClr val="lt1"/>
+                </a:solidFill>
+              </a14:hiddenFill>
+            </a:ext>
+          </a:extLst>
+        </p:spPr>
+        <p:style>
+          <a:lnRef idx="2">
+            <a:schemeClr val="accent6"/>
+          </a:lnRef>
+          <a:fillRef idx="1">
+            <a:schemeClr val="lt1"/>
+          </a:fillRef>
+          <a:effectRef idx="0">
+            <a:schemeClr val="accent6"/>
+          </a:effectRef>
+          <a:fontRef idx="minor">
+            <a:schemeClr val="dk1"/>
+          </a:fontRef>
+        </p:style>
+        <p:txBody>
+          <a:bodyPr rtlCol="0" anchor="ctr"/>
+          <a:p>
+            <a:pPr algn="ctr"/>
+            <a:endParaRPr lang="zh-CN" altLang="en-US"/>
+          </a:p>
+        </p:txBody>
+      </p:sp>
+      <p:sp>
+        <p:nvSpPr>
+          <p:cNvPr id="32" name="文本框 31"/>
+          <p:cNvSpPr txBox="1"/>
+          <p:nvPr/>
+        </p:nvSpPr>
+        <p:spPr>
+          <a:xfrm>
+            <a:off x="9619615" y="2444115"/>
+            <a:ext cx="2082800" cy="260350"/>
+          </a:xfrm>
+          <a:prstGeom prst="rect">
+            <a:avLst/>
+          </a:prstGeom>
+          <a:noFill/>
+        </p:spPr>
+        <p:txBody>
+          <a:bodyPr wrap="square" rtlCol="0">
             <a:spAutoFit/>
           </a:bodyPr>
           <a:p>
             <a:r>
-              <a:rPr lang="zh-CN" altLang="en-US" sz="1200"/>
-              <a:t>      </a:t>
-            </a:r>
-            <a:r>
-              <a:rPr lang="zh-CN" altLang="en-US" sz="1200">
-                <a:solidFill>
-                  <a:srgbClr val="FF0000"/>
-                </a:solidFill>
-              </a:rPr>
-              <a:t>  val okHttpClient = OkHttpClient()</a:t>
-            </a:r>
-            <a:endParaRPr lang="zh-CN" altLang="en-US" sz="1200">
-              <a:solidFill>
-                <a:srgbClr val="FF0000"/>
-              </a:solidFill>
-            </a:endParaRPr>
-          </a:p>
-          <a:p>
-            <a:r>
-              <a:rPr lang="zh-CN" altLang="en-US" sz="1200">
-                <a:solidFill>
-                  <a:srgbClr val="FF0000"/>
-                </a:solidFill>
-              </a:rPr>
-              <a:t>        val request = Request.Builder().url("https://www.baidu.com").build()</a:t>
-            </a:r>
-            <a:endParaRPr lang="zh-CN" altLang="en-US" sz="1200">
-              <a:solidFill>
-                <a:srgbClr val="FF0000"/>
-              </a:solidFill>
-            </a:endParaRPr>
-          </a:p>
-          <a:p>
-            <a:r>
-              <a:rPr lang="zh-CN" altLang="en-US" sz="1200"/>
-              <a:t>        val execute = okHttpClient.newCall(request).</a:t>
-            </a:r>
-            <a:r>
-              <a:rPr lang="zh-CN" altLang="en-US" sz="1200">
-                <a:ln>
-                  <a:noFill/>
-                </a:ln>
-                <a:solidFill>
-                  <a:schemeClr val="tx1"/>
-                </a:solidFill>
-              </a:rPr>
-              <a:t>enqueue</a:t>
-            </a:r>
-            <a:r>
-              <a:rPr lang="zh-CN" altLang="en-US" sz="1200"/>
-              <a:t>(</a:t>
-            </a:r>
-            <a:r>
-              <a:rPr lang="zh-CN" altLang="en-US" sz="1400">
-                <a:solidFill>
-                  <a:schemeClr val="tx1"/>
-                </a:solidFill>
-                <a:effectLst>
-                  <a:outerShdw blurRad="38100" dist="19050" dir="2700000" algn="tl" rotWithShape="0">
-                    <a:schemeClr val="dk1">
-                      <a:alpha val="40000"/>
-                    </a:schemeClr>
-                  </a:outerShdw>
-                </a:effectLst>
-              </a:rPr>
-              <a:t>object :</a:t>
-            </a:r>
-            <a:r>
-              <a:rPr lang="zh-CN" altLang="en-US" sz="1200">
-                <a:solidFill>
-                  <a:srgbClr val="FF0000"/>
-                </a:solidFill>
-              </a:rPr>
-              <a:t> </a:t>
-            </a:r>
-            <a:r>
-              <a:rPr lang="zh-CN" altLang="en-US" sz="1400">
-                <a:solidFill>
-                  <a:schemeClr val="tx1"/>
-                </a:solidFill>
-                <a:effectLst>
-                  <a:outerShdw blurRad="38100" dist="19050" dir="2700000" algn="tl" rotWithShape="0">
-                    <a:schemeClr val="dk1">
-                      <a:alpha val="40000"/>
-                    </a:schemeClr>
-                  </a:outerShdw>
-                </a:effectLst>
-              </a:rPr>
-              <a:t>Callback {</a:t>
-            </a:r>
-            <a:endParaRPr lang="zh-CN" altLang="en-US" sz="1400">
-              <a:solidFill>
-                <a:schemeClr val="tx1"/>
-              </a:solidFill>
-              <a:effectLst>
-                <a:outerShdw blurRad="38100" dist="19050" dir="2700000" algn="tl" rotWithShape="0">
-                  <a:schemeClr val="dk1">
-                    <a:alpha val="40000"/>
-                  </a:schemeClr>
-                </a:outerShdw>
-              </a:effectLst>
-            </a:endParaRPr>
-          </a:p>
-          <a:p>
-            <a:r>
-              <a:rPr lang="zh-CN" altLang="en-US" sz="1400">
-                <a:solidFill>
-                  <a:schemeClr val="tx1"/>
-                </a:solidFill>
-                <a:effectLst>
-                  <a:outerShdw blurRad="38100" dist="19050" dir="2700000" algn="tl" rotWithShape="0">
-                    <a:schemeClr val="dk1">
-                      <a:alpha val="40000"/>
-                    </a:schemeClr>
-                  </a:outerShdw>
-                </a:effectLst>
-              </a:rPr>
-              <a:t>            override fun onFailure(call: Call, e: IOException) {</a:t>
-            </a:r>
-            <a:endParaRPr lang="zh-CN" altLang="en-US" sz="1400">
-              <a:solidFill>
-                <a:schemeClr val="tx1"/>
-              </a:solidFill>
-              <a:effectLst>
-                <a:outerShdw blurRad="38100" dist="19050" dir="2700000" algn="tl" rotWithShape="0">
-                  <a:schemeClr val="dk1">
-                    <a:alpha val="40000"/>
-                  </a:schemeClr>
-                </a:outerShdw>
-              </a:effectLst>
-            </a:endParaRPr>
-          </a:p>
-          <a:p>
-            <a:r>
-              <a:rPr lang="en-US" altLang="zh-CN" sz="1400">
-                <a:solidFill>
-                  <a:schemeClr val="tx1"/>
-                </a:solidFill>
-                <a:effectLst>
-                  <a:outerShdw blurRad="38100" dist="19050" dir="2700000" algn="tl" rotWithShape="0">
-                    <a:schemeClr val="dk1">
-                      <a:alpha val="40000"/>
-                    </a:schemeClr>
-                  </a:outerShdw>
-                </a:effectLst>
-              </a:rPr>
-              <a:t>	</a:t>
-            </a:r>
-            <a:r>
-              <a:rPr lang="en-US" altLang="zh-CN" sz="1400">
-                <a:solidFill>
-                  <a:srgbClr val="FF0000"/>
-                </a:solidFill>
-                <a:effectLst>
-                  <a:outerShdw blurRad="38100" dist="19050" dir="2700000" algn="tl" rotWithShape="0">
-                    <a:schemeClr val="dk1">
-                      <a:alpha val="40000"/>
-                    </a:schemeClr>
-                  </a:outerShdw>
-                </a:effectLst>
-              </a:rPr>
-              <a:t>//failure</a:t>
-            </a:r>
-            <a:r>
-              <a:rPr lang="en-US" altLang="zh-CN" sz="1400">
-                <a:solidFill>
-                  <a:schemeClr val="tx1"/>
-                </a:solidFill>
-                <a:effectLst>
-                  <a:outerShdw blurRad="38100" dist="19050" dir="2700000" algn="tl" rotWithShape="0">
-                    <a:schemeClr val="dk1">
-                      <a:alpha val="40000"/>
-                    </a:schemeClr>
-                  </a:outerShdw>
-                </a:effectLst>
-              </a:rPr>
-              <a:t>		</a:t>
-            </a:r>
-            <a:endParaRPr lang="zh-CN" altLang="en-US" sz="1400">
-              <a:solidFill>
-                <a:schemeClr val="tx1"/>
-              </a:solidFill>
-              <a:effectLst>
-                <a:outerShdw blurRad="38100" dist="19050" dir="2700000" algn="tl" rotWithShape="0">
-                  <a:schemeClr val="dk1">
-                    <a:alpha val="40000"/>
-                  </a:schemeClr>
-                </a:outerShdw>
-              </a:effectLst>
-            </a:endParaRPr>
-          </a:p>
-          <a:p>
-            <a:r>
-              <a:rPr lang="zh-CN" altLang="en-US" sz="1400">
-                <a:solidFill>
-                  <a:schemeClr val="tx1"/>
-                </a:solidFill>
-                <a:effectLst>
-                  <a:outerShdw blurRad="38100" dist="19050" dir="2700000" algn="tl" rotWithShape="0">
-                    <a:schemeClr val="dk1">
-                      <a:alpha val="40000"/>
-                    </a:schemeClr>
-                  </a:outerShdw>
-                </a:effectLst>
-              </a:rPr>
-              <a:t>            }</a:t>
-            </a:r>
-            <a:endParaRPr lang="zh-CN" altLang="en-US" sz="1400">
-              <a:solidFill>
-                <a:schemeClr val="tx1"/>
-              </a:solidFill>
-              <a:effectLst>
-                <a:outerShdw blurRad="38100" dist="19050" dir="2700000" algn="tl" rotWithShape="0">
-                  <a:schemeClr val="dk1">
-                    <a:alpha val="40000"/>
-                  </a:schemeClr>
-                </a:outerShdw>
-              </a:effectLst>
-            </a:endParaRPr>
-          </a:p>
-          <a:p>
-            <a:endParaRPr lang="zh-CN" altLang="en-US" sz="1400">
-              <a:solidFill>
-                <a:schemeClr val="tx1"/>
-              </a:solidFill>
-              <a:effectLst>
-                <a:outerShdw blurRad="38100" dist="19050" dir="2700000" algn="tl" rotWithShape="0">
-                  <a:schemeClr val="dk1">
-                    <a:alpha val="40000"/>
-                  </a:schemeClr>
-                </a:outerShdw>
-              </a:effectLst>
-            </a:endParaRPr>
-          </a:p>
-          <a:p>
-            <a:r>
-              <a:rPr lang="zh-CN" altLang="en-US" sz="1400">
-                <a:solidFill>
-                  <a:schemeClr val="tx1"/>
-                </a:solidFill>
-                <a:effectLst>
-                  <a:outerShdw blurRad="38100" dist="19050" dir="2700000" algn="tl" rotWithShape="0">
-                    <a:schemeClr val="dk1">
-                      <a:alpha val="40000"/>
-                    </a:schemeClr>
-                  </a:outerShdw>
-                </a:effectLst>
-              </a:rPr>
-              <a:t>            //回调结果默认是在子线程</a:t>
-            </a:r>
-            <a:endParaRPr lang="zh-CN" altLang="en-US" sz="1400">
-              <a:solidFill>
-                <a:schemeClr val="tx1"/>
-              </a:solidFill>
-              <a:effectLst>
-                <a:outerShdw blurRad="38100" dist="19050" dir="2700000" algn="tl" rotWithShape="0">
-                  <a:schemeClr val="dk1">
-                    <a:alpha val="40000"/>
-                  </a:schemeClr>
-                </a:outerShdw>
-              </a:effectLst>
-            </a:endParaRPr>
-          </a:p>
-          <a:p>
-            <a:r>
-              <a:rPr lang="zh-CN" altLang="en-US" sz="1400">
-                <a:solidFill>
-                  <a:schemeClr val="tx1"/>
-                </a:solidFill>
-                <a:effectLst>
-                  <a:outerShdw blurRad="38100" dist="19050" dir="2700000" algn="tl" rotWithShape="0">
-                    <a:schemeClr val="dk1">
-                      <a:alpha val="40000"/>
-                    </a:schemeClr>
-                  </a:outerShdw>
-                </a:effectLst>
-              </a:rPr>
-              <a:t>            override fun onResponse(call: Call, response: Response) {</a:t>
-            </a:r>
-            <a:endParaRPr lang="zh-CN" altLang="en-US" sz="1400">
-              <a:solidFill>
-                <a:schemeClr val="tx1"/>
-              </a:solidFill>
-              <a:effectLst>
-                <a:outerShdw blurRad="38100" dist="19050" dir="2700000" algn="tl" rotWithShape="0">
-                  <a:schemeClr val="dk1">
-                    <a:alpha val="40000"/>
-                  </a:schemeClr>
-                </a:outerShdw>
-              </a:effectLst>
-            </a:endParaRPr>
-          </a:p>
-          <a:p>
-            <a:r>
-              <a:rPr lang="en-US" altLang="zh-CN" sz="1400">
-                <a:solidFill>
-                  <a:srgbClr val="FF0000"/>
-                </a:solidFill>
-                <a:effectLst>
-                  <a:outerShdw blurRad="38100" dist="19050" dir="2700000" algn="tl" rotWithShape="0">
-                    <a:schemeClr val="dk1">
-                      <a:alpha val="40000"/>
-                    </a:schemeClr>
-                  </a:outerShdw>
-                </a:effectLst>
-              </a:rPr>
-              <a:t>	//result</a:t>
-            </a:r>
-            <a:endParaRPr lang="zh-CN" altLang="en-US" sz="1400">
-              <a:solidFill>
-                <a:srgbClr val="FF0000"/>
-              </a:solidFill>
-              <a:effectLst>
-                <a:outerShdw blurRad="38100" dist="19050" dir="2700000" algn="tl" rotWithShape="0">
-                  <a:schemeClr val="dk1">
-                    <a:alpha val="40000"/>
-                  </a:schemeClr>
-                </a:outerShdw>
-              </a:effectLst>
-            </a:endParaRPr>
-          </a:p>
-          <a:p>
-            <a:r>
-              <a:rPr lang="zh-CN" altLang="en-US" sz="1400">
-                <a:solidFill>
-                  <a:schemeClr val="tx1"/>
-                </a:solidFill>
-                <a:effectLst>
-                  <a:outerShdw blurRad="38100" dist="19050" dir="2700000" algn="tl" rotWithShape="0">
-                    <a:schemeClr val="dk1">
-                      <a:alpha val="40000"/>
-                    </a:schemeClr>
-                  </a:outerShdw>
-                </a:effectLst>
-              </a:rPr>
-              <a:t>            }</a:t>
-            </a:r>
-            <a:endParaRPr lang="zh-CN" altLang="en-US" sz="1400">
-              <a:solidFill>
-                <a:schemeClr val="tx1"/>
-              </a:solidFill>
-              <a:effectLst>
-                <a:outerShdw blurRad="38100" dist="19050" dir="2700000" algn="tl" rotWithShape="0">
-                  <a:schemeClr val="dk1">
-                    <a:alpha val="40000"/>
-                  </a:schemeClr>
-                </a:outerShdw>
-              </a:effectLst>
-            </a:endParaRPr>
-          </a:p>
-          <a:p>
-            <a:r>
-              <a:rPr lang="zh-CN" altLang="en-US" sz="1200"/>
-              <a:t>        })</a:t>
-            </a:r>
-            <a:endParaRPr lang="zh-CN" altLang="en-US" sz="1200"/>
+              <a:rPr lang="zh-CN" altLang="en-US" sz="1100"/>
+              <a:t>调用</a:t>
+            </a:r>
+            <a:r>
+              <a:rPr lang="en-US" altLang="zh-CN" sz="1100"/>
+              <a:t>resumeWith</a:t>
+            </a:r>
+            <a:r>
+              <a:rPr lang="zh-CN" altLang="en-US" sz="1100"/>
+              <a:t>启动协程</a:t>
+            </a:r>
+            <a:endParaRPr lang="en-US" altLang="zh-CN" sz="1100"/>
+          </a:p>
+        </p:txBody>
+      </p:sp>
+      <p:cxnSp>
+        <p:nvCxnSpPr>
+          <p:cNvPr id="33" name="直接箭头连接符 32"/>
+          <p:cNvCxnSpPr>
+            <a:stCxn id="30" idx="3"/>
+            <a:endCxn id="32" idx="1"/>
+          </p:cNvCxnSpPr>
+          <p:nvPr/>
+        </p:nvCxnSpPr>
+        <p:spPr>
+          <a:xfrm flipV="1">
+            <a:off x="8384540" y="2574290"/>
+            <a:ext cx="1235075" cy="271145"/>
+          </a:xfrm>
+          <a:prstGeom prst="straightConnector1">
+            <a:avLst/>
+          </a:prstGeom>
+          <a:ln>
+            <a:tailEnd type="arrow"/>
+          </a:ln>
+        </p:spPr>
+        <p:style>
+          <a:lnRef idx="1">
+            <a:schemeClr val="accent1"/>
+          </a:lnRef>
+          <a:fillRef idx="0">
+            <a:schemeClr val="accent1"/>
+          </a:fillRef>
+          <a:effectRef idx="0">
+            <a:schemeClr val="accent1"/>
+          </a:effectRef>
+          <a:fontRef idx="minor">
+            <a:schemeClr val="tx1"/>
+          </a:fontRef>
+        </p:style>
+      </p:cxnSp>
+      <p:sp>
+        <p:nvSpPr>
+          <p:cNvPr id="34" name="文本框 33"/>
+          <p:cNvSpPr txBox="1"/>
+          <p:nvPr/>
+        </p:nvSpPr>
+        <p:spPr>
+          <a:xfrm>
+            <a:off x="7977505" y="3822700"/>
+            <a:ext cx="4547870" cy="598805"/>
+          </a:xfrm>
+          <a:prstGeom prst="rect">
+            <a:avLst/>
+          </a:prstGeom>
+          <a:noFill/>
+        </p:spPr>
+        <p:txBody>
+          <a:bodyPr wrap="square" rtlCol="0">
+            <a:spAutoFit/>
+          </a:bodyPr>
+          <a:p>
+            <a:r>
+              <a:rPr lang="zh-CN" altLang="en-US" sz="1100"/>
+              <a:t>将</a:t>
+            </a:r>
+            <a:r>
+              <a:rPr lang="en-US" altLang="zh-CN" sz="1100"/>
+              <a:t>suspend fun</a:t>
+            </a:r>
+            <a:r>
+              <a:rPr lang="zh-CN" altLang="en-US" sz="1100"/>
+              <a:t>转为</a:t>
+            </a:r>
+            <a:r>
+              <a:rPr lang="en-US" altLang="zh-CN" sz="1100"/>
+              <a:t>Continuation</a:t>
+            </a:r>
+            <a:r>
+              <a:rPr lang="zh-CN" altLang="en-US" sz="1100"/>
+              <a:t>，用来启动协程（这个</a:t>
+            </a:r>
+            <a:r>
+              <a:rPr lang="en-US" altLang="zh-CN" sz="1100"/>
+              <a:t>Continuation</a:t>
+            </a:r>
+            <a:r>
+              <a:rPr lang="zh-CN" altLang="en-US" sz="1100"/>
+              <a:t>在所有子</a:t>
+            </a:r>
+            <a:r>
+              <a:rPr lang="en-US" altLang="zh-CN" sz="1100"/>
+              <a:t>Continuation resumeWith</a:t>
+            </a:r>
+            <a:r>
+              <a:rPr lang="zh-CN" altLang="en-US" sz="1100"/>
+              <a:t>完之后会调用</a:t>
+            </a:r>
+            <a:r>
+              <a:rPr lang="en-US" altLang="zh-CN" sz="1100"/>
+              <a:t>completion</a:t>
+            </a:r>
+            <a:r>
+              <a:rPr lang="zh-CN" altLang="en-US" sz="1100"/>
+              <a:t>的</a:t>
+            </a:r>
+            <a:r>
+              <a:rPr lang="en-US" altLang="zh-CN" sz="1100"/>
+              <a:t>resumeWith</a:t>
+            </a:r>
+            <a:r>
+              <a:rPr lang="zh-CN" altLang="en-US" sz="1100"/>
+              <a:t>）</a:t>
+            </a:r>
+            <a:endParaRPr lang="zh-CN" altLang="en-US" sz="1100"/>
+          </a:p>
+        </p:txBody>
+      </p:sp>
+      <p:cxnSp>
+        <p:nvCxnSpPr>
+          <p:cNvPr id="35" name="直接箭头连接符 34"/>
+          <p:cNvCxnSpPr>
+            <a:stCxn id="24" idx="2"/>
+            <a:endCxn id="34" idx="0"/>
+          </p:cNvCxnSpPr>
+          <p:nvPr/>
+        </p:nvCxnSpPr>
+        <p:spPr>
+          <a:xfrm>
+            <a:off x="8495030" y="3592830"/>
+            <a:ext cx="1756410" cy="229870"/>
+          </a:xfrm>
+          <a:prstGeom prst="straightConnector1">
+            <a:avLst/>
+          </a:prstGeom>
+          <a:ln>
+            <a:tailEnd type="arrow"/>
+          </a:ln>
+        </p:spPr>
+        <p:style>
+          <a:lnRef idx="1">
+            <a:schemeClr val="accent1"/>
+          </a:lnRef>
+          <a:fillRef idx="0">
+            <a:schemeClr val="accent1"/>
+          </a:fillRef>
+          <a:effectRef idx="0">
+            <a:schemeClr val="accent1"/>
+          </a:effectRef>
+          <a:fontRef idx="minor">
+            <a:schemeClr val="tx1"/>
+          </a:fontRef>
+        </p:style>
+      </p:cxnSp>
+      <p:pic>
+        <p:nvPicPr>
+          <p:cNvPr id="36" name="图片 35"/>
+          <p:cNvPicPr>
+            <a:picLocks noChangeAspect="1"/>
+          </p:cNvPicPr>
+          <p:nvPr/>
+        </p:nvPicPr>
+        <p:blipFill>
+          <a:blip r:embed="rId7"/>
+          <a:stretch>
+            <a:fillRect/>
+          </a:stretch>
+        </p:blipFill>
+        <p:spPr>
+          <a:xfrm>
+            <a:off x="167005" y="3822700"/>
+            <a:ext cx="3576320" cy="1965960"/>
+          </a:xfrm>
+          <a:prstGeom prst="rect">
+            <a:avLst/>
+          </a:prstGeom>
+        </p:spPr>
+      </p:pic>
+      <p:sp>
+        <p:nvSpPr>
+          <p:cNvPr id="37" name="矩形 36"/>
+          <p:cNvSpPr/>
+          <p:nvPr/>
+        </p:nvSpPr>
+        <p:spPr>
+          <a:xfrm>
+            <a:off x="6603365" y="2777490"/>
+            <a:ext cx="649605" cy="143510"/>
+          </a:xfrm>
+          <a:prstGeom prst="rect">
+            <a:avLst/>
+          </a:prstGeom>
+          <a:noFill/>
+          <a:ln>
+            <a:solidFill>
+              <a:srgbClr val="00B0F0"/>
+            </a:solidFill>
+          </a:ln>
+          <a:extLst>
+            <a:ext uri="{909E8E84-426E-40DD-AFC4-6F175D3DCCD1}">
+              <a14:hiddenFill xmlns:a14="http://schemas.microsoft.com/office/drawing/2010/main">
+                <a:solidFill>
+                  <a:schemeClr val="lt1"/>
+                </a:solidFill>
+              </a14:hiddenFill>
+            </a:ext>
+          </a:extLst>
+        </p:spPr>
+        <p:style>
+          <a:lnRef idx="2">
+            <a:schemeClr val="accent6"/>
+          </a:lnRef>
+          <a:fillRef idx="1">
+            <a:schemeClr val="lt1"/>
+          </a:fillRef>
+          <a:effectRef idx="0">
+            <a:schemeClr val="accent6"/>
+          </a:effectRef>
+          <a:fontRef idx="minor">
+            <a:schemeClr val="dk1"/>
+          </a:fontRef>
+        </p:style>
+        <p:txBody>
+          <a:bodyPr rtlCol="0" anchor="ctr"/>
+          <a:p>
+            <a:pPr algn="ctr"/>
+            <a:endParaRPr lang="zh-CN" altLang="en-US"/>
+          </a:p>
+        </p:txBody>
+      </p:sp>
+      <p:cxnSp>
+        <p:nvCxnSpPr>
+          <p:cNvPr id="38" name="直接箭头连接符 37"/>
+          <p:cNvCxnSpPr>
+            <a:stCxn id="37" idx="2"/>
+            <a:endCxn id="39" idx="0"/>
+          </p:cNvCxnSpPr>
+          <p:nvPr/>
+        </p:nvCxnSpPr>
+        <p:spPr>
+          <a:xfrm flipH="1">
+            <a:off x="6102350" y="2921000"/>
+            <a:ext cx="826135" cy="1470025"/>
+          </a:xfrm>
+          <a:prstGeom prst="straightConnector1">
+            <a:avLst/>
+          </a:prstGeom>
+          <a:ln>
+            <a:tailEnd type="arrow"/>
+          </a:ln>
+        </p:spPr>
+        <p:style>
+          <a:lnRef idx="1">
+            <a:schemeClr val="accent1"/>
+          </a:lnRef>
+          <a:fillRef idx="0">
+            <a:schemeClr val="accent1"/>
+          </a:fillRef>
+          <a:effectRef idx="0">
+            <a:schemeClr val="accent1"/>
+          </a:effectRef>
+          <a:fontRef idx="minor">
+            <a:schemeClr val="tx1"/>
+          </a:fontRef>
+        </p:style>
+      </p:cxnSp>
+      <p:pic>
+        <p:nvPicPr>
+          <p:cNvPr id="39" name="图片 38"/>
+          <p:cNvPicPr>
+            <a:picLocks noChangeAspect="1"/>
+          </p:cNvPicPr>
+          <p:nvPr/>
+        </p:nvPicPr>
+        <p:blipFill>
+          <a:blip r:embed="rId8"/>
+          <a:stretch>
+            <a:fillRect/>
+          </a:stretch>
+        </p:blipFill>
+        <p:spPr>
+          <a:xfrm>
+            <a:off x="4133850" y="4391025"/>
+            <a:ext cx="3937000" cy="314960"/>
+          </a:xfrm>
+          <a:prstGeom prst="rect">
+            <a:avLst/>
+          </a:prstGeom>
+        </p:spPr>
+      </p:pic>
+      <p:pic>
+        <p:nvPicPr>
+          <p:cNvPr id="40" name="图片 39"/>
+          <p:cNvPicPr>
+            <a:picLocks noChangeAspect="1"/>
+          </p:cNvPicPr>
+          <p:nvPr/>
+        </p:nvPicPr>
+        <p:blipFill>
+          <a:blip r:embed="rId9"/>
+          <a:stretch>
+            <a:fillRect/>
+          </a:stretch>
+        </p:blipFill>
+        <p:spPr>
+          <a:xfrm>
+            <a:off x="4133850" y="5086350"/>
+            <a:ext cx="5514975" cy="800100"/>
+          </a:xfrm>
+          <a:prstGeom prst="rect">
+            <a:avLst/>
+          </a:prstGeom>
+        </p:spPr>
+      </p:pic>
+      <p:cxnSp>
+        <p:nvCxnSpPr>
+          <p:cNvPr id="41" name="直接箭头连接符 40"/>
+          <p:cNvCxnSpPr>
+            <a:stCxn id="42" idx="2"/>
+            <a:endCxn id="40" idx="0"/>
+          </p:cNvCxnSpPr>
+          <p:nvPr/>
+        </p:nvCxnSpPr>
+        <p:spPr>
+          <a:xfrm>
+            <a:off x="6259830" y="4686935"/>
+            <a:ext cx="631825" cy="399415"/>
+          </a:xfrm>
+          <a:prstGeom prst="straightConnector1">
+            <a:avLst/>
+          </a:prstGeom>
+          <a:ln>
+            <a:tailEnd type="arrow"/>
+          </a:ln>
+        </p:spPr>
+        <p:style>
+          <a:lnRef idx="1">
+            <a:schemeClr val="accent1"/>
+          </a:lnRef>
+          <a:fillRef idx="0">
+            <a:schemeClr val="accent1"/>
+          </a:fillRef>
+          <a:effectRef idx="0">
+            <a:schemeClr val="accent1"/>
+          </a:effectRef>
+          <a:fontRef idx="minor">
+            <a:schemeClr val="tx1"/>
+          </a:fontRef>
+        </p:style>
+      </p:cxnSp>
+      <p:sp>
+        <p:nvSpPr>
+          <p:cNvPr id="42" name="矩形 41"/>
+          <p:cNvSpPr/>
+          <p:nvPr/>
+        </p:nvSpPr>
+        <p:spPr>
+          <a:xfrm>
+            <a:off x="5934710" y="4543425"/>
+            <a:ext cx="649605" cy="143510"/>
+          </a:xfrm>
+          <a:prstGeom prst="rect">
+            <a:avLst/>
+          </a:prstGeom>
+          <a:noFill/>
+          <a:ln>
+            <a:solidFill>
+              <a:srgbClr val="00B0F0"/>
+            </a:solidFill>
+          </a:ln>
+          <a:extLst>
+            <a:ext uri="{909E8E84-426E-40DD-AFC4-6F175D3DCCD1}">
+              <a14:hiddenFill xmlns:a14="http://schemas.microsoft.com/office/drawing/2010/main">
+                <a:solidFill>
+                  <a:schemeClr val="lt1"/>
+                </a:solidFill>
+              </a14:hiddenFill>
+            </a:ext>
+          </a:extLst>
+        </p:spPr>
+        <p:style>
+          <a:lnRef idx="2">
+            <a:schemeClr val="accent6"/>
+          </a:lnRef>
+          <a:fillRef idx="1">
+            <a:schemeClr val="lt1"/>
+          </a:fillRef>
+          <a:effectRef idx="0">
+            <a:schemeClr val="accent6"/>
+          </a:effectRef>
+          <a:fontRef idx="minor">
+            <a:schemeClr val="dk1"/>
+          </a:fontRef>
+        </p:style>
+        <p:txBody>
+          <a:bodyPr rtlCol="0" anchor="ctr"/>
+          <a:p>
+            <a:pPr algn="ctr"/>
+            <a:endParaRPr lang="zh-CN" altLang="en-US"/>
+          </a:p>
+        </p:txBody>
+      </p:sp>
+      <p:sp>
+        <p:nvSpPr>
+          <p:cNvPr id="44" name="文本框 43"/>
+          <p:cNvSpPr txBox="1"/>
+          <p:nvPr/>
+        </p:nvSpPr>
+        <p:spPr>
+          <a:xfrm>
+            <a:off x="4507865" y="6007100"/>
+            <a:ext cx="4547870" cy="429895"/>
+          </a:xfrm>
+          <a:prstGeom prst="rect">
+            <a:avLst/>
+          </a:prstGeom>
+          <a:noFill/>
+        </p:spPr>
+        <p:txBody>
+          <a:bodyPr wrap="square" rtlCol="0">
+            <a:spAutoFit/>
+          </a:bodyPr>
+          <a:p>
+            <a:r>
+              <a:rPr lang="zh-CN" altLang="en-US" sz="1100"/>
+              <a:t>拦截原始</a:t>
+            </a:r>
+            <a:r>
+              <a:rPr lang="en-US" altLang="zh-CN" sz="1100"/>
+              <a:t>origin Continuation</a:t>
+            </a:r>
+            <a:r>
+              <a:rPr lang="zh-CN" altLang="en-US" sz="1100"/>
+              <a:t>的</a:t>
+            </a:r>
+            <a:r>
+              <a:rPr lang="en-US" altLang="zh-CN" sz="1100"/>
+              <a:t>resumeWith</a:t>
+            </a:r>
+            <a:r>
+              <a:rPr lang="zh-CN" altLang="en-US" sz="1100"/>
+              <a:t>，一般是调度器拦截实现线程切换</a:t>
+            </a:r>
+            <a:endParaRPr lang="zh-CN" altLang="en-US" sz="1100"/>
           </a:p>
         </p:txBody>
       </p:sp>
     </p:spTree>
     <p:custDataLst>
-      <p:tags r:id="rId1"/>
+      <p:tags r:id="rId10"/>
     </p:custDataLst>
   </p:cSld>
   <p:clrMapOvr>
@@ -9199,6 +10588,664 @@
     </p:spTree>
     <p:custDataLst>
       <p:tags r:id="rId2"/>
+    </p:custDataLst>
+  </p:cSld>
+  <p:clrMapOvr>
+    <a:masterClrMapping/>
+  </p:clrMapOvr>
+</p:sld>
+</file>
+
+<file path=ppt/slides/slide6.xml><?xml version="1.0" encoding="utf-8"?>
+<p:sld xmlns:a="http://schemas.openxmlformats.org/drawingml/2006/main" xmlns:r="http://schemas.openxmlformats.org/officeDocument/2006/relationships" xmlns:p="http://schemas.openxmlformats.org/presentationml/2006/main">
+  <p:cSld>
+    <p:spTree>
+      <p:nvGrpSpPr>
+        <p:cNvPr id="1" name=""/>
+        <p:cNvGrpSpPr/>
+        <p:nvPr/>
+      </p:nvGrpSpPr>
+      <p:grpSpPr/>
+      <p:sp>
+        <p:nvSpPr>
+          <p:cNvPr id="7" name="矩形 6"/>
+          <p:cNvSpPr/>
+          <p:nvPr/>
+        </p:nvSpPr>
+        <p:spPr>
+          <a:xfrm>
+            <a:off x="4543425" y="1990090"/>
+            <a:ext cx="2428240" cy="3610610"/>
+          </a:xfrm>
+          <a:prstGeom prst="rect">
+            <a:avLst/>
+          </a:prstGeom>
+        </p:spPr>
+        <p:style>
+          <a:lnRef idx="2">
+            <a:schemeClr val="accent3">
+              <a:shade val="50000"/>
+            </a:schemeClr>
+          </a:lnRef>
+          <a:fillRef idx="1">
+            <a:schemeClr val="accent3"/>
+          </a:fillRef>
+          <a:effectRef idx="0">
+            <a:schemeClr val="accent3"/>
+          </a:effectRef>
+          <a:fontRef idx="minor">
+            <a:schemeClr val="lt1"/>
+          </a:fontRef>
+        </p:style>
+        <p:txBody>
+          <a:bodyPr rtlCol="0" anchor="ctr"/>
+          <a:p>
+            <a:pPr algn="ctr"/>
+            <a:endParaRPr lang="en-US" altLang="zh-CN"/>
+          </a:p>
+        </p:txBody>
+      </p:sp>
+      <p:sp>
+        <p:nvSpPr>
+          <p:cNvPr id="6" name="矩形 5"/>
+          <p:cNvSpPr/>
+          <p:nvPr/>
+        </p:nvSpPr>
+        <p:spPr>
+          <a:xfrm>
+            <a:off x="4657725" y="3256915"/>
+            <a:ext cx="2162175" cy="2248535"/>
+          </a:xfrm>
+          <a:prstGeom prst="rect">
+            <a:avLst/>
+          </a:prstGeom>
+        </p:spPr>
+        <p:style>
+          <a:lnRef idx="2">
+            <a:schemeClr val="accent1">
+              <a:shade val="50000"/>
+            </a:schemeClr>
+          </a:lnRef>
+          <a:fillRef idx="1">
+            <a:schemeClr val="accent1"/>
+          </a:fillRef>
+          <a:effectRef idx="0">
+            <a:schemeClr val="accent1"/>
+          </a:effectRef>
+          <a:fontRef idx="minor">
+            <a:schemeClr val="lt1"/>
+          </a:fontRef>
+        </p:style>
+        <p:txBody>
+          <a:bodyPr rtlCol="0" anchor="ctr"/>
+          <a:p>
+            <a:pPr algn="ctr"/>
+            <a:endParaRPr lang="en-US" altLang="zh-CN"/>
+          </a:p>
+        </p:txBody>
+      </p:sp>
+      <p:cxnSp>
+        <p:nvCxnSpPr>
+          <p:cNvPr id="3" name="直接箭头连接符 2"/>
+          <p:cNvCxnSpPr/>
+          <p:nvPr/>
+        </p:nvCxnSpPr>
+        <p:spPr>
+          <a:xfrm flipH="1">
+            <a:off x="1332865" y="5153025"/>
+            <a:ext cx="3590925" cy="0"/>
+          </a:xfrm>
+          <a:prstGeom prst="straightConnector1">
+            <a:avLst/>
+          </a:prstGeom>
+          <a:ln>
+            <a:prstDash val="dash"/>
+            <a:tailEnd type="arrow" w="med" len="med"/>
+          </a:ln>
+        </p:spPr>
+        <p:style>
+          <a:lnRef idx="3">
+            <a:schemeClr val="dk1"/>
+          </a:lnRef>
+          <a:fillRef idx="0">
+            <a:schemeClr val="dk1"/>
+          </a:fillRef>
+          <a:effectRef idx="2">
+            <a:schemeClr val="dk1"/>
+          </a:effectRef>
+          <a:fontRef idx="minor">
+            <a:schemeClr val="tx1"/>
+          </a:fontRef>
+        </p:style>
+      </p:cxnSp>
+      <p:cxnSp>
+        <p:nvCxnSpPr>
+          <p:cNvPr id="4" name="直接箭头连接符 3"/>
+          <p:cNvCxnSpPr/>
+          <p:nvPr/>
+        </p:nvCxnSpPr>
+        <p:spPr>
+          <a:xfrm flipV="1">
+            <a:off x="5562600" y="4043045"/>
+            <a:ext cx="9525" cy="885825"/>
+          </a:xfrm>
+          <a:prstGeom prst="straightConnector1">
+            <a:avLst/>
+          </a:prstGeom>
+          <a:ln>
+            <a:tailEnd type="arrow" w="med" len="med"/>
+          </a:ln>
+        </p:spPr>
+        <p:style>
+          <a:lnRef idx="3">
+            <a:schemeClr val="accent4"/>
+          </a:lnRef>
+          <a:fillRef idx="0">
+            <a:schemeClr val="accent4"/>
+          </a:fillRef>
+          <a:effectRef idx="2">
+            <a:schemeClr val="accent4"/>
+          </a:effectRef>
+          <a:fontRef idx="minor">
+            <a:schemeClr val="tx1"/>
+          </a:fontRef>
+        </p:style>
+      </p:cxnSp>
+      <p:sp>
+        <p:nvSpPr>
+          <p:cNvPr id="5" name="矩形 4"/>
+          <p:cNvSpPr/>
+          <p:nvPr/>
+        </p:nvSpPr>
+        <p:spPr>
+          <a:xfrm>
+            <a:off x="4923790" y="4933950"/>
+            <a:ext cx="1628775" cy="438150"/>
+          </a:xfrm>
+          <a:prstGeom prst="rect">
+            <a:avLst/>
+          </a:prstGeom>
+        </p:spPr>
+        <p:style>
+          <a:lnRef idx="2">
+            <a:schemeClr val="accent4">
+              <a:shade val="50000"/>
+            </a:schemeClr>
+          </a:lnRef>
+          <a:fillRef idx="1">
+            <a:schemeClr val="accent4"/>
+          </a:fillRef>
+          <a:effectRef idx="0">
+            <a:schemeClr val="accent4"/>
+          </a:effectRef>
+          <a:fontRef idx="minor">
+            <a:schemeClr val="lt1"/>
+          </a:fontRef>
+        </p:style>
+        <p:txBody>
+          <a:bodyPr rtlCol="0" anchor="ctr"/>
+          <a:p>
+            <a:pPr algn="ctr"/>
+            <a:r>
+              <a:rPr lang="en-US" altLang="zh-CN"/>
+              <a:t>completion</a:t>
+            </a:r>
+            <a:endParaRPr lang="en-US" altLang="zh-CN"/>
+          </a:p>
+        </p:txBody>
+      </p:sp>
+      <p:sp>
+        <p:nvSpPr>
+          <p:cNvPr id="8" name="文本框 7"/>
+          <p:cNvSpPr txBox="1"/>
+          <p:nvPr/>
+        </p:nvSpPr>
+        <p:spPr>
+          <a:xfrm>
+            <a:off x="4743450" y="3724275"/>
+            <a:ext cx="1990090" cy="368300"/>
+          </a:xfrm>
+          <a:prstGeom prst="rect">
+            <a:avLst/>
+          </a:prstGeom>
+          <a:noFill/>
+        </p:spPr>
+        <p:txBody>
+          <a:bodyPr wrap="square" rtlCol="0">
+            <a:spAutoFit/>
+          </a:bodyPr>
+          <a:p>
+            <a:r>
+              <a:rPr lang="en-US" altLang="zh-CN">
+                <a:solidFill>
+                  <a:schemeClr val="bg1"/>
+                </a:solidFill>
+              </a:rPr>
+              <a:t>SafeContinuation</a:t>
+            </a:r>
+            <a:endParaRPr lang="en-US" altLang="zh-CN">
+              <a:solidFill>
+                <a:schemeClr val="bg1"/>
+              </a:solidFill>
+            </a:endParaRPr>
+          </a:p>
+        </p:txBody>
+      </p:sp>
+      <p:sp>
+        <p:nvSpPr>
+          <p:cNvPr id="9" name="文本框 8"/>
+          <p:cNvSpPr txBox="1"/>
+          <p:nvPr/>
+        </p:nvSpPr>
+        <p:spPr>
+          <a:xfrm>
+            <a:off x="4742815" y="2355850"/>
+            <a:ext cx="1990725" cy="368300"/>
+          </a:xfrm>
+          <a:prstGeom prst="rect">
+            <a:avLst/>
+          </a:prstGeom>
+          <a:noFill/>
+        </p:spPr>
+        <p:txBody>
+          <a:bodyPr wrap="square" rtlCol="0">
+            <a:spAutoFit/>
+          </a:bodyPr>
+          <a:p>
+            <a:r>
+              <a:rPr lang="en-US" altLang="zh-CN">
+                <a:solidFill>
+                  <a:schemeClr val="bg1"/>
+                </a:solidFill>
+              </a:rPr>
+              <a:t>SafeContinuation</a:t>
+            </a:r>
+            <a:endParaRPr lang="en-US" altLang="zh-CN">
+              <a:solidFill>
+                <a:schemeClr val="bg1"/>
+              </a:solidFill>
+            </a:endParaRPr>
+          </a:p>
+        </p:txBody>
+      </p:sp>
+      <p:cxnSp>
+        <p:nvCxnSpPr>
+          <p:cNvPr id="10" name="肘形连接符 9"/>
+          <p:cNvCxnSpPr/>
+          <p:nvPr/>
+        </p:nvCxnSpPr>
+        <p:spPr>
+          <a:xfrm flipV="1">
+            <a:off x="904875" y="5372100"/>
+            <a:ext cx="4671695" cy="623570"/>
+          </a:xfrm>
+          <a:prstGeom prst="bentConnector2">
+            <a:avLst/>
+          </a:prstGeom>
+          <a:ln>
+            <a:tailEnd type="arrow" w="med" len="med"/>
+          </a:ln>
+        </p:spPr>
+        <p:style>
+          <a:lnRef idx="3">
+            <a:schemeClr val="dk1"/>
+          </a:lnRef>
+          <a:fillRef idx="0">
+            <a:schemeClr val="dk1"/>
+          </a:fillRef>
+          <a:effectRef idx="2">
+            <a:schemeClr val="dk1"/>
+          </a:effectRef>
+          <a:fontRef idx="minor">
+            <a:schemeClr val="tx1"/>
+          </a:fontRef>
+        </p:style>
+      </p:cxnSp>
+      <p:cxnSp>
+        <p:nvCxnSpPr>
+          <p:cNvPr id="11" name="直接箭头连接符 10"/>
+          <p:cNvCxnSpPr/>
+          <p:nvPr/>
+        </p:nvCxnSpPr>
+        <p:spPr>
+          <a:xfrm flipH="1">
+            <a:off x="1352550" y="3908425"/>
+            <a:ext cx="3390900" cy="1270"/>
+          </a:xfrm>
+          <a:prstGeom prst="straightConnector1">
+            <a:avLst/>
+          </a:prstGeom>
+          <a:ln>
+            <a:prstDash val="dash"/>
+            <a:tailEnd type="arrow" w="med" len="med"/>
+          </a:ln>
+        </p:spPr>
+        <p:style>
+          <a:lnRef idx="3">
+            <a:schemeClr val="accent4"/>
+          </a:lnRef>
+          <a:fillRef idx="0">
+            <a:schemeClr val="accent4"/>
+          </a:fillRef>
+          <a:effectRef idx="2">
+            <a:schemeClr val="accent4"/>
+          </a:effectRef>
+          <a:fontRef idx="minor">
+            <a:schemeClr val="tx1"/>
+          </a:fontRef>
+        </p:style>
+      </p:cxnSp>
+      <p:cxnSp>
+        <p:nvCxnSpPr>
+          <p:cNvPr id="15" name="肘形连接符 14"/>
+          <p:cNvCxnSpPr/>
+          <p:nvPr/>
+        </p:nvCxnSpPr>
+        <p:spPr>
+          <a:xfrm rot="16200000">
+            <a:off x="4987925" y="2921000"/>
+            <a:ext cx="1410970" cy="280670"/>
+          </a:xfrm>
+          <a:prstGeom prst="bentConnector3">
+            <a:avLst>
+              <a:gd name="adj1" fmla="val 157290"/>
+            </a:avLst>
+          </a:prstGeom>
+          <a:ln>
+            <a:tailEnd type="arrow" w="med" len="med"/>
+          </a:ln>
+        </p:spPr>
+        <p:style>
+          <a:lnRef idx="3">
+            <a:schemeClr val="accent6"/>
+          </a:lnRef>
+          <a:fillRef idx="0">
+            <a:schemeClr val="accent6"/>
+          </a:fillRef>
+          <a:effectRef idx="2">
+            <a:schemeClr val="accent6"/>
+          </a:effectRef>
+          <a:fontRef idx="minor">
+            <a:schemeClr val="tx1"/>
+          </a:fontRef>
+        </p:style>
+      </p:cxnSp>
+      <p:cxnSp>
+        <p:nvCxnSpPr>
+          <p:cNvPr id="16" name="直接箭头连接符 15"/>
+          <p:cNvCxnSpPr/>
+          <p:nvPr/>
+        </p:nvCxnSpPr>
+        <p:spPr>
+          <a:xfrm>
+            <a:off x="5824220" y="4092575"/>
+            <a:ext cx="0" cy="841375"/>
+          </a:xfrm>
+          <a:prstGeom prst="straightConnector1">
+            <a:avLst/>
+          </a:prstGeom>
+          <a:ln>
+            <a:tailEnd type="arrow" w="med" len="med"/>
+          </a:ln>
+        </p:spPr>
+        <p:style>
+          <a:lnRef idx="3">
+            <a:schemeClr val="accent4"/>
+          </a:lnRef>
+          <a:fillRef idx="0">
+            <a:schemeClr val="accent4"/>
+          </a:fillRef>
+          <a:effectRef idx="2">
+            <a:schemeClr val="accent4"/>
+          </a:effectRef>
+          <a:fontRef idx="minor">
+            <a:schemeClr val="tx1"/>
+          </a:fontRef>
+        </p:style>
+      </p:cxnSp>
+      <p:cxnSp>
+        <p:nvCxnSpPr>
+          <p:cNvPr id="17" name="直接箭头连接符 16"/>
+          <p:cNvCxnSpPr/>
+          <p:nvPr/>
+        </p:nvCxnSpPr>
+        <p:spPr>
+          <a:xfrm>
+            <a:off x="5824220" y="2724150"/>
+            <a:ext cx="0" cy="1000125"/>
+          </a:xfrm>
+          <a:prstGeom prst="straightConnector1">
+            <a:avLst/>
+          </a:prstGeom>
+          <a:ln>
+            <a:tailEnd type="arrow" w="med" len="med"/>
+          </a:ln>
+        </p:spPr>
+        <p:style>
+          <a:lnRef idx="3">
+            <a:schemeClr val="accent6"/>
+          </a:lnRef>
+          <a:fillRef idx="0">
+            <a:schemeClr val="accent6"/>
+          </a:fillRef>
+          <a:effectRef idx="2">
+            <a:schemeClr val="accent6"/>
+          </a:effectRef>
+          <a:fontRef idx="minor">
+            <a:schemeClr val="tx1"/>
+          </a:fontRef>
+        </p:style>
+      </p:cxnSp>
+      <p:cxnSp>
+        <p:nvCxnSpPr>
+          <p:cNvPr id="19" name="肘形连接符 18"/>
+          <p:cNvCxnSpPr/>
+          <p:nvPr/>
+        </p:nvCxnSpPr>
+        <p:spPr>
+          <a:xfrm rot="5400000" flipV="1">
+            <a:off x="7610475" y="3604895"/>
+            <a:ext cx="623570" cy="4157980"/>
+          </a:xfrm>
+          <a:prstGeom prst="bentConnector2">
+            <a:avLst/>
+          </a:prstGeom>
+          <a:ln>
+            <a:tailEnd type="arrow" w="med" len="med"/>
+          </a:ln>
+        </p:spPr>
+        <p:style>
+          <a:lnRef idx="3">
+            <a:schemeClr val="dk1"/>
+          </a:lnRef>
+          <a:fillRef idx="0">
+            <a:schemeClr val="dk1"/>
+          </a:fillRef>
+          <a:effectRef idx="2">
+            <a:schemeClr val="dk1"/>
+          </a:effectRef>
+          <a:fontRef idx="minor">
+            <a:schemeClr val="tx1"/>
+          </a:fontRef>
+        </p:style>
+      </p:cxnSp>
+      <p:sp>
+        <p:nvSpPr>
+          <p:cNvPr id="20" name="文本框 19"/>
+          <p:cNvSpPr txBox="1"/>
+          <p:nvPr/>
+        </p:nvSpPr>
+        <p:spPr>
+          <a:xfrm>
+            <a:off x="10125710" y="5852795"/>
+            <a:ext cx="713740" cy="368300"/>
+          </a:xfrm>
+          <a:prstGeom prst="rect">
+            <a:avLst/>
+          </a:prstGeom>
+          <a:noFill/>
+        </p:spPr>
+        <p:txBody>
+          <a:bodyPr wrap="square" rtlCol="0">
+            <a:spAutoFit/>
+          </a:bodyPr>
+          <a:p>
+            <a:r>
+              <a:rPr lang="en-US" altLang="zh-CN"/>
+              <a:t>Main</a:t>
+            </a:r>
+            <a:endParaRPr lang="en-US" altLang="zh-CN"/>
+          </a:p>
+        </p:txBody>
+      </p:sp>
+      <p:sp>
+        <p:nvSpPr>
+          <p:cNvPr id="21" name="文本框 20"/>
+          <p:cNvSpPr txBox="1"/>
+          <p:nvPr/>
+        </p:nvSpPr>
+        <p:spPr>
+          <a:xfrm>
+            <a:off x="508635" y="4928870"/>
+            <a:ext cx="713740" cy="368300"/>
+          </a:xfrm>
+          <a:prstGeom prst="rect">
+            <a:avLst/>
+          </a:prstGeom>
+          <a:noFill/>
+        </p:spPr>
+        <p:txBody>
+          <a:bodyPr wrap="square" rtlCol="0">
+            <a:spAutoFit/>
+          </a:bodyPr>
+          <a:p>
+            <a:r>
+              <a:rPr lang="en-US" altLang="zh-CN"/>
+              <a:t>Main</a:t>
+            </a:r>
+            <a:endParaRPr lang="en-US" altLang="zh-CN"/>
+          </a:p>
+        </p:txBody>
+      </p:sp>
+      <p:sp>
+        <p:nvSpPr>
+          <p:cNvPr id="22" name="文本框 21"/>
+          <p:cNvSpPr txBox="1"/>
+          <p:nvPr/>
+        </p:nvSpPr>
+        <p:spPr>
+          <a:xfrm>
+            <a:off x="508635" y="3674745"/>
+            <a:ext cx="713740" cy="368300"/>
+          </a:xfrm>
+          <a:prstGeom prst="rect">
+            <a:avLst/>
+          </a:prstGeom>
+          <a:noFill/>
+        </p:spPr>
+        <p:txBody>
+          <a:bodyPr wrap="square" rtlCol="0">
+            <a:spAutoFit/>
+          </a:bodyPr>
+          <a:p>
+            <a:r>
+              <a:rPr lang="en-US" altLang="zh-CN"/>
+              <a:t>IO-1</a:t>
+            </a:r>
+            <a:endParaRPr lang="en-US" altLang="zh-CN"/>
+          </a:p>
+        </p:txBody>
+      </p:sp>
+      <p:sp>
+        <p:nvSpPr>
+          <p:cNvPr id="23" name="文本框 22"/>
+          <p:cNvSpPr txBox="1"/>
+          <p:nvPr/>
+        </p:nvSpPr>
+        <p:spPr>
+          <a:xfrm>
+            <a:off x="5336540" y="1115695"/>
+            <a:ext cx="713740" cy="368300"/>
+          </a:xfrm>
+          <a:prstGeom prst="rect">
+            <a:avLst/>
+          </a:prstGeom>
+          <a:noFill/>
+        </p:spPr>
+        <p:txBody>
+          <a:bodyPr wrap="square" rtlCol="0">
+            <a:spAutoFit/>
+          </a:bodyPr>
+          <a:p>
+            <a:r>
+              <a:rPr lang="en-US" altLang="zh-CN"/>
+              <a:t>IO-2</a:t>
+            </a:r>
+            <a:endParaRPr lang="en-US" altLang="zh-CN"/>
+          </a:p>
+        </p:txBody>
+      </p:sp>
+      <p:sp>
+        <p:nvSpPr>
+          <p:cNvPr id="24" name="文本框 23"/>
+          <p:cNvSpPr txBox="1"/>
+          <p:nvPr/>
+        </p:nvSpPr>
+        <p:spPr>
+          <a:xfrm>
+            <a:off x="5741670" y="2867660"/>
+            <a:ext cx="1078230" cy="245110"/>
+          </a:xfrm>
+          <a:prstGeom prst="rect">
+            <a:avLst/>
+          </a:prstGeom>
+          <a:noFill/>
+        </p:spPr>
+        <p:txBody>
+          <a:bodyPr wrap="square" rtlCol="0">
+            <a:spAutoFit/>
+          </a:bodyPr>
+          <a:p>
+            <a:r>
+              <a:rPr lang="en-US" altLang="zh-CN" sz="1000"/>
+              <a:t>resumeWith()</a:t>
+            </a:r>
+            <a:endParaRPr lang="zh-CN" altLang="en-US" sz="1000"/>
+          </a:p>
+        </p:txBody>
+      </p:sp>
+      <p:sp>
+        <p:nvSpPr>
+          <p:cNvPr id="25" name="文本框 24"/>
+          <p:cNvSpPr txBox="1"/>
+          <p:nvPr/>
+        </p:nvSpPr>
+        <p:spPr>
+          <a:xfrm>
+            <a:off x="5741670" y="4363085"/>
+            <a:ext cx="1078230" cy="245110"/>
+          </a:xfrm>
+          <a:prstGeom prst="rect">
+            <a:avLst/>
+          </a:prstGeom>
+          <a:noFill/>
+        </p:spPr>
+        <p:txBody>
+          <a:bodyPr wrap="square" rtlCol="0">
+            <a:spAutoFit/>
+          </a:bodyPr>
+          <a:p>
+            <a:r>
+              <a:rPr lang="en-US" altLang="zh-CN" sz="1000"/>
+              <a:t>resumeWith()</a:t>
+            </a:r>
+            <a:endParaRPr lang="zh-CN" altLang="en-US" sz="1000"/>
+          </a:p>
+        </p:txBody>
+      </p:sp>
+    </p:spTree>
+    <p:custDataLst>
+      <p:tags r:id="rId1"/>
     </p:custDataLst>
   </p:cSld>
   <p:clrMapOvr>
@@ -10032,6 +12079,14 @@
 </p:tagLst>
 </file>
 
+<file path=ppt/tags/tag68.xml><?xml version="1.0" encoding="utf-8"?>
+<p:tagLst xmlns:p="http://schemas.openxmlformats.org/presentationml/2006/main">
+  <p:tag name="KSO_WM_BEAUTIFY_FLAG" val="#wm#"/>
+  <p:tag name="KSO_WM_TEMPLATE_CATEGORY" val="custom"/>
+  <p:tag name="KSO_WM_TEMPLATE_INDEX" val="20205176"/>
+</p:tagLst>
+</file>
+
 <file path=ppt/tags/tag7.xml><?xml version="1.0" encoding="utf-8"?>
 <p:tagLst xmlns:p="http://schemas.openxmlformats.org/presentationml/2006/main">
   <p:tag name="KSO_WM_UNIT_HIGHLIGHT" val="0"/>
@@ -10268,4 +12323,263 @@
     </a:ext>
   </a:extLst>
 </a:theme>
+</file>
+
+<file path=ppt/theme/theme2.xml><?xml version="1.0" encoding="utf-8"?>
+<a:theme xmlns:a="http://schemas.openxmlformats.org/drawingml/2006/main" name="Office 主题">
+  <a:themeElements>
+    <a:clrScheme name="Office">
+      <a:dk1>
+        <a:sysClr val="windowText" lastClr="000000"/>
+      </a:dk1>
+      <a:lt1>
+        <a:sysClr val="window" lastClr="FFFFFF"/>
+      </a:lt1>
+      <a:dk2>
+        <a:srgbClr val="44546A"/>
+      </a:dk2>
+      <a:lt2>
+        <a:srgbClr val="E7E6E6"/>
+      </a:lt2>
+      <a:accent1>
+        <a:srgbClr val="5B9BD5"/>
+      </a:accent1>
+      <a:accent2>
+        <a:srgbClr val="ED7D31"/>
+      </a:accent2>
+      <a:accent3>
+        <a:srgbClr val="A5A5A5"/>
+      </a:accent3>
+      <a:accent4>
+        <a:srgbClr val="FFC000"/>
+      </a:accent4>
+      <a:accent5>
+        <a:srgbClr val="4472C4"/>
+      </a:accent5>
+      <a:accent6>
+        <a:srgbClr val="70AD47"/>
+      </a:accent6>
+      <a:hlink>
+        <a:srgbClr val="0563C1"/>
+      </a:hlink>
+      <a:folHlink>
+        <a:srgbClr val="954F72"/>
+      </a:folHlink>
+    </a:clrScheme>
+    <a:fontScheme name="Office">
+      <a:majorFont>
+        <a:latin typeface="Calibri Light"/>
+        <a:ea typeface=""/>
+        <a:cs typeface=""/>
+        <a:font script="Jpan" typeface="ＭＳ Ｐゴシック"/>
+        <a:font script="Hang" typeface="맑은 고딕"/>
+        <a:font script="Hans" typeface="宋体"/>
+        <a:font script="Hant" typeface="新細明體"/>
+        <a:font script="Arab" typeface="Times New Roman"/>
+        <a:font script="Hebr" typeface="Times New Roman"/>
+        <a:font script="Thai" typeface="Angsana New"/>
+        <a:font script="Ethi" typeface="Nyala"/>
+        <a:font script="Beng" typeface="Vrinda"/>
+        <a:font script="Gujr" typeface="Shruti"/>
+        <a:font script="Khmr" typeface="MoolBoran"/>
+        <a:font script="Knda" typeface="Tunga"/>
+        <a:font script="Guru" typeface="Raavi"/>
+        <a:font script="Cans" typeface="Euphemia"/>
+        <a:font script="Cher" typeface="Plantagenet Cherokee"/>
+        <a:font script="Yiii" typeface="Microsoft Yi Baiti"/>
+        <a:font script="Tibt" typeface="Microsoft Himalaya"/>
+        <a:font script="Thaa" typeface="MV Boli"/>
+        <a:font script="Deva" typeface="Mangal"/>
+        <a:font script="Telu" typeface="Gautami"/>
+        <a:font script="Taml" typeface="Latha"/>
+        <a:font script="Syrc" typeface="Estrangelo Edessa"/>
+        <a:font script="Orya" typeface="Kalinga"/>
+        <a:font script="Mlym" typeface="Kartika"/>
+        <a:font script="Laoo" typeface="DokChampa"/>
+        <a:font script="Sinh" typeface="Iskoola Pota"/>
+        <a:font script="Mong" typeface="Mongolian Baiti"/>
+        <a:font script="Viet" typeface="Times New Roman"/>
+        <a:font script="Uigh" typeface="Microsoft Uighur"/>
+        <a:font script="Geor" typeface="Sylfaen"/>
+      </a:majorFont>
+      <a:minorFont>
+        <a:latin typeface="Calibri"/>
+        <a:ea typeface=""/>
+        <a:cs typeface=""/>
+        <a:font script="Jpan" typeface="ＭＳ Ｐゴシック"/>
+        <a:font script="Hang" typeface="맑은 고딕"/>
+        <a:font script="Hans" typeface="宋体"/>
+        <a:font script="Hant" typeface="新細明體"/>
+        <a:font script="Arab" typeface="Arial"/>
+        <a:font script="Hebr" typeface="Arial"/>
+        <a:font script="Thai" typeface="Cordia New"/>
+        <a:font script="Ethi" typeface="Nyala"/>
+        <a:font script="Beng" typeface="Vrinda"/>
+        <a:font script="Gujr" typeface="Shruti"/>
+        <a:font script="Khmr" typeface="DaunPenh"/>
+        <a:font script="Knda" typeface="Tunga"/>
+        <a:font script="Guru" typeface="Raavi"/>
+        <a:font script="Cans" typeface="Euphemia"/>
+        <a:font script="Cher" typeface="Plantagenet Cherokee"/>
+        <a:font script="Yiii" typeface="Microsoft Yi Baiti"/>
+        <a:font script="Tibt" typeface="Microsoft Himalaya"/>
+        <a:font script="Thaa" typeface="MV Boli"/>
+        <a:font script="Deva" typeface="Mangal"/>
+        <a:font script="Telu" typeface="Gautami"/>
+        <a:font script="Taml" typeface="Latha"/>
+        <a:font script="Syrc" typeface="Estrangelo Edessa"/>
+        <a:font script="Orya" typeface="Kalinga"/>
+        <a:font script="Mlym" typeface="Kartika"/>
+        <a:font script="Laoo" typeface="DokChampa"/>
+        <a:font script="Sinh" typeface="Iskoola Pota"/>
+        <a:font script="Mong" typeface="Mongolian Baiti"/>
+        <a:font script="Viet" typeface="Arial"/>
+        <a:font script="Uigh" typeface="Microsoft Uighur"/>
+        <a:font script="Geor" typeface="Sylfaen"/>
+      </a:minorFont>
+    </a:fontScheme>
+    <a:fmtScheme name="Office">
+      <a:fillStyleLst>
+        <a:solidFill>
+          <a:schemeClr val="phClr"/>
+        </a:solidFill>
+        <a:gradFill rotWithShape="1">
+          <a:gsLst>
+            <a:gs pos="0">
+              <a:schemeClr val="phClr">
+                <a:lumMod val="110000"/>
+                <a:satMod val="105000"/>
+                <a:tint val="67000"/>
+              </a:schemeClr>
+            </a:gs>
+            <a:gs pos="50000">
+              <a:schemeClr val="phClr">
+                <a:lumMod val="105000"/>
+                <a:satMod val="103000"/>
+                <a:tint val="73000"/>
+              </a:schemeClr>
+            </a:gs>
+            <a:gs pos="100000">
+              <a:schemeClr val="phClr">
+                <a:lumMod val="105000"/>
+                <a:satMod val="109000"/>
+                <a:tint val="81000"/>
+              </a:schemeClr>
+            </a:gs>
+          </a:gsLst>
+          <a:lin ang="5400000" scaled="0"/>
+        </a:gradFill>
+        <a:gradFill rotWithShape="1">
+          <a:gsLst>
+            <a:gs pos="0">
+              <a:schemeClr val="phClr">
+                <a:satMod val="103000"/>
+                <a:lumMod val="102000"/>
+                <a:tint val="94000"/>
+              </a:schemeClr>
+            </a:gs>
+            <a:gs pos="50000">
+              <a:schemeClr val="phClr">
+                <a:satMod val="110000"/>
+                <a:lumMod val="100000"/>
+                <a:shade val="100000"/>
+              </a:schemeClr>
+            </a:gs>
+            <a:gs pos="100000">
+              <a:schemeClr val="phClr">
+                <a:lumMod val="99000"/>
+                <a:satMod val="120000"/>
+                <a:shade val="78000"/>
+              </a:schemeClr>
+            </a:gs>
+          </a:gsLst>
+          <a:lin ang="5400000" scaled="0"/>
+        </a:gradFill>
+      </a:fillStyleLst>
+      <a:lnStyleLst>
+        <a:ln w="6350" cap="flat" cmpd="sng" algn="ctr">
+          <a:solidFill>
+            <a:schemeClr val="phClr"/>
+          </a:solidFill>
+          <a:prstDash val="solid"/>
+          <a:miter lim="800000"/>
+        </a:ln>
+        <a:ln w="12700" cap="flat" cmpd="sng" algn="ctr">
+          <a:solidFill>
+            <a:schemeClr val="phClr"/>
+          </a:solidFill>
+          <a:prstDash val="solid"/>
+          <a:miter lim="800000"/>
+        </a:ln>
+        <a:ln w="19050" cap="flat" cmpd="sng" algn="ctr">
+          <a:solidFill>
+            <a:schemeClr val="phClr"/>
+          </a:solidFill>
+          <a:prstDash val="solid"/>
+          <a:miter lim="800000"/>
+        </a:ln>
+      </a:lnStyleLst>
+      <a:effectStyleLst>
+        <a:effectStyle>
+          <a:effectLst/>
+        </a:effectStyle>
+        <a:effectStyle>
+          <a:effectLst/>
+        </a:effectStyle>
+        <a:effectStyle>
+          <a:effectLst>
+            <a:outerShdw blurRad="57150" dist="19050" dir="5400000" algn="ctr" rotWithShape="0">
+              <a:srgbClr val="000000">
+                <a:alpha val="63000"/>
+              </a:srgbClr>
+            </a:outerShdw>
+          </a:effectLst>
+        </a:effectStyle>
+      </a:effectStyleLst>
+      <a:bgFillStyleLst>
+        <a:solidFill>
+          <a:schemeClr val="phClr"/>
+        </a:solidFill>
+        <a:solidFill>
+          <a:schemeClr val="phClr">
+            <a:tint val="95000"/>
+            <a:satMod val="170000"/>
+          </a:schemeClr>
+        </a:solidFill>
+        <a:gradFill rotWithShape="1">
+          <a:gsLst>
+            <a:gs pos="0">
+              <a:schemeClr val="phClr">
+                <a:tint val="93000"/>
+                <a:satMod val="150000"/>
+                <a:shade val="98000"/>
+                <a:lumMod val="102000"/>
+              </a:schemeClr>
+            </a:gs>
+            <a:gs pos="50000">
+              <a:schemeClr val="phClr">
+                <a:tint val="98000"/>
+                <a:satMod val="130000"/>
+                <a:shade val="90000"/>
+                <a:lumMod val="103000"/>
+              </a:schemeClr>
+            </a:gs>
+            <a:gs pos="100000">
+              <a:schemeClr val="phClr">
+                <a:shade val="63000"/>
+                <a:satMod val="120000"/>
+              </a:schemeClr>
+            </a:gs>
+          </a:gsLst>
+          <a:lin ang="5400000" scaled="0"/>
+        </a:gradFill>
+      </a:bgFillStyleLst>
+    </a:fmtScheme>
+  </a:themeElements>
+  <a:extLst>
+    <a:ext uri="{05A4C25C-085E-4340-85A3-A5531E510DB2}">
+      <thm15:themeFamily xmlns:thm15="http://schemas.microsoft.com/office/thememl/2012/main" name="Office Theme" id="{62F939B6-93AF-4DB8-9C6B-D6C7DFDC589F}" vid="{4A3C46E8-61CC-4603-A589-7422A47A8E4A}"/>
+    </a:ext>
+  </a:extLst>
+</a:theme>
 </file>
--- a/kotlin/coroutine/_1coroutine核心.pptx
+++ b/kotlin/coroutine/_1coroutine核心.pptx
@@ -7809,30 +7809,6 @@
           </a:fontRef>
         </p:style>
       </p:cxnSp>
-      <p:pic>
-        <p:nvPicPr>
-          <p:cNvPr id="36" name="图片 35"/>
-          <p:cNvPicPr>
-            <a:picLocks noChangeAspect="1"/>
-          </p:cNvPicPr>
-          <p:nvPr/>
-        </p:nvPicPr>
-        <p:blipFill>
-          <a:blip r:embed="rId7"/>
-          <a:stretch>
-            <a:fillRect/>
-          </a:stretch>
-        </p:blipFill>
-        <p:spPr>
-          <a:xfrm>
-            <a:off x="167005" y="3822700"/>
-            <a:ext cx="3576320" cy="1965960"/>
-          </a:xfrm>
-          <a:prstGeom prst="rect">
-            <a:avLst/>
-          </a:prstGeom>
-        </p:spPr>
-      </p:pic>
       <p:sp>
         <p:nvSpPr>
           <p:cNvPr id="37" name="矩形 36"/>
@@ -7930,7 +7906,7 @@
           <p:nvPr/>
         </p:nvPicPr>
         <p:blipFill>
-          <a:blip r:embed="rId8"/>
+          <a:blip r:embed="rId7"/>
           <a:stretch>
             <a:fillRect/>
           </a:stretch>
@@ -7954,7 +7930,7 @@
           <p:nvPr/>
         </p:nvPicPr>
         <p:blipFill>
-          <a:blip r:embed="rId9"/>
+          <a:blip r:embed="rId8"/>
           <a:stretch>
             <a:fillRect/>
           </a:stretch>
@@ -8102,6 +8078,2746 @@
           </a:p>
         </p:txBody>
       </p:sp>
+      <p:pic>
+        <p:nvPicPr>
+          <p:cNvPr id="45" name="图片 44"/>
+          <p:cNvPicPr>
+            <a:picLocks noChangeAspect="1"/>
+          </p:cNvPicPr>
+          <p:nvPr/>
+        </p:nvPicPr>
+        <p:blipFill>
+          <a:blip r:embed="rId9"/>
+          <a:stretch>
+            <a:fillRect/>
+          </a:stretch>
+        </p:blipFill>
+        <p:spPr>
+          <a:xfrm>
+            <a:off x="-253365" y="9683750"/>
+            <a:ext cx="3886200" cy="2543175"/>
+          </a:xfrm>
+          <a:prstGeom prst="rect">
+            <a:avLst/>
+          </a:prstGeom>
+        </p:spPr>
+      </p:pic>
+      <p:sp>
+        <p:nvSpPr>
+          <p:cNvPr id="46" name="矩形 45"/>
+          <p:cNvSpPr/>
+          <p:nvPr/>
+        </p:nvSpPr>
+        <p:spPr>
+          <a:xfrm>
+            <a:off x="7875905" y="13622655"/>
+            <a:ext cx="932180" cy="141605"/>
+          </a:xfrm>
+          <a:prstGeom prst="rect">
+            <a:avLst/>
+          </a:prstGeom>
+        </p:spPr>
+        <p:style>
+          <a:lnRef idx="2">
+            <a:schemeClr val="accent6"/>
+          </a:lnRef>
+          <a:fillRef idx="1">
+            <a:schemeClr val="lt1"/>
+          </a:fillRef>
+          <a:effectRef idx="0">
+            <a:schemeClr val="accent6"/>
+          </a:effectRef>
+          <a:fontRef idx="minor">
+            <a:schemeClr val="dk1"/>
+          </a:fontRef>
+        </p:style>
+        <p:txBody>
+          <a:bodyPr rtlCol="0" anchor="ctr"/>
+          <a:p>
+            <a:pPr algn="ctr"/>
+            <a:endParaRPr lang="zh-CN" altLang="en-US"/>
+          </a:p>
+        </p:txBody>
+      </p:sp>
+      <p:sp>
+        <p:nvSpPr>
+          <p:cNvPr id="47" name="矩形 46"/>
+          <p:cNvSpPr/>
+          <p:nvPr/>
+        </p:nvSpPr>
+        <p:spPr>
+          <a:xfrm>
+            <a:off x="6014085" y="13631545"/>
+            <a:ext cx="380365" cy="142240"/>
+          </a:xfrm>
+          <a:prstGeom prst="rect">
+            <a:avLst/>
+          </a:prstGeom>
+        </p:spPr>
+        <p:style>
+          <a:lnRef idx="2">
+            <a:schemeClr val="accent6"/>
+          </a:lnRef>
+          <a:fillRef idx="1">
+            <a:schemeClr val="lt1"/>
+          </a:fillRef>
+          <a:effectRef idx="0">
+            <a:schemeClr val="accent6"/>
+          </a:effectRef>
+          <a:fontRef idx="minor">
+            <a:schemeClr val="dk1"/>
+          </a:fontRef>
+        </p:style>
+        <p:txBody>
+          <a:bodyPr rtlCol="0" anchor="ctr"/>
+          <a:p>
+            <a:pPr algn="ctr"/>
+            <a:endParaRPr lang="zh-CN" altLang="en-US"/>
+          </a:p>
+        </p:txBody>
+      </p:sp>
+      <p:sp>
+        <p:nvSpPr>
+          <p:cNvPr id="48" name="矩形 47"/>
+          <p:cNvSpPr/>
+          <p:nvPr/>
+        </p:nvSpPr>
+        <p:spPr>
+          <a:xfrm>
+            <a:off x="4308475" y="11621135"/>
+            <a:ext cx="1501775" cy="313690"/>
+          </a:xfrm>
+          <a:prstGeom prst="rect">
+            <a:avLst/>
+          </a:prstGeom>
+        </p:spPr>
+        <p:style>
+          <a:lnRef idx="2">
+            <a:schemeClr val="accent6"/>
+          </a:lnRef>
+          <a:fillRef idx="1">
+            <a:schemeClr val="lt1"/>
+          </a:fillRef>
+          <a:effectRef idx="0">
+            <a:schemeClr val="accent6"/>
+          </a:effectRef>
+          <a:fontRef idx="minor">
+            <a:schemeClr val="dk1"/>
+          </a:fontRef>
+        </p:style>
+        <p:txBody>
+          <a:bodyPr rtlCol="0" anchor="ctr"/>
+          <a:p>
+            <a:pPr algn="ctr"/>
+            <a:endParaRPr lang="zh-CN" altLang="en-US"/>
+          </a:p>
+        </p:txBody>
+      </p:sp>
+      <p:sp>
+        <p:nvSpPr>
+          <p:cNvPr id="49" name="文本框 48"/>
+          <p:cNvSpPr txBox="1"/>
+          <p:nvPr/>
+        </p:nvSpPr>
+        <p:spPr>
+          <a:xfrm>
+            <a:off x="3689985" y="6858000"/>
+            <a:ext cx="8502015" cy="7477760"/>
+          </a:xfrm>
+          <a:prstGeom prst="rect">
+            <a:avLst/>
+          </a:prstGeom>
+          <a:noFill/>
+        </p:spPr>
+        <p:txBody>
+          <a:bodyPr wrap="square" rtlCol="0" anchor="t">
+            <a:spAutoFit/>
+          </a:bodyPr>
+          <a:p>
+            <a:r>
+              <a:rPr lang="zh-CN" altLang="en-US" sz="1000">
+                <a:solidFill>
+                  <a:schemeClr val="tx1"/>
+                </a:solidFill>
+                <a:effectLst>
+                  <a:outerShdw blurRad="38100" dist="19050" dir="2700000" algn="tl" rotWithShape="0">
+                    <a:schemeClr val="dk1">
+                      <a:alpha val="40000"/>
+                    </a:schemeClr>
+                  </a:outerShdw>
+                </a:effectLst>
+              </a:rPr>
+              <a:t>  public final Object QQQQQQ( Continuation $completion) {</a:t>
+            </a:r>
+            <a:endParaRPr lang="zh-CN" altLang="en-US" sz="1000">
+              <a:solidFill>
+                <a:schemeClr val="tx1"/>
+              </a:solidFill>
+              <a:effectLst>
+                <a:outerShdw blurRad="38100" dist="19050" dir="2700000" algn="tl" rotWithShape="0">
+                  <a:schemeClr val="dk1">
+                    <a:alpha val="40000"/>
+                  </a:schemeClr>
+                </a:outerShdw>
+              </a:effectLst>
+            </a:endParaRPr>
+          </a:p>
+          <a:p>
+            <a:r>
+              <a:rPr lang="zh-CN" altLang="en-US" sz="1000">
+                <a:solidFill>
+                  <a:schemeClr val="tx1"/>
+                </a:solidFill>
+                <a:effectLst>
+                  <a:outerShdw blurRad="38100" dist="19050" dir="2700000" algn="tl" rotWithShape="0">
+                    <a:schemeClr val="dk1">
+                      <a:alpha val="40000"/>
+                    </a:schemeClr>
+                  </a:outerShdw>
+                </a:effectLst>
+              </a:rPr>
+              <a:t>        SafeContinuation safeContinuation = new SafeContinuation(IntrinsicsKt.intercepted($completion));</a:t>
+            </a:r>
+            <a:endParaRPr lang="zh-CN" altLang="en-US" sz="1000">
+              <a:solidFill>
+                <a:schemeClr val="tx1"/>
+              </a:solidFill>
+              <a:effectLst>
+                <a:outerShdw blurRad="38100" dist="19050" dir="2700000" algn="tl" rotWithShape="0">
+                  <a:schemeClr val="dk1">
+                    <a:alpha val="40000"/>
+                  </a:schemeClr>
+                </a:outerShdw>
+              </a:effectLst>
+            </a:endParaRPr>
+          </a:p>
+          <a:p>
+            <a:r>
+              <a:rPr lang="zh-CN" altLang="en-US" sz="1000">
+                <a:solidFill>
+                  <a:schemeClr val="tx1"/>
+                </a:solidFill>
+                <a:effectLst>
+                  <a:outerShdw blurRad="38100" dist="19050" dir="2700000" algn="tl" rotWithShape="0">
+                    <a:schemeClr val="dk1">
+                      <a:alpha val="40000"/>
+                    </a:schemeClr>
+                  </a:outerShdw>
+                </a:effectLst>
+              </a:rPr>
+              <a:t>        String var9 = "ok";</a:t>
+            </a:r>
+            <a:endParaRPr lang="zh-CN" altLang="en-US" sz="1000">
+              <a:solidFill>
+                <a:schemeClr val="tx1"/>
+              </a:solidFill>
+              <a:effectLst>
+                <a:outerShdw blurRad="38100" dist="19050" dir="2700000" algn="tl" rotWithShape="0">
+                  <a:schemeClr val="dk1">
+                    <a:alpha val="40000"/>
+                  </a:schemeClr>
+                </a:outerShdw>
+              </a:effectLst>
+            </a:endParaRPr>
+          </a:p>
+          <a:p>
+            <a:r>
+              <a:rPr lang="zh-CN" altLang="en-US" sz="1000">
+                <a:solidFill>
+                  <a:schemeClr val="tx1"/>
+                </a:solidFill>
+                <a:effectLst>
+                  <a:outerShdw blurRad="38100" dist="19050" dir="2700000" algn="tl" rotWithShape="0">
+                    <a:schemeClr val="dk1">
+                      <a:alpha val="40000"/>
+                    </a:schemeClr>
+                  </a:outerShdw>
+                </a:effectLst>
+              </a:rPr>
+              <a:t>        safeContinuation.resumeWith(Result.constructor-impl(var9));</a:t>
+            </a:r>
+            <a:endParaRPr lang="zh-CN" altLang="en-US" sz="1000">
+              <a:solidFill>
+                <a:schemeClr val="tx1"/>
+              </a:solidFill>
+              <a:effectLst>
+                <a:outerShdw blurRad="38100" dist="19050" dir="2700000" algn="tl" rotWithShape="0">
+                  <a:schemeClr val="dk1">
+                    <a:alpha val="40000"/>
+                  </a:schemeClr>
+                </a:outerShdw>
+              </a:effectLst>
+            </a:endParaRPr>
+          </a:p>
+          <a:p>
+            <a:r>
+              <a:rPr lang="zh-CN" altLang="en-US" sz="1000">
+                <a:solidFill>
+                  <a:schemeClr val="tx1"/>
+                </a:solidFill>
+                <a:effectLst>
+                  <a:outerShdw blurRad="38100" dist="19050" dir="2700000" algn="tl" rotWithShape="0">
+                    <a:schemeClr val="dk1">
+                      <a:alpha val="40000"/>
+                    </a:schemeClr>
+                  </a:outerShdw>
+                </a:effectLst>
+              </a:rPr>
+              <a:t>        Object var10000 = safeContinuation.getOrThrow();</a:t>
+            </a:r>
+            <a:endParaRPr lang="zh-CN" altLang="en-US" sz="1000">
+              <a:solidFill>
+                <a:schemeClr val="tx1"/>
+              </a:solidFill>
+              <a:effectLst>
+                <a:outerShdw blurRad="38100" dist="19050" dir="2700000" algn="tl" rotWithShape="0">
+                  <a:schemeClr val="dk1">
+                    <a:alpha val="40000"/>
+                  </a:schemeClr>
+                </a:outerShdw>
+              </a:effectLst>
+            </a:endParaRPr>
+          </a:p>
+          <a:p>
+            <a:r>
+              <a:rPr lang="zh-CN" altLang="en-US" sz="1000">
+                <a:solidFill>
+                  <a:schemeClr val="tx1"/>
+                </a:solidFill>
+                <a:effectLst>
+                  <a:outerShdw blurRad="38100" dist="19050" dir="2700000" algn="tl" rotWithShape="0">
+                    <a:schemeClr val="dk1">
+                      <a:alpha val="40000"/>
+                    </a:schemeClr>
+                  </a:outerShdw>
+                </a:effectLst>
+              </a:rPr>
+              <a:t>        if (var10000 == IntrinsicsKt.getCOROUTINE_SUSPENDED()) {</a:t>
+            </a:r>
+            <a:endParaRPr lang="zh-CN" altLang="en-US" sz="1000">
+              <a:solidFill>
+                <a:schemeClr val="tx1"/>
+              </a:solidFill>
+              <a:effectLst>
+                <a:outerShdw blurRad="38100" dist="19050" dir="2700000" algn="tl" rotWithShape="0">
+                  <a:schemeClr val="dk1">
+                    <a:alpha val="40000"/>
+                  </a:schemeClr>
+                </a:outerShdw>
+              </a:effectLst>
+            </a:endParaRPr>
+          </a:p>
+          <a:p>
+            <a:r>
+              <a:rPr lang="zh-CN" altLang="en-US" sz="1000">
+                <a:solidFill>
+                  <a:schemeClr val="tx1"/>
+                </a:solidFill>
+                <a:effectLst>
+                  <a:outerShdw blurRad="38100" dist="19050" dir="2700000" algn="tl" rotWithShape="0">
+                    <a:schemeClr val="dk1">
+                      <a:alpha val="40000"/>
+                    </a:schemeClr>
+                  </a:outerShdw>
+                </a:effectLst>
+              </a:rPr>
+              <a:t>            DebugProbesKt.probeCoroutineSuspended($completion);</a:t>
+            </a:r>
+            <a:endParaRPr lang="zh-CN" altLang="en-US" sz="1000">
+              <a:solidFill>
+                <a:schemeClr val="tx1"/>
+              </a:solidFill>
+              <a:effectLst>
+                <a:outerShdw blurRad="38100" dist="19050" dir="2700000" algn="tl" rotWithShape="0">
+                  <a:schemeClr val="dk1">
+                    <a:alpha val="40000"/>
+                  </a:schemeClr>
+                </a:outerShdw>
+              </a:effectLst>
+            </a:endParaRPr>
+          </a:p>
+          <a:p>
+            <a:r>
+              <a:rPr lang="zh-CN" altLang="en-US" sz="1000">
+                <a:solidFill>
+                  <a:schemeClr val="tx1"/>
+                </a:solidFill>
+                <a:effectLst>
+                  <a:outerShdw blurRad="38100" dist="19050" dir="2700000" algn="tl" rotWithShape="0">
+                    <a:schemeClr val="dk1">
+                      <a:alpha val="40000"/>
+                    </a:schemeClr>
+                  </a:outerShdw>
+                </a:effectLst>
+              </a:rPr>
+              <a:t>        }</a:t>
+            </a:r>
+            <a:endParaRPr lang="zh-CN" altLang="en-US" sz="1000">
+              <a:solidFill>
+                <a:schemeClr val="tx1"/>
+              </a:solidFill>
+              <a:effectLst>
+                <a:outerShdw blurRad="38100" dist="19050" dir="2700000" algn="tl" rotWithShape="0">
+                  <a:schemeClr val="dk1">
+                    <a:alpha val="40000"/>
+                  </a:schemeClr>
+                </a:outerShdw>
+              </a:effectLst>
+            </a:endParaRPr>
+          </a:p>
+          <a:p>
+            <a:r>
+              <a:rPr lang="zh-CN" altLang="en-US" sz="1000">
+                <a:solidFill>
+                  <a:schemeClr val="tx1"/>
+                </a:solidFill>
+                <a:effectLst>
+                  <a:outerShdw blurRad="38100" dist="19050" dir="2700000" algn="tl" rotWithShape="0">
+                    <a:schemeClr val="dk1">
+                      <a:alpha val="40000"/>
+                    </a:schemeClr>
+                  </a:outerShdw>
+                </a:effectLst>
+              </a:rPr>
+              <a:t>        return var10000;</a:t>
+            </a:r>
+            <a:endParaRPr lang="zh-CN" altLang="en-US" sz="1000">
+              <a:solidFill>
+                <a:schemeClr val="tx1"/>
+              </a:solidFill>
+              <a:effectLst>
+                <a:outerShdw blurRad="38100" dist="19050" dir="2700000" algn="tl" rotWithShape="0">
+                  <a:schemeClr val="dk1">
+                    <a:alpha val="40000"/>
+                  </a:schemeClr>
+                </a:outerShdw>
+              </a:effectLst>
+            </a:endParaRPr>
+          </a:p>
+          <a:p>
+            <a:r>
+              <a:rPr lang="zh-CN" altLang="en-US" sz="1000">
+                <a:solidFill>
+                  <a:schemeClr val="tx1"/>
+                </a:solidFill>
+                <a:effectLst>
+                  <a:outerShdw blurRad="38100" dist="19050" dir="2700000" algn="tl" rotWithShape="0">
+                    <a:schemeClr val="dk1">
+                      <a:alpha val="40000"/>
+                    </a:schemeClr>
+                  </a:outerShdw>
+                </a:effectLst>
+              </a:rPr>
+              <a:t>    }</a:t>
+            </a:r>
+            <a:endParaRPr lang="zh-CN" altLang="en-US" sz="1000">
+              <a:solidFill>
+                <a:schemeClr val="tx1"/>
+              </a:solidFill>
+              <a:effectLst>
+                <a:outerShdw blurRad="38100" dist="19050" dir="2700000" algn="tl" rotWithShape="0">
+                  <a:schemeClr val="dk1">
+                    <a:alpha val="40000"/>
+                  </a:schemeClr>
+                </a:outerShdw>
+              </a:effectLst>
+            </a:endParaRPr>
+          </a:p>
+          <a:p>
+            <a:r>
+              <a:rPr lang="zh-CN" altLang="en-US" sz="1000">
+                <a:solidFill>
+                  <a:schemeClr val="tx1"/>
+                </a:solidFill>
+                <a:effectLst>
+                  <a:outerShdw blurRad="38100" dist="19050" dir="2700000" algn="tl" rotWithShape="0">
+                    <a:schemeClr val="dk1">
+                      <a:alpha val="40000"/>
+                    </a:schemeClr>
+                  </a:outerShdw>
+                </a:effectLst>
+              </a:rPr>
+              <a:t>  public final void m() {</a:t>
+            </a:r>
+            <a:endParaRPr lang="zh-CN" altLang="en-US" sz="1000">
+              <a:solidFill>
+                <a:schemeClr val="tx1"/>
+              </a:solidFill>
+              <a:effectLst>
+                <a:outerShdw blurRad="38100" dist="19050" dir="2700000" algn="tl" rotWithShape="0">
+                  <a:schemeClr val="dk1">
+                    <a:alpha val="40000"/>
+                  </a:schemeClr>
+                </a:outerShdw>
+              </a:effectLst>
+            </a:endParaRPr>
+          </a:p>
+          <a:p>
+            <a:r>
+              <a:rPr lang="zh-CN" altLang="en-US" sz="1000">
+                <a:solidFill>
+                  <a:schemeClr val="tx1"/>
+                </a:solidFill>
+                <a:effectLst>
+                  <a:outerShdw blurRad="38100" dist="19050" dir="2700000" algn="tl" rotWithShape="0">
+                    <a:schemeClr val="dk1">
+                      <a:alpha val="40000"/>
+                    </a:schemeClr>
+                  </a:outerShdw>
+                </a:effectLst>
+              </a:rPr>
+              <a:t>        BuildersKt.launch((CoroutineScope) GlobalScope.INSTANCE, (CoroutineContext) Dispatchers.getIO(), (CoroutineStart)null, (Function2)(new Function2((Continuation)null) {</a:t>
+            </a:r>
+            <a:endParaRPr lang="zh-CN" altLang="en-US" sz="1000">
+              <a:solidFill>
+                <a:schemeClr val="tx1"/>
+              </a:solidFill>
+              <a:effectLst>
+                <a:outerShdw blurRad="38100" dist="19050" dir="2700000" algn="tl" rotWithShape="0">
+                  <a:schemeClr val="dk1">
+                    <a:alpha val="40000"/>
+                  </a:schemeClr>
+                </a:outerShdw>
+              </a:effectLst>
+            </a:endParaRPr>
+          </a:p>
+          <a:p>
+            <a:r>
+              <a:rPr lang="zh-CN" altLang="en-US" sz="1000">
+                <a:solidFill>
+                  <a:schemeClr val="tx1"/>
+                </a:solidFill>
+                <a:effectLst>
+                  <a:outerShdw blurRad="38100" dist="19050" dir="2700000" algn="tl" rotWithShape="0">
+                    <a:schemeClr val="dk1">
+                      <a:alpha val="40000"/>
+                    </a:schemeClr>
+                  </a:outerShdw>
+                </a:effectLst>
+              </a:rPr>
+              <a:t>           </a:t>
+            </a:r>
+            <a:r>
+              <a:rPr lang="zh-CN" altLang="en-US" sz="1000">
+                <a:solidFill>
+                  <a:srgbClr val="FF0000"/>
+                </a:solidFill>
+                <a:effectLst>
+                  <a:outerShdw blurRad="38100" dist="19050" dir="2700000" algn="tl" rotWithShape="0">
+                    <a:schemeClr val="dk1">
+                      <a:alpha val="40000"/>
+                    </a:schemeClr>
+                  </a:outerShdw>
+                </a:effectLst>
+              </a:rPr>
+              <a:t> int label</a:t>
+            </a:r>
+            <a:r>
+              <a:rPr lang="zh-CN" altLang="en-US" sz="1000">
+                <a:solidFill>
+                  <a:schemeClr val="tx1"/>
+                </a:solidFill>
+                <a:effectLst>
+                  <a:outerShdw blurRad="38100" dist="19050" dir="2700000" algn="tl" rotWithShape="0">
+                    <a:schemeClr val="dk1">
+                      <a:alpha val="40000"/>
+                    </a:schemeClr>
+                  </a:outerShdw>
+                </a:effectLst>
+              </a:rPr>
+              <a:t>;</a:t>
+            </a:r>
+            <a:endParaRPr lang="zh-CN" altLang="en-US" sz="1000">
+              <a:solidFill>
+                <a:schemeClr val="tx1"/>
+              </a:solidFill>
+              <a:effectLst>
+                <a:outerShdw blurRad="38100" dist="19050" dir="2700000" algn="tl" rotWithShape="0">
+                  <a:schemeClr val="dk1">
+                    <a:alpha val="40000"/>
+                  </a:schemeClr>
+                </a:outerShdw>
+              </a:effectLst>
+            </a:endParaRPr>
+          </a:p>
+          <a:p>
+            <a:endParaRPr lang="zh-CN" altLang="en-US" sz="1000">
+              <a:solidFill>
+                <a:schemeClr val="tx1"/>
+              </a:solidFill>
+              <a:effectLst>
+                <a:outerShdw blurRad="38100" dist="19050" dir="2700000" algn="tl" rotWithShape="0">
+                  <a:schemeClr val="dk1">
+                    <a:alpha val="40000"/>
+                  </a:schemeClr>
+                </a:outerShdw>
+              </a:effectLst>
+            </a:endParaRPr>
+          </a:p>
+          <a:p>
+            <a:r>
+              <a:rPr lang="zh-CN" altLang="en-US" sz="1000">
+                <a:solidFill>
+                  <a:schemeClr val="tx1"/>
+                </a:solidFill>
+                <a:effectLst>
+                  <a:outerShdw blurRad="38100" dist="19050" dir="2700000" algn="tl" rotWithShape="0">
+                    <a:schemeClr val="dk1">
+                      <a:alpha val="40000"/>
+                    </a:schemeClr>
+                  </a:outerShdw>
+                </a:effectLst>
+              </a:rPr>
+              <a:t>            public final Object invokeSuspend( Object result) {</a:t>
+            </a:r>
+            <a:endParaRPr lang="zh-CN" altLang="en-US" sz="1000">
+              <a:solidFill>
+                <a:schemeClr val="tx1"/>
+              </a:solidFill>
+              <a:effectLst>
+                <a:outerShdw blurRad="38100" dist="19050" dir="2700000" algn="tl" rotWithShape="0">
+                  <a:schemeClr val="dk1">
+                    <a:alpha val="40000"/>
+                  </a:schemeClr>
+                </a:outerShdw>
+              </a:effectLst>
+            </a:endParaRPr>
+          </a:p>
+          <a:p>
+            <a:r>
+              <a:rPr lang="zh-CN" altLang="en-US" sz="1000">
+                <a:solidFill>
+                  <a:schemeClr val="tx1"/>
+                </a:solidFill>
+                <a:effectLst>
+                  <a:outerShdw blurRad="38100" dist="19050" dir="2700000" algn="tl" rotWithShape="0">
+                    <a:schemeClr val="dk1">
+                      <a:alpha val="40000"/>
+                    </a:schemeClr>
+                  </a:outerShdw>
+                </a:effectLst>
+              </a:rPr>
+              <a:t>                Object var5 =</a:t>
+            </a:r>
+            <a:r>
+              <a:rPr lang="zh-CN" altLang="en-US" sz="1000">
+                <a:solidFill>
+                  <a:srgbClr val="FF0000"/>
+                </a:solidFill>
+                <a:effectLst>
+                  <a:outerShdw blurRad="38100" dist="19050" dir="2700000" algn="tl" rotWithShape="0">
+                    <a:schemeClr val="dk1">
+                      <a:alpha val="40000"/>
+                    </a:schemeClr>
+                  </a:outerShdw>
+                </a:effectLst>
+              </a:rPr>
+              <a:t> IntrinsicsKt.getCOROUTINE_SUSPENDED()</a:t>
+            </a:r>
+            <a:r>
+              <a:rPr lang="zh-CN" altLang="en-US" sz="1000">
+                <a:solidFill>
+                  <a:schemeClr val="tx1"/>
+                </a:solidFill>
+                <a:effectLst>
+                  <a:outerShdw blurRad="38100" dist="19050" dir="2700000" algn="tl" rotWithShape="0">
+                    <a:schemeClr val="dk1">
+                      <a:alpha val="40000"/>
+                    </a:schemeClr>
+                  </a:outerShdw>
+                </a:effectLst>
+              </a:rPr>
+              <a:t>;</a:t>
+            </a:r>
+            <a:endParaRPr lang="zh-CN" altLang="en-US" sz="1000">
+              <a:solidFill>
+                <a:schemeClr val="tx1"/>
+              </a:solidFill>
+              <a:effectLst>
+                <a:outerShdw blurRad="38100" dist="19050" dir="2700000" algn="tl" rotWithShape="0">
+                  <a:schemeClr val="dk1">
+                    <a:alpha val="40000"/>
+                  </a:schemeClr>
+                </a:outerShdw>
+              </a:effectLst>
+            </a:endParaRPr>
+          </a:p>
+          <a:p>
+            <a:r>
+              <a:rPr lang="zh-CN" altLang="en-US" sz="1000">
+                <a:solidFill>
+                  <a:schemeClr val="tx1"/>
+                </a:solidFill>
+                <a:effectLst>
+                  <a:outerShdw blurRad="38100" dist="19050" dir="2700000" algn="tl" rotWithShape="0">
+                    <a:schemeClr val="dk1">
+                      <a:alpha val="40000"/>
+                    </a:schemeClr>
+                  </a:outerShdw>
+                </a:effectLst>
+              </a:rPr>
+              <a:t>                switch(this.label) {</a:t>
+            </a:r>
+            <a:endParaRPr lang="zh-CN" altLang="en-US" sz="1000">
+              <a:solidFill>
+                <a:schemeClr val="tx1"/>
+              </a:solidFill>
+              <a:effectLst>
+                <a:outerShdw blurRad="38100" dist="19050" dir="2700000" algn="tl" rotWithShape="0">
+                  <a:schemeClr val="dk1">
+                    <a:alpha val="40000"/>
+                  </a:schemeClr>
+                </a:outerShdw>
+              </a:effectLst>
+            </a:endParaRPr>
+          </a:p>
+          <a:p>
+            <a:r>
+              <a:rPr lang="zh-CN" altLang="en-US" sz="1000">
+                <a:solidFill>
+                  <a:schemeClr val="tx1"/>
+                </a:solidFill>
+                <a:effectLst>
+                  <a:outerShdw blurRad="38100" dist="19050" dir="2700000" algn="tl" rotWithShape="0">
+                    <a:schemeClr val="dk1">
+                      <a:alpha val="40000"/>
+                    </a:schemeClr>
+                  </a:outerShdw>
+                </a:effectLst>
+              </a:rPr>
+              <a:t>                    </a:t>
+            </a:r>
+            <a:r>
+              <a:rPr lang="zh-CN" altLang="en-US" sz="1000">
+                <a:solidFill>
+                  <a:srgbClr val="FF0000"/>
+                </a:solidFill>
+                <a:effectLst>
+                  <a:outerShdw blurRad="38100" dist="19050" dir="2700000" algn="tl" rotWithShape="0">
+                    <a:schemeClr val="dk1">
+                      <a:alpha val="40000"/>
+                    </a:schemeClr>
+                  </a:outerShdw>
+                </a:effectLst>
+              </a:rPr>
+              <a:t>case 0</a:t>
+            </a:r>
+            <a:r>
+              <a:rPr lang="zh-CN" altLang="en-US" sz="1000">
+                <a:solidFill>
+                  <a:schemeClr val="tx1"/>
+                </a:solidFill>
+                <a:effectLst>
+                  <a:outerShdw blurRad="38100" dist="19050" dir="2700000" algn="tl" rotWithShape="0">
+                    <a:schemeClr val="dk1">
+                      <a:alpha val="40000"/>
+                    </a:schemeClr>
+                  </a:outerShdw>
+                </a:effectLst>
+              </a:rPr>
+              <a:t>:</a:t>
+            </a:r>
+            <a:endParaRPr lang="zh-CN" altLang="en-US" sz="1000">
+              <a:solidFill>
+                <a:schemeClr val="tx1"/>
+              </a:solidFill>
+              <a:effectLst>
+                <a:outerShdw blurRad="38100" dist="19050" dir="2700000" algn="tl" rotWithShape="0">
+                  <a:schemeClr val="dk1">
+                    <a:alpha val="40000"/>
+                  </a:schemeClr>
+                </a:outerShdw>
+              </a:effectLst>
+            </a:endParaRPr>
+          </a:p>
+          <a:p>
+            <a:r>
+              <a:rPr lang="zh-CN" altLang="en-US" sz="1000">
+                <a:solidFill>
+                  <a:schemeClr val="tx1"/>
+                </a:solidFill>
+                <a:effectLst>
+                  <a:outerShdw blurRad="38100" dist="19050" dir="2700000" algn="tl" rotWithShape="0">
+                    <a:schemeClr val="dk1">
+                      <a:alpha val="40000"/>
+                    </a:schemeClr>
+                  </a:outerShdw>
+                </a:effectLst>
+              </a:rPr>
+              <a:t>                        </a:t>
+            </a:r>
+            <a:r>
+              <a:rPr lang="zh-CN" altLang="en-US" sz="1000">
+                <a:solidFill>
+                  <a:srgbClr val="FF0000"/>
+                </a:solidFill>
+                <a:effectLst>
+                  <a:outerShdw blurRad="38100" dist="19050" dir="2700000" algn="tl" rotWithShape="0">
+                    <a:schemeClr val="dk1">
+                      <a:alpha val="40000"/>
+                    </a:schemeClr>
+                  </a:outerShdw>
+                </a:effectLst>
+              </a:rPr>
+              <a:t>label = 1</a:t>
+            </a:r>
+            <a:r>
+              <a:rPr lang="zh-CN" altLang="en-US" sz="1000">
+                <a:solidFill>
+                  <a:schemeClr val="tx1"/>
+                </a:solidFill>
+                <a:effectLst>
+                  <a:outerShdw blurRad="38100" dist="19050" dir="2700000" algn="tl" rotWithShape="0">
+                    <a:schemeClr val="dk1">
+                      <a:alpha val="40000"/>
+                    </a:schemeClr>
+                  </a:outerShdw>
+                </a:effectLst>
+              </a:rPr>
+              <a:t>;</a:t>
+            </a:r>
+            <a:endParaRPr lang="zh-CN" altLang="en-US" sz="1000">
+              <a:solidFill>
+                <a:schemeClr val="tx1"/>
+              </a:solidFill>
+              <a:effectLst>
+                <a:outerShdw blurRad="38100" dist="19050" dir="2700000" algn="tl" rotWithShape="0">
+                  <a:schemeClr val="dk1">
+                    <a:alpha val="40000"/>
+                  </a:schemeClr>
+                </a:outerShdw>
+              </a:effectLst>
+            </a:endParaRPr>
+          </a:p>
+          <a:p>
+            <a:r>
+              <a:rPr lang="zh-CN" altLang="en-US" sz="1000">
+                <a:solidFill>
+                  <a:schemeClr val="tx1"/>
+                </a:solidFill>
+                <a:effectLst>
+                  <a:outerShdw blurRad="38100" dist="19050" dir="2700000" algn="tl" rotWithShape="0">
+                    <a:schemeClr val="dk1">
+                      <a:alpha val="40000"/>
+                    </a:schemeClr>
+                  </a:outerShdw>
+                </a:effectLst>
+              </a:rPr>
+              <a:t>                        if (QQQQQQ(this) == var5) {</a:t>
+            </a:r>
+            <a:endParaRPr lang="zh-CN" altLang="en-US" sz="1000">
+              <a:solidFill>
+                <a:schemeClr val="tx1"/>
+              </a:solidFill>
+              <a:effectLst>
+                <a:outerShdw blurRad="38100" dist="19050" dir="2700000" algn="tl" rotWithShape="0">
+                  <a:schemeClr val="dk1">
+                    <a:alpha val="40000"/>
+                  </a:schemeClr>
+                </a:outerShdw>
+              </a:effectLst>
+            </a:endParaRPr>
+          </a:p>
+          <a:p>
+            <a:r>
+              <a:rPr lang="zh-CN" altLang="en-US" sz="1000">
+                <a:solidFill>
+                  <a:schemeClr val="tx1"/>
+                </a:solidFill>
+                <a:effectLst>
+                  <a:outerShdw blurRad="38100" dist="19050" dir="2700000" algn="tl" rotWithShape="0">
+                    <a:schemeClr val="dk1">
+                      <a:alpha val="40000"/>
+                    </a:schemeClr>
+                  </a:outerShdw>
+                </a:effectLst>
+              </a:rPr>
+              <a:t>                            </a:t>
+            </a:r>
+            <a:r>
+              <a:rPr lang="zh-CN" altLang="en-US" sz="1000">
+                <a:solidFill>
+                  <a:srgbClr val="FF0000"/>
+                </a:solidFill>
+                <a:effectLst>
+                  <a:outerShdw blurRad="38100" dist="19050" dir="2700000" algn="tl" rotWithShape="0">
+                    <a:schemeClr val="dk1">
+                      <a:alpha val="40000"/>
+                    </a:schemeClr>
+                  </a:outerShdw>
+                </a:effectLst>
+              </a:rPr>
+              <a:t>return var5</a:t>
+            </a:r>
+            <a:r>
+              <a:rPr lang="zh-CN" altLang="en-US" sz="1000">
+                <a:solidFill>
+                  <a:schemeClr val="tx1"/>
+                </a:solidFill>
+                <a:effectLst>
+                  <a:outerShdw blurRad="38100" dist="19050" dir="2700000" algn="tl" rotWithShape="0">
+                    <a:schemeClr val="dk1">
+                      <a:alpha val="40000"/>
+                    </a:schemeClr>
+                  </a:outerShdw>
+                </a:effectLst>
+              </a:rPr>
+              <a:t>;</a:t>
+            </a:r>
+            <a:endParaRPr lang="zh-CN" altLang="en-US" sz="1000">
+              <a:solidFill>
+                <a:schemeClr val="tx1"/>
+              </a:solidFill>
+              <a:effectLst>
+                <a:outerShdw blurRad="38100" dist="19050" dir="2700000" algn="tl" rotWithShape="0">
+                  <a:schemeClr val="dk1">
+                    <a:alpha val="40000"/>
+                  </a:schemeClr>
+                </a:outerShdw>
+              </a:effectLst>
+            </a:endParaRPr>
+          </a:p>
+          <a:p>
+            <a:r>
+              <a:rPr lang="zh-CN" altLang="en-US" sz="1000">
+                <a:solidFill>
+                  <a:schemeClr val="tx1"/>
+                </a:solidFill>
+                <a:effectLst>
+                  <a:outerShdw blurRad="38100" dist="19050" dir="2700000" algn="tl" rotWithShape="0">
+                    <a:schemeClr val="dk1">
+                      <a:alpha val="40000"/>
+                    </a:schemeClr>
+                  </a:outerShdw>
+                </a:effectLst>
+              </a:rPr>
+              <a:t>                        }</a:t>
+            </a:r>
+            <a:endParaRPr lang="zh-CN" altLang="en-US" sz="1000">
+              <a:solidFill>
+                <a:schemeClr val="tx1"/>
+              </a:solidFill>
+              <a:effectLst>
+                <a:outerShdw blurRad="38100" dist="19050" dir="2700000" algn="tl" rotWithShape="0">
+                  <a:schemeClr val="dk1">
+                    <a:alpha val="40000"/>
+                  </a:schemeClr>
+                </a:outerShdw>
+              </a:effectLst>
+            </a:endParaRPr>
+          </a:p>
+          <a:p>
+            <a:r>
+              <a:rPr lang="zh-CN" altLang="en-US" sz="1000">
+                <a:solidFill>
+                  <a:schemeClr val="tx1"/>
+                </a:solidFill>
+                <a:effectLst>
+                  <a:outerShdw blurRad="38100" dist="19050" dir="2700000" algn="tl" rotWithShape="0">
+                    <a:schemeClr val="dk1">
+                      <a:alpha val="40000"/>
+                    </a:schemeClr>
+                  </a:outerShdw>
+                </a:effectLst>
+              </a:rPr>
+              <a:t>                        break;</a:t>
+            </a:r>
+            <a:endParaRPr lang="zh-CN" altLang="en-US" sz="1000">
+              <a:solidFill>
+                <a:schemeClr val="tx1"/>
+              </a:solidFill>
+              <a:effectLst>
+                <a:outerShdw blurRad="38100" dist="19050" dir="2700000" algn="tl" rotWithShape="0">
+                  <a:schemeClr val="dk1">
+                    <a:alpha val="40000"/>
+                  </a:schemeClr>
+                </a:outerShdw>
+              </a:effectLst>
+            </a:endParaRPr>
+          </a:p>
+          <a:p>
+            <a:r>
+              <a:rPr lang="zh-CN" altLang="en-US" sz="1000">
+                <a:solidFill>
+                  <a:schemeClr val="tx1"/>
+                </a:solidFill>
+                <a:effectLst>
+                  <a:outerShdw blurRad="38100" dist="19050" dir="2700000" algn="tl" rotWithShape="0">
+                    <a:schemeClr val="dk1">
+                      <a:alpha val="40000"/>
+                    </a:schemeClr>
+                  </a:outerShdw>
+                </a:effectLst>
+              </a:rPr>
+              <a:t>                   </a:t>
+            </a:r>
+            <a:r>
+              <a:rPr lang="zh-CN" altLang="en-US" sz="1000">
+                <a:solidFill>
+                  <a:srgbClr val="FF0000"/>
+                </a:solidFill>
+                <a:effectLst>
+                  <a:outerShdw blurRad="38100" dist="19050" dir="2700000" algn="tl" rotWithShape="0">
+                    <a:schemeClr val="dk1">
+                      <a:alpha val="40000"/>
+                    </a:schemeClr>
+                  </a:outerShdw>
+                </a:effectLst>
+              </a:rPr>
+              <a:t> case 1</a:t>
+            </a:r>
+            <a:r>
+              <a:rPr lang="zh-CN" altLang="en-US" sz="1000">
+                <a:solidFill>
+                  <a:schemeClr val="tx1"/>
+                </a:solidFill>
+                <a:effectLst>
+                  <a:outerShdw blurRad="38100" dist="19050" dir="2700000" algn="tl" rotWithShape="0">
+                    <a:schemeClr val="dk1">
+                      <a:alpha val="40000"/>
+                    </a:schemeClr>
+                  </a:outerShdw>
+                </a:effectLst>
+              </a:rPr>
+              <a:t>:</a:t>
+            </a:r>
+            <a:endParaRPr lang="zh-CN" altLang="en-US" sz="1000">
+              <a:solidFill>
+                <a:schemeClr val="tx1"/>
+              </a:solidFill>
+              <a:effectLst>
+                <a:outerShdw blurRad="38100" dist="19050" dir="2700000" algn="tl" rotWithShape="0">
+                  <a:schemeClr val="dk1">
+                    <a:alpha val="40000"/>
+                  </a:schemeClr>
+                </a:outerShdw>
+              </a:effectLst>
+            </a:endParaRPr>
+          </a:p>
+          <a:p>
+            <a:r>
+              <a:rPr lang="zh-CN" altLang="en-US" sz="1000">
+                <a:solidFill>
+                  <a:schemeClr val="tx1"/>
+                </a:solidFill>
+                <a:effectLst>
+                  <a:outerShdw blurRad="38100" dist="19050" dir="2700000" algn="tl" rotWithShape="0">
+                    <a:schemeClr val="dk1">
+                      <a:alpha val="40000"/>
+                    </a:schemeClr>
+                  </a:outerShdw>
+                </a:effectLst>
+              </a:rPr>
+              <a:t>                        ResultKt.throwOnFailure(result);</a:t>
+            </a:r>
+            <a:endParaRPr lang="zh-CN" altLang="en-US" sz="1000">
+              <a:solidFill>
+                <a:schemeClr val="tx1"/>
+              </a:solidFill>
+              <a:effectLst>
+                <a:outerShdw blurRad="38100" dist="19050" dir="2700000" algn="tl" rotWithShape="0">
+                  <a:schemeClr val="dk1">
+                    <a:alpha val="40000"/>
+                  </a:schemeClr>
+                </a:outerShdw>
+              </a:effectLst>
+            </a:endParaRPr>
+          </a:p>
+          <a:p>
+            <a:r>
+              <a:rPr lang="zh-CN" altLang="en-US" sz="1000">
+                <a:solidFill>
+                  <a:schemeClr val="tx1"/>
+                </a:solidFill>
+                <a:effectLst>
+                  <a:outerShdw blurRad="38100" dist="19050" dir="2700000" algn="tl" rotWithShape="0">
+                    <a:schemeClr val="dk1">
+                      <a:alpha val="40000"/>
+                    </a:schemeClr>
+                  </a:outerShdw>
+                </a:effectLst>
+              </a:rPr>
+              <a:t>                        break;</a:t>
+            </a:r>
+            <a:endParaRPr lang="zh-CN" altLang="en-US" sz="1000">
+              <a:solidFill>
+                <a:schemeClr val="tx1"/>
+              </a:solidFill>
+              <a:effectLst>
+                <a:outerShdw blurRad="38100" dist="19050" dir="2700000" algn="tl" rotWithShape="0">
+                  <a:schemeClr val="dk1">
+                    <a:alpha val="40000"/>
+                  </a:schemeClr>
+                </a:outerShdw>
+              </a:effectLst>
+            </a:endParaRPr>
+          </a:p>
+          <a:p>
+            <a:r>
+              <a:rPr lang="zh-CN" altLang="en-US" sz="1000">
+                <a:solidFill>
+                  <a:schemeClr val="tx1"/>
+                </a:solidFill>
+                <a:effectLst>
+                  <a:outerShdw blurRad="38100" dist="19050" dir="2700000" algn="tl" rotWithShape="0">
+                    <a:schemeClr val="dk1">
+                      <a:alpha val="40000"/>
+                    </a:schemeClr>
+                  </a:outerShdw>
+                </a:effectLst>
+              </a:rPr>
+              <a:t>                    default:</a:t>
+            </a:r>
+            <a:endParaRPr lang="zh-CN" altLang="en-US" sz="1000">
+              <a:solidFill>
+                <a:schemeClr val="tx1"/>
+              </a:solidFill>
+              <a:effectLst>
+                <a:outerShdw blurRad="38100" dist="19050" dir="2700000" algn="tl" rotWithShape="0">
+                  <a:schemeClr val="dk1">
+                    <a:alpha val="40000"/>
+                  </a:schemeClr>
+                </a:outerShdw>
+              </a:effectLst>
+            </a:endParaRPr>
+          </a:p>
+          <a:p>
+            <a:r>
+              <a:rPr lang="zh-CN" altLang="en-US" sz="1000">
+                <a:solidFill>
+                  <a:schemeClr val="tx1"/>
+                </a:solidFill>
+                <a:effectLst>
+                  <a:outerShdw blurRad="38100" dist="19050" dir="2700000" algn="tl" rotWithShape="0">
+                    <a:schemeClr val="dk1">
+                      <a:alpha val="40000"/>
+                    </a:schemeClr>
+                  </a:outerShdw>
+                </a:effectLst>
+              </a:rPr>
+              <a:t>                        throw new IllegalStateException("call to 'resume' before 'invoke' with coroutine");</a:t>
+            </a:r>
+            <a:endParaRPr lang="zh-CN" altLang="en-US" sz="1000">
+              <a:solidFill>
+                <a:schemeClr val="tx1"/>
+              </a:solidFill>
+              <a:effectLst>
+                <a:outerShdw blurRad="38100" dist="19050" dir="2700000" algn="tl" rotWithShape="0">
+                  <a:schemeClr val="dk1">
+                    <a:alpha val="40000"/>
+                  </a:schemeClr>
+                </a:outerShdw>
+              </a:effectLst>
+            </a:endParaRPr>
+          </a:p>
+          <a:p>
+            <a:r>
+              <a:rPr lang="zh-CN" altLang="en-US" sz="1000">
+                <a:solidFill>
+                  <a:schemeClr val="tx1"/>
+                </a:solidFill>
+                <a:effectLst>
+                  <a:outerShdw blurRad="38100" dist="19050" dir="2700000" algn="tl" rotWithShape="0">
+                    <a:schemeClr val="dk1">
+                      <a:alpha val="40000"/>
+                    </a:schemeClr>
+                  </a:outerShdw>
+                </a:effectLst>
+              </a:rPr>
+              <a:t>                }</a:t>
+            </a:r>
+            <a:endParaRPr lang="zh-CN" altLang="en-US" sz="1000">
+              <a:solidFill>
+                <a:schemeClr val="tx1"/>
+              </a:solidFill>
+              <a:effectLst>
+                <a:outerShdw blurRad="38100" dist="19050" dir="2700000" algn="tl" rotWithShape="0">
+                  <a:schemeClr val="dk1">
+                    <a:alpha val="40000"/>
+                  </a:schemeClr>
+                </a:outerShdw>
+              </a:effectLst>
+            </a:endParaRPr>
+          </a:p>
+          <a:p>
+            <a:endParaRPr lang="zh-CN" altLang="en-US" sz="1000">
+              <a:solidFill>
+                <a:schemeClr val="tx1"/>
+              </a:solidFill>
+              <a:effectLst>
+                <a:outerShdw blurRad="38100" dist="19050" dir="2700000" algn="tl" rotWithShape="0">
+                  <a:schemeClr val="dk1">
+                    <a:alpha val="40000"/>
+                  </a:schemeClr>
+                </a:outerShdw>
+              </a:effectLst>
+            </a:endParaRPr>
+          </a:p>
+          <a:p>
+            <a:r>
+              <a:rPr lang="zh-CN" altLang="en-US" sz="1000">
+                <a:solidFill>
+                  <a:schemeClr val="tx1"/>
+                </a:solidFill>
+                <a:effectLst>
+                  <a:outerShdw blurRad="38100" dist="19050" dir="2700000" algn="tl" rotWithShape="0">
+                    <a:schemeClr val="dk1">
+                      <a:alpha val="40000"/>
+                    </a:schemeClr>
+                  </a:outerShdw>
+                </a:effectLst>
+              </a:rPr>
+              <a:t>                String var3 = "@@@@";</a:t>
+            </a:r>
+            <a:endParaRPr lang="zh-CN" altLang="en-US" sz="1000">
+              <a:solidFill>
+                <a:schemeClr val="tx1"/>
+              </a:solidFill>
+              <a:effectLst>
+                <a:outerShdw blurRad="38100" dist="19050" dir="2700000" algn="tl" rotWithShape="0">
+                  <a:schemeClr val="dk1">
+                    <a:alpha val="40000"/>
+                  </a:schemeClr>
+                </a:outerShdw>
+              </a:effectLst>
+            </a:endParaRPr>
+          </a:p>
+          <a:p>
+            <a:r>
+              <a:rPr lang="zh-CN" altLang="en-US" sz="1000">
+                <a:solidFill>
+                  <a:schemeClr val="tx1"/>
+                </a:solidFill>
+                <a:effectLst>
+                  <a:outerShdw blurRad="38100" dist="19050" dir="2700000" algn="tl" rotWithShape="0">
+                    <a:schemeClr val="dk1">
+                      <a:alpha val="40000"/>
+                    </a:schemeClr>
+                  </a:outerShdw>
+                </a:effectLst>
+              </a:rPr>
+              <a:t>                System.out.print(var3);</a:t>
+            </a:r>
+            <a:endParaRPr lang="zh-CN" altLang="en-US" sz="1000">
+              <a:solidFill>
+                <a:schemeClr val="tx1"/>
+              </a:solidFill>
+              <a:effectLst>
+                <a:outerShdw blurRad="38100" dist="19050" dir="2700000" algn="tl" rotWithShape="0">
+                  <a:schemeClr val="dk1">
+                    <a:alpha val="40000"/>
+                  </a:schemeClr>
+                </a:outerShdw>
+              </a:effectLst>
+            </a:endParaRPr>
+          </a:p>
+          <a:p>
+            <a:r>
+              <a:rPr lang="zh-CN" altLang="en-US" sz="1000">
+                <a:solidFill>
+                  <a:schemeClr val="tx1"/>
+                </a:solidFill>
+                <a:effectLst>
+                  <a:outerShdw blurRad="38100" dist="19050" dir="2700000" algn="tl" rotWithShape="0">
+                    <a:schemeClr val="dk1">
+                      <a:alpha val="40000"/>
+                    </a:schemeClr>
+                  </a:outerShdw>
+                </a:effectLst>
+              </a:rPr>
+              <a:t>                return Unit.INSTANCE;</a:t>
+            </a:r>
+            <a:endParaRPr lang="zh-CN" altLang="en-US" sz="1000">
+              <a:solidFill>
+                <a:schemeClr val="tx1"/>
+              </a:solidFill>
+              <a:effectLst>
+                <a:outerShdw blurRad="38100" dist="19050" dir="2700000" algn="tl" rotWithShape="0">
+                  <a:schemeClr val="dk1">
+                    <a:alpha val="40000"/>
+                  </a:schemeClr>
+                </a:outerShdw>
+              </a:effectLst>
+            </a:endParaRPr>
+          </a:p>
+          <a:p>
+            <a:r>
+              <a:rPr lang="zh-CN" altLang="en-US" sz="1000">
+                <a:solidFill>
+                  <a:schemeClr val="tx1"/>
+                </a:solidFill>
+                <a:effectLst>
+                  <a:outerShdw blurRad="38100" dist="19050" dir="2700000" algn="tl" rotWithShape="0">
+                    <a:schemeClr val="dk1">
+                      <a:alpha val="40000"/>
+                    </a:schemeClr>
+                  </a:outerShdw>
+                </a:effectLst>
+              </a:rPr>
+              <a:t>            }</a:t>
+            </a:r>
+            <a:endParaRPr lang="zh-CN" altLang="en-US" sz="1000">
+              <a:solidFill>
+                <a:schemeClr val="tx1"/>
+              </a:solidFill>
+              <a:effectLst>
+                <a:outerShdw blurRad="38100" dist="19050" dir="2700000" algn="tl" rotWithShape="0">
+                  <a:schemeClr val="dk1">
+                    <a:alpha val="40000"/>
+                  </a:schemeClr>
+                </a:outerShdw>
+              </a:effectLst>
+            </a:endParaRPr>
+          </a:p>
+          <a:p>
+            <a:endParaRPr lang="zh-CN" altLang="en-US" sz="1000">
+              <a:solidFill>
+                <a:schemeClr val="tx1"/>
+              </a:solidFill>
+              <a:effectLst>
+                <a:outerShdw blurRad="38100" dist="19050" dir="2700000" algn="tl" rotWithShape="0">
+                  <a:schemeClr val="dk1">
+                    <a:alpha val="40000"/>
+                  </a:schemeClr>
+                </a:outerShdw>
+              </a:effectLst>
+            </a:endParaRPr>
+          </a:p>
+          <a:p>
+            <a:endParaRPr lang="zh-CN" altLang="en-US" sz="1000">
+              <a:solidFill>
+                <a:schemeClr val="tx1"/>
+              </a:solidFill>
+              <a:effectLst>
+                <a:outerShdw blurRad="38100" dist="19050" dir="2700000" algn="tl" rotWithShape="0">
+                  <a:schemeClr val="dk1">
+                    <a:alpha val="40000"/>
+                  </a:schemeClr>
+                </a:outerShdw>
+              </a:effectLst>
+            </a:endParaRPr>
+          </a:p>
+          <a:p>
+            <a:r>
+              <a:rPr lang="zh-CN" altLang="en-US" sz="1000">
+                <a:solidFill>
+                  <a:schemeClr val="tx1"/>
+                </a:solidFill>
+                <a:effectLst>
+                  <a:outerShdw blurRad="38100" dist="19050" dir="2700000" algn="tl" rotWithShape="0">
+                    <a:schemeClr val="dk1">
+                      <a:alpha val="40000"/>
+                    </a:schemeClr>
+                  </a:outerShdw>
+                </a:effectLst>
+              </a:rPr>
+              <a:t>            public final Continuation create( Object value,  Continuation completion) {</a:t>
+            </a:r>
+            <a:endParaRPr lang="zh-CN" altLang="en-US" sz="1000">
+              <a:solidFill>
+                <a:schemeClr val="tx1"/>
+              </a:solidFill>
+              <a:effectLst>
+                <a:outerShdw blurRad="38100" dist="19050" dir="2700000" algn="tl" rotWithShape="0">
+                  <a:schemeClr val="dk1">
+                    <a:alpha val="40000"/>
+                  </a:schemeClr>
+                </a:outerShdw>
+              </a:effectLst>
+            </a:endParaRPr>
+          </a:p>
+          <a:p>
+            <a:r>
+              <a:rPr lang="zh-CN" altLang="en-US" sz="1000">
+                <a:solidFill>
+                  <a:schemeClr val="tx1"/>
+                </a:solidFill>
+                <a:effectLst>
+                  <a:outerShdw blurRad="38100" dist="19050" dir="2700000" algn="tl" rotWithShape="0">
+                    <a:schemeClr val="dk1">
+                      <a:alpha val="40000"/>
+                    </a:schemeClr>
+                  </a:outerShdw>
+                </a:effectLst>
+              </a:rPr>
+              <a:t>                Intrinsics.checkParameterIsNotNull(completion, "completion");</a:t>
+            </a:r>
+            <a:endParaRPr lang="zh-CN" altLang="en-US" sz="1000">
+              <a:solidFill>
+                <a:schemeClr val="tx1"/>
+              </a:solidFill>
+              <a:effectLst>
+                <a:outerShdw blurRad="38100" dist="19050" dir="2700000" algn="tl" rotWithShape="0">
+                  <a:schemeClr val="dk1">
+                    <a:alpha val="40000"/>
+                  </a:schemeClr>
+                </a:outerShdw>
+              </a:effectLst>
+            </a:endParaRPr>
+          </a:p>
+          <a:p>
+            <a:r>
+              <a:rPr lang="zh-CN" altLang="en-US" sz="1000">
+                <a:solidFill>
+                  <a:schemeClr val="tx1"/>
+                </a:solidFill>
+                <a:effectLst>
+                  <a:outerShdw blurRad="38100" dist="19050" dir="2700000" algn="tl" rotWithShape="0">
+                    <a:schemeClr val="dk1">
+                      <a:alpha val="40000"/>
+                    </a:schemeClr>
+                  </a:outerShdw>
+                </a:effectLst>
+              </a:rPr>
+              <a:t>                Function2 var3 = new &lt;anonymous constructor&gt;(completion);</a:t>
+            </a:r>
+            <a:endParaRPr lang="zh-CN" altLang="en-US" sz="1000">
+              <a:solidFill>
+                <a:schemeClr val="tx1"/>
+              </a:solidFill>
+              <a:effectLst>
+                <a:outerShdw blurRad="38100" dist="19050" dir="2700000" algn="tl" rotWithShape="0">
+                  <a:schemeClr val="dk1">
+                    <a:alpha val="40000"/>
+                  </a:schemeClr>
+                </a:outerShdw>
+              </a:effectLst>
+            </a:endParaRPr>
+          </a:p>
+          <a:p>
+            <a:r>
+              <a:rPr lang="zh-CN" altLang="en-US" sz="1000">
+                <a:solidFill>
+                  <a:schemeClr val="tx1"/>
+                </a:solidFill>
+                <a:effectLst>
+                  <a:outerShdw blurRad="38100" dist="19050" dir="2700000" algn="tl" rotWithShape="0">
+                    <a:schemeClr val="dk1">
+                      <a:alpha val="40000"/>
+                    </a:schemeClr>
+                  </a:outerShdw>
+                </a:effectLst>
+              </a:rPr>
+              <a:t>                return var3;</a:t>
+            </a:r>
+            <a:endParaRPr lang="zh-CN" altLang="en-US" sz="1000">
+              <a:solidFill>
+                <a:schemeClr val="tx1"/>
+              </a:solidFill>
+              <a:effectLst>
+                <a:outerShdw blurRad="38100" dist="19050" dir="2700000" algn="tl" rotWithShape="0">
+                  <a:schemeClr val="dk1">
+                    <a:alpha val="40000"/>
+                  </a:schemeClr>
+                </a:outerShdw>
+              </a:effectLst>
+            </a:endParaRPr>
+          </a:p>
+          <a:p>
+            <a:r>
+              <a:rPr lang="zh-CN" altLang="en-US" sz="1000">
+                <a:solidFill>
+                  <a:schemeClr val="tx1"/>
+                </a:solidFill>
+                <a:effectLst>
+                  <a:outerShdw blurRad="38100" dist="19050" dir="2700000" algn="tl" rotWithShape="0">
+                    <a:schemeClr val="dk1">
+                      <a:alpha val="40000"/>
+                    </a:schemeClr>
+                  </a:outerShdw>
+                </a:effectLst>
+              </a:rPr>
+              <a:t>            }</a:t>
+            </a:r>
+            <a:endParaRPr lang="zh-CN" altLang="en-US" sz="1000">
+              <a:solidFill>
+                <a:schemeClr val="tx1"/>
+              </a:solidFill>
+              <a:effectLst>
+                <a:outerShdw blurRad="38100" dist="19050" dir="2700000" algn="tl" rotWithShape="0">
+                  <a:schemeClr val="dk1">
+                    <a:alpha val="40000"/>
+                  </a:schemeClr>
+                </a:outerShdw>
+              </a:effectLst>
+            </a:endParaRPr>
+          </a:p>
+          <a:p>
+            <a:endParaRPr lang="zh-CN" altLang="en-US" sz="1000">
+              <a:solidFill>
+                <a:schemeClr val="tx1"/>
+              </a:solidFill>
+              <a:effectLst>
+                <a:outerShdw blurRad="38100" dist="19050" dir="2700000" algn="tl" rotWithShape="0">
+                  <a:schemeClr val="dk1">
+                    <a:alpha val="40000"/>
+                  </a:schemeClr>
+                </a:outerShdw>
+              </a:effectLst>
+            </a:endParaRPr>
+          </a:p>
+          <a:p>
+            <a:r>
+              <a:rPr lang="zh-CN" altLang="en-US" sz="1000">
+                <a:solidFill>
+                  <a:schemeClr val="tx1"/>
+                </a:solidFill>
+                <a:effectLst>
+                  <a:outerShdw blurRad="38100" dist="19050" dir="2700000" algn="tl" rotWithShape="0">
+                    <a:schemeClr val="dk1">
+                      <a:alpha val="40000"/>
+                    </a:schemeClr>
+                  </a:outerShdw>
+                </a:effectLst>
+              </a:rPr>
+              <a:t>            public final Object invoke(Object var1, Object var2) {</a:t>
+            </a:r>
+            <a:endParaRPr lang="zh-CN" altLang="en-US" sz="1000">
+              <a:solidFill>
+                <a:schemeClr val="tx1"/>
+              </a:solidFill>
+              <a:effectLst>
+                <a:outerShdw blurRad="38100" dist="19050" dir="2700000" algn="tl" rotWithShape="0">
+                  <a:schemeClr val="dk1">
+                    <a:alpha val="40000"/>
+                  </a:schemeClr>
+                </a:outerShdw>
+              </a:effectLst>
+            </a:endParaRPr>
+          </a:p>
+          <a:p>
+            <a:r>
+              <a:rPr lang="zh-CN" altLang="en-US" sz="1000">
+                <a:solidFill>
+                  <a:schemeClr val="tx1"/>
+                </a:solidFill>
+                <a:effectLst>
+                  <a:outerShdw blurRad="38100" dist="19050" dir="2700000" algn="tl" rotWithShape="0">
+                    <a:schemeClr val="dk1">
+                      <a:alpha val="40000"/>
+                    </a:schemeClr>
+                  </a:outerShdw>
+                </a:effectLst>
+              </a:rPr>
+              <a:t>                return ((&lt;undefinedtype&gt;)this.create(var1, (Continuation)var2)).invokeSuspend(Unit.INSTANCE);</a:t>
+            </a:r>
+            <a:endParaRPr lang="zh-CN" altLang="en-US" sz="1000">
+              <a:solidFill>
+                <a:schemeClr val="tx1"/>
+              </a:solidFill>
+              <a:effectLst>
+                <a:outerShdw blurRad="38100" dist="19050" dir="2700000" algn="tl" rotWithShape="0">
+                  <a:schemeClr val="dk1">
+                    <a:alpha val="40000"/>
+                  </a:schemeClr>
+                </a:outerShdw>
+              </a:effectLst>
+            </a:endParaRPr>
+          </a:p>
+          <a:p>
+            <a:r>
+              <a:rPr lang="zh-CN" altLang="en-US" sz="1000">
+                <a:solidFill>
+                  <a:schemeClr val="tx1"/>
+                </a:solidFill>
+                <a:effectLst>
+                  <a:outerShdw blurRad="38100" dist="19050" dir="2700000" algn="tl" rotWithShape="0">
+                    <a:schemeClr val="dk1">
+                      <a:alpha val="40000"/>
+                    </a:schemeClr>
+                  </a:outerShdw>
+                </a:effectLst>
+              </a:rPr>
+              <a:t>            }</a:t>
+            </a:r>
+            <a:endParaRPr lang="zh-CN" altLang="en-US" sz="1000">
+              <a:solidFill>
+                <a:schemeClr val="tx1"/>
+              </a:solidFill>
+              <a:effectLst>
+                <a:outerShdw blurRad="38100" dist="19050" dir="2700000" algn="tl" rotWithShape="0">
+                  <a:schemeClr val="dk1">
+                    <a:alpha val="40000"/>
+                  </a:schemeClr>
+                </a:outerShdw>
+              </a:effectLst>
+            </a:endParaRPr>
+          </a:p>
+          <a:p>
+            <a:r>
+              <a:rPr lang="zh-CN" altLang="en-US" sz="1000">
+                <a:solidFill>
+                  <a:schemeClr val="tx1"/>
+                </a:solidFill>
+                <a:effectLst>
+                  <a:outerShdw blurRad="38100" dist="19050" dir="2700000" algn="tl" rotWithShape="0">
+                    <a:schemeClr val="dk1">
+                      <a:alpha val="40000"/>
+                    </a:schemeClr>
+                  </a:outerShdw>
+                </a:effectLst>
+              </a:rPr>
+              <a:t>        }));</a:t>
+            </a:r>
+            <a:endParaRPr lang="zh-CN" altLang="en-US" sz="1000">
+              <a:solidFill>
+                <a:schemeClr val="tx1"/>
+              </a:solidFill>
+              <a:effectLst>
+                <a:outerShdw blurRad="38100" dist="19050" dir="2700000" algn="tl" rotWithShape="0">
+                  <a:schemeClr val="dk1">
+                    <a:alpha val="40000"/>
+                  </a:schemeClr>
+                </a:outerShdw>
+              </a:effectLst>
+            </a:endParaRPr>
+          </a:p>
+          <a:p>
+            <a:r>
+              <a:rPr lang="zh-CN" altLang="en-US" sz="1000">
+                <a:solidFill>
+                  <a:schemeClr val="tx1"/>
+                </a:solidFill>
+                <a:effectLst>
+                  <a:outerShdw blurRad="38100" dist="19050" dir="2700000" algn="tl" rotWithShape="0">
+                    <a:schemeClr val="dk1">
+                      <a:alpha val="40000"/>
+                    </a:schemeClr>
+                  </a:outerShdw>
+                </a:effectLst>
+              </a:rPr>
+              <a:t>    }</a:t>
+            </a:r>
+            <a:endParaRPr lang="zh-CN" altLang="en-US" sz="1000">
+              <a:solidFill>
+                <a:schemeClr val="tx1"/>
+              </a:solidFill>
+              <a:effectLst>
+                <a:outerShdw blurRad="38100" dist="19050" dir="2700000" algn="tl" rotWithShape="0">
+                  <a:schemeClr val="dk1">
+                    <a:alpha val="40000"/>
+                  </a:schemeClr>
+                </a:outerShdw>
+              </a:effectLst>
+            </a:endParaRPr>
+          </a:p>
+        </p:txBody>
+      </p:sp>
+      <p:sp>
+        <p:nvSpPr>
+          <p:cNvPr id="50" name="文本框 49"/>
+          <p:cNvSpPr txBox="1"/>
+          <p:nvPr/>
+        </p:nvSpPr>
+        <p:spPr>
+          <a:xfrm>
+            <a:off x="8578215" y="9138920"/>
+            <a:ext cx="2776855" cy="398780"/>
+          </a:xfrm>
+          <a:prstGeom prst="rect">
+            <a:avLst/>
+          </a:prstGeom>
+          <a:noFill/>
+        </p:spPr>
+        <p:txBody>
+          <a:bodyPr wrap="square" rtlCol="0">
+            <a:spAutoFit/>
+          </a:bodyPr>
+          <a:p>
+            <a:r>
+              <a:rPr lang="zh-CN" altLang="en-US" sz="1000">
+                <a:solidFill>
+                  <a:schemeClr val="accent1"/>
+                </a:solidFill>
+                <a:effectLst>
+                  <a:outerShdw blurRad="38100" dist="25400" dir="5400000" algn="ctr" rotWithShape="0">
+                    <a:srgbClr val="6E747A">
+                      <a:alpha val="43000"/>
+                    </a:srgbClr>
+                  </a:outerShdw>
+                </a:effectLst>
+              </a:rPr>
+              <a:t>该值表示</a:t>
+            </a:r>
+            <a:r>
+              <a:rPr lang="en-US" altLang="zh-CN" sz="1000">
+                <a:solidFill>
+                  <a:schemeClr val="accent1"/>
+                </a:solidFill>
+                <a:effectLst>
+                  <a:outerShdw blurRad="38100" dist="25400" dir="5400000" algn="ctr" rotWithShape="0">
+                    <a:srgbClr val="6E747A">
+                      <a:alpha val="43000"/>
+                    </a:srgbClr>
+                  </a:outerShdw>
+                </a:effectLst>
+              </a:rPr>
+              <a:t>block </a:t>
+            </a:r>
+            <a:r>
+              <a:rPr lang="zh-CN" altLang="en-US" sz="1000">
+                <a:solidFill>
+                  <a:schemeClr val="accent1"/>
+                </a:solidFill>
+                <a:effectLst>
+                  <a:outerShdw blurRad="38100" dist="25400" dir="5400000" algn="ctr" rotWithShape="0">
+                    <a:srgbClr val="6E747A">
+                      <a:alpha val="43000"/>
+                    </a:srgbClr>
+                  </a:outerShdw>
+                </a:effectLst>
+              </a:rPr>
+              <a:t>（此处是</a:t>
+            </a:r>
+            <a:r>
+              <a:rPr lang="en-US" altLang="zh-CN" sz="1000">
+                <a:solidFill>
+                  <a:schemeClr val="accent1"/>
+                </a:solidFill>
+                <a:effectLst>
+                  <a:outerShdw blurRad="38100" dist="25400" dir="5400000" algn="ctr" rotWithShape="0">
+                    <a:srgbClr val="6E747A">
+                      <a:alpha val="43000"/>
+                    </a:srgbClr>
+                  </a:outerShdw>
+                </a:effectLst>
+              </a:rPr>
+              <a:t>QQQ</a:t>
+            </a:r>
+            <a:r>
+              <a:rPr lang="zh-CN" altLang="en-US" sz="1000">
+                <a:solidFill>
+                  <a:schemeClr val="accent1"/>
+                </a:solidFill>
+                <a:effectLst>
+                  <a:outerShdw blurRad="38100" dist="25400" dir="5400000" algn="ctr" rotWithShape="0">
+                    <a:srgbClr val="6E747A">
+                      <a:alpha val="43000"/>
+                    </a:srgbClr>
+                  </a:outerShdw>
+                </a:effectLst>
+              </a:rPr>
+              <a:t>方法）是</a:t>
+            </a:r>
+            <a:r>
+              <a:rPr lang="en-US" altLang="zh-CN" sz="1000">
+                <a:solidFill>
+                  <a:schemeClr val="accent1"/>
+                </a:solidFill>
+                <a:effectLst>
+                  <a:outerShdw blurRad="38100" dist="25400" dir="5400000" algn="ctr" rotWithShape="0">
+                    <a:srgbClr val="6E747A">
+                      <a:alpha val="43000"/>
+                    </a:srgbClr>
+                  </a:outerShdw>
+                </a:effectLst>
+              </a:rPr>
+              <a:t>suspend func</a:t>
+            </a:r>
+            <a:endParaRPr lang="zh-CN" altLang="en-US" sz="1000">
+              <a:solidFill>
+                <a:schemeClr val="accent1"/>
+              </a:solidFill>
+              <a:effectLst>
+                <a:outerShdw blurRad="38100" dist="25400" dir="5400000" algn="ctr" rotWithShape="0">
+                  <a:srgbClr val="6E747A">
+                    <a:alpha val="43000"/>
+                  </a:srgbClr>
+                </a:outerShdw>
+              </a:effectLst>
+            </a:endParaRPr>
+          </a:p>
+        </p:txBody>
+      </p:sp>
+      <p:cxnSp>
+        <p:nvCxnSpPr>
+          <p:cNvPr id="51" name="直接箭头连接符 50"/>
+          <p:cNvCxnSpPr>
+            <a:endCxn id="50" idx="1"/>
+          </p:cNvCxnSpPr>
+          <p:nvPr/>
+        </p:nvCxnSpPr>
+        <p:spPr>
+          <a:xfrm flipV="1">
+            <a:off x="7741285" y="9338310"/>
+            <a:ext cx="836930" cy="66675"/>
+          </a:xfrm>
+          <a:prstGeom prst="straightConnector1">
+            <a:avLst/>
+          </a:prstGeom>
+          <a:ln>
+            <a:tailEnd type="arrow"/>
+          </a:ln>
+        </p:spPr>
+        <p:style>
+          <a:lnRef idx="1">
+            <a:schemeClr val="accent1"/>
+          </a:lnRef>
+          <a:fillRef idx="0">
+            <a:schemeClr val="accent1"/>
+          </a:fillRef>
+          <a:effectRef idx="0">
+            <a:schemeClr val="accent1"/>
+          </a:effectRef>
+          <a:fontRef idx="minor">
+            <a:schemeClr val="tx1"/>
+          </a:fontRef>
+        </p:style>
+      </p:cxnSp>
+      <p:sp>
+        <p:nvSpPr>
+          <p:cNvPr id="52" name="文本框 51"/>
+          <p:cNvSpPr txBox="1"/>
+          <p:nvPr/>
+        </p:nvSpPr>
+        <p:spPr>
+          <a:xfrm>
+            <a:off x="7840345" y="9969500"/>
+            <a:ext cx="3974465" cy="398780"/>
+          </a:xfrm>
+          <a:prstGeom prst="rect">
+            <a:avLst/>
+          </a:prstGeom>
+          <a:noFill/>
+        </p:spPr>
+        <p:txBody>
+          <a:bodyPr wrap="square" rtlCol="0">
+            <a:spAutoFit/>
+          </a:bodyPr>
+          <a:p>
+            <a:r>
+              <a:rPr lang="zh-CN" altLang="en-US" sz="1000">
+                <a:solidFill>
+                  <a:schemeClr val="accent1"/>
+                </a:solidFill>
+                <a:effectLst>
+                  <a:outerShdw blurRad="38100" dist="25400" dir="5400000" algn="ctr" rotWithShape="0">
+                    <a:srgbClr val="6E747A">
+                      <a:alpha val="43000"/>
+                    </a:srgbClr>
+                  </a:outerShdw>
+                </a:effectLst>
+              </a:rPr>
+              <a:t>当</a:t>
+            </a:r>
+            <a:r>
+              <a:rPr lang="en-US" altLang="zh-CN" sz="1000">
+                <a:solidFill>
+                  <a:schemeClr val="accent1"/>
+                </a:solidFill>
+                <a:effectLst>
+                  <a:outerShdw blurRad="38100" dist="25400" dir="5400000" algn="ctr" rotWithShape="0">
+                    <a:srgbClr val="6E747A">
+                      <a:alpha val="43000"/>
+                    </a:srgbClr>
+                  </a:outerShdw>
+                </a:effectLst>
+              </a:rPr>
+              <a:t>QQQ</a:t>
+            </a:r>
+            <a:r>
+              <a:rPr lang="zh-CN" altLang="en-US" sz="1000">
+                <a:solidFill>
+                  <a:schemeClr val="accent1"/>
+                </a:solidFill>
+                <a:effectLst>
+                  <a:outerShdw blurRad="38100" dist="25400" dir="5400000" algn="ctr" rotWithShape="0">
+                    <a:srgbClr val="6E747A">
+                      <a:alpha val="43000"/>
+                    </a:srgbClr>
+                  </a:outerShdw>
+                </a:effectLst>
+              </a:rPr>
+              <a:t>是</a:t>
+            </a:r>
+            <a:r>
+              <a:rPr lang="en-US" altLang="zh-CN" sz="1000">
+                <a:solidFill>
+                  <a:schemeClr val="accent1"/>
+                </a:solidFill>
+                <a:effectLst>
+                  <a:outerShdw blurRad="38100" dist="25400" dir="5400000" algn="ctr" rotWithShape="0">
+                    <a:srgbClr val="6E747A">
+                      <a:alpha val="43000"/>
+                    </a:srgbClr>
+                  </a:outerShdw>
+                </a:effectLst>
+              </a:rPr>
+              <a:t>suspend func</a:t>
+            </a:r>
+            <a:r>
+              <a:rPr lang="zh-CN" altLang="en-US" sz="1000">
+                <a:solidFill>
+                  <a:schemeClr val="accent1"/>
+                </a:solidFill>
+                <a:effectLst>
+                  <a:outerShdw blurRad="38100" dist="25400" dir="5400000" algn="ctr" rotWithShape="0">
+                    <a:srgbClr val="6E747A">
+                      <a:alpha val="43000"/>
+                    </a:srgbClr>
+                  </a:outerShdw>
+                </a:effectLst>
+              </a:rPr>
+              <a:t>，主线程</a:t>
+            </a:r>
+            <a:r>
+              <a:rPr lang="en-US" altLang="zh-CN" sz="1000">
+                <a:solidFill>
+                  <a:schemeClr val="accent1"/>
+                </a:solidFill>
+                <a:effectLst>
+                  <a:outerShdw blurRad="38100" dist="25400" dir="5400000" algn="ctr" rotWithShape="0">
+                    <a:srgbClr val="6E747A">
+                      <a:alpha val="43000"/>
+                    </a:srgbClr>
+                  </a:outerShdw>
+                </a:effectLst>
+              </a:rPr>
+              <a:t>return</a:t>
+            </a:r>
+            <a:r>
+              <a:rPr lang="zh-CN" altLang="en-US" sz="1000">
+                <a:solidFill>
+                  <a:schemeClr val="accent1"/>
+                </a:solidFill>
+                <a:effectLst>
+                  <a:outerShdw blurRad="38100" dist="25400" dir="5400000" algn="ctr" rotWithShape="0">
+                    <a:srgbClr val="6E747A">
+                      <a:alpha val="43000"/>
+                    </a:srgbClr>
+                  </a:outerShdw>
+                </a:effectLst>
+              </a:rPr>
+              <a:t>掉</a:t>
+            </a:r>
+            <a:r>
+              <a:rPr lang="en-US" altLang="zh-CN" sz="1000">
+                <a:solidFill>
+                  <a:schemeClr val="accent1"/>
+                </a:solidFill>
+                <a:effectLst>
+                  <a:outerShdw blurRad="38100" dist="25400" dir="5400000" algn="ctr" rotWithShape="0">
+                    <a:srgbClr val="6E747A">
+                      <a:alpha val="43000"/>
+                    </a:srgbClr>
+                  </a:outerShdw>
+                </a:effectLst>
+              </a:rPr>
+              <a:t>(suspend</a:t>
+            </a:r>
+            <a:r>
+              <a:rPr lang="en-US" altLang="zh-CN" sz="1000">
+                <a:solidFill>
+                  <a:schemeClr val="accent1"/>
+                </a:solidFill>
+                <a:effectLst>
+                  <a:outerShdw blurRad="38100" dist="25400" dir="5400000" algn="ctr" rotWithShape="0">
+                    <a:srgbClr val="6E747A">
+                      <a:alpha val="43000"/>
+                    </a:srgbClr>
+                  </a:outerShdw>
+                </a:effectLst>
+              </a:rPr>
+              <a:t>)</a:t>
+            </a:r>
+            <a:r>
+              <a:rPr lang="zh-CN" altLang="en-US" sz="1000">
+                <a:solidFill>
+                  <a:schemeClr val="accent1"/>
+                </a:solidFill>
+                <a:effectLst>
+                  <a:outerShdw blurRad="38100" dist="25400" dir="5400000" algn="ctr" rotWithShape="0">
+                    <a:srgbClr val="6E747A">
+                      <a:alpha val="43000"/>
+                    </a:srgbClr>
+                  </a:outerShdw>
+                </a:effectLst>
+              </a:rPr>
+              <a:t>；</a:t>
+            </a:r>
+            <a:endParaRPr lang="zh-CN" altLang="en-US" sz="1000">
+              <a:solidFill>
+                <a:schemeClr val="accent1"/>
+              </a:solidFill>
+              <a:effectLst>
+                <a:outerShdw blurRad="38100" dist="25400" dir="5400000" algn="ctr" rotWithShape="0">
+                  <a:srgbClr val="6E747A">
+                    <a:alpha val="43000"/>
+                  </a:srgbClr>
+                </a:outerShdw>
+              </a:effectLst>
+            </a:endParaRPr>
+          </a:p>
+          <a:p>
+            <a:r>
+              <a:rPr lang="zh-CN" altLang="en-US" sz="1000">
+                <a:solidFill>
+                  <a:schemeClr val="accent1"/>
+                </a:solidFill>
+                <a:effectLst>
+                  <a:outerShdw blurRad="38100" dist="25400" dir="5400000" algn="ctr" rotWithShape="0">
+                    <a:srgbClr val="6E747A">
+                      <a:alpha val="43000"/>
+                    </a:srgbClr>
+                  </a:outerShdw>
+                </a:effectLst>
+              </a:rPr>
+              <a:t>当</a:t>
+            </a:r>
+            <a:r>
+              <a:rPr lang="en-US" altLang="zh-CN" sz="1000">
+                <a:solidFill>
+                  <a:schemeClr val="accent1"/>
+                </a:solidFill>
+                <a:effectLst>
+                  <a:outerShdw blurRad="38100" dist="25400" dir="5400000" algn="ctr" rotWithShape="0">
+                    <a:srgbClr val="6E747A">
+                      <a:alpha val="43000"/>
+                    </a:srgbClr>
+                  </a:outerShdw>
+                </a:effectLst>
+              </a:rPr>
+              <a:t>QQQ</a:t>
+            </a:r>
+            <a:r>
+              <a:rPr lang="zh-CN" altLang="en-US" sz="1000">
+                <a:solidFill>
+                  <a:schemeClr val="accent1"/>
+                </a:solidFill>
+                <a:effectLst>
+                  <a:outerShdw blurRad="38100" dist="25400" dir="5400000" algn="ctr" rotWithShape="0">
+                    <a:srgbClr val="6E747A">
+                      <a:alpha val="43000"/>
+                    </a:srgbClr>
+                  </a:outerShdw>
+                </a:effectLst>
+              </a:rPr>
+              <a:t>是正常函数，相当于是同步执行</a:t>
+            </a:r>
+            <a:endParaRPr lang="zh-CN" altLang="en-US" sz="1000">
+              <a:solidFill>
+                <a:schemeClr val="accent1"/>
+              </a:solidFill>
+              <a:effectLst>
+                <a:outerShdw blurRad="38100" dist="25400" dir="5400000" algn="ctr" rotWithShape="0">
+                  <a:srgbClr val="6E747A">
+                    <a:alpha val="43000"/>
+                  </a:srgbClr>
+                </a:outerShdw>
+              </a:effectLst>
+            </a:endParaRPr>
+          </a:p>
+        </p:txBody>
+      </p:sp>
+      <p:cxnSp>
+        <p:nvCxnSpPr>
+          <p:cNvPr id="53" name="直接箭头连接符 52"/>
+          <p:cNvCxnSpPr>
+            <a:endCxn id="52" idx="1"/>
+          </p:cNvCxnSpPr>
+          <p:nvPr/>
+        </p:nvCxnSpPr>
+        <p:spPr>
+          <a:xfrm flipV="1">
+            <a:off x="5839460" y="10168890"/>
+            <a:ext cx="2000885" cy="6350"/>
+          </a:xfrm>
+          <a:prstGeom prst="straightConnector1">
+            <a:avLst/>
+          </a:prstGeom>
+          <a:ln>
+            <a:tailEnd type="arrow"/>
+          </a:ln>
+        </p:spPr>
+        <p:style>
+          <a:lnRef idx="1">
+            <a:schemeClr val="accent1"/>
+          </a:lnRef>
+          <a:fillRef idx="0">
+            <a:schemeClr val="accent1"/>
+          </a:fillRef>
+          <a:effectRef idx="0">
+            <a:schemeClr val="accent1"/>
+          </a:effectRef>
+          <a:fontRef idx="minor">
+            <a:schemeClr val="tx1"/>
+          </a:fontRef>
+        </p:style>
+      </p:cxnSp>
+      <p:cxnSp>
+        <p:nvCxnSpPr>
+          <p:cNvPr id="54" name="直接箭头连接符 53"/>
+          <p:cNvCxnSpPr>
+            <a:endCxn id="55" idx="3"/>
+          </p:cNvCxnSpPr>
+          <p:nvPr/>
+        </p:nvCxnSpPr>
+        <p:spPr>
+          <a:xfrm flipH="1" flipV="1">
+            <a:off x="2726055" y="8608695"/>
+            <a:ext cx="1753870" cy="1129665"/>
+          </a:xfrm>
+          <a:prstGeom prst="straightConnector1">
+            <a:avLst/>
+          </a:prstGeom>
+          <a:ln>
+            <a:tailEnd type="arrow"/>
+          </a:ln>
+        </p:spPr>
+        <p:style>
+          <a:lnRef idx="1">
+            <a:schemeClr val="accent1"/>
+          </a:lnRef>
+          <a:fillRef idx="0">
+            <a:schemeClr val="accent1"/>
+          </a:fillRef>
+          <a:effectRef idx="0">
+            <a:schemeClr val="accent1"/>
+          </a:effectRef>
+          <a:fontRef idx="minor">
+            <a:schemeClr val="tx1"/>
+          </a:fontRef>
+        </p:style>
+      </p:cxnSp>
+      <p:sp>
+        <p:nvSpPr>
+          <p:cNvPr id="55" name="文本框 54"/>
+          <p:cNvSpPr txBox="1"/>
+          <p:nvPr/>
+        </p:nvSpPr>
+        <p:spPr>
+          <a:xfrm>
+            <a:off x="654050" y="8486140"/>
+            <a:ext cx="2072005" cy="245110"/>
+          </a:xfrm>
+          <a:prstGeom prst="rect">
+            <a:avLst/>
+          </a:prstGeom>
+          <a:noFill/>
+        </p:spPr>
+        <p:txBody>
+          <a:bodyPr wrap="square" rtlCol="0">
+            <a:spAutoFit/>
+          </a:bodyPr>
+          <a:p>
+            <a:r>
+              <a:rPr lang="en-US" altLang="zh-CN" sz="1000">
+                <a:solidFill>
+                  <a:schemeClr val="accent1"/>
+                </a:solidFill>
+                <a:effectLst>
+                  <a:outerShdw blurRad="38100" dist="25400" dir="5400000" algn="ctr" rotWithShape="0">
+                    <a:srgbClr val="6E747A">
+                      <a:alpha val="43000"/>
+                    </a:srgbClr>
+                  </a:outerShdw>
+                </a:effectLst>
+              </a:rPr>
+              <a:t>lable=0</a:t>
+            </a:r>
+            <a:r>
+              <a:rPr lang="zh-CN" altLang="en-US" sz="1000">
+                <a:solidFill>
+                  <a:schemeClr val="accent1"/>
+                </a:solidFill>
+                <a:effectLst>
+                  <a:outerShdw blurRad="38100" dist="25400" dir="5400000" algn="ctr" rotWithShape="0">
+                    <a:srgbClr val="6E747A">
+                      <a:alpha val="43000"/>
+                    </a:srgbClr>
+                  </a:outerShdw>
+                </a:effectLst>
+              </a:rPr>
+              <a:t>：初始化并即将</a:t>
+            </a:r>
+            <a:r>
+              <a:rPr lang="zh-CN" altLang="en-US" sz="1000">
+                <a:solidFill>
+                  <a:schemeClr val="accent1"/>
+                </a:solidFill>
+                <a:effectLst>
+                  <a:outerShdw blurRad="38100" dist="25400" dir="5400000" algn="ctr" rotWithShape="0">
+                    <a:srgbClr val="6E747A">
+                      <a:alpha val="43000"/>
+                    </a:srgbClr>
+                  </a:outerShdw>
+                </a:effectLst>
+              </a:rPr>
+              <a:t>执行</a:t>
+            </a:r>
+            <a:r>
+              <a:rPr lang="en-US" altLang="zh-CN" sz="1000">
+                <a:solidFill>
+                  <a:schemeClr val="accent1"/>
+                </a:solidFill>
+                <a:effectLst>
+                  <a:outerShdw blurRad="38100" dist="25400" dir="5400000" algn="ctr" rotWithShape="0">
+                    <a:srgbClr val="6E747A">
+                      <a:alpha val="43000"/>
+                    </a:srgbClr>
+                  </a:outerShdw>
+                </a:effectLst>
+              </a:rPr>
+              <a:t>QQQ</a:t>
+            </a:r>
+            <a:endParaRPr lang="zh-CN" altLang="en-US" sz="1000">
+              <a:solidFill>
+                <a:schemeClr val="accent1"/>
+              </a:solidFill>
+              <a:effectLst>
+                <a:outerShdw blurRad="38100" dist="25400" dir="5400000" algn="ctr" rotWithShape="0">
+                  <a:srgbClr val="6E747A">
+                    <a:alpha val="43000"/>
+                  </a:srgbClr>
+                </a:outerShdw>
+              </a:effectLst>
+            </a:endParaRPr>
+          </a:p>
+        </p:txBody>
+      </p:sp>
+      <p:cxnSp>
+        <p:nvCxnSpPr>
+          <p:cNvPr id="56" name="直接箭头连接符 55"/>
+          <p:cNvCxnSpPr>
+            <a:endCxn id="57" idx="0"/>
+          </p:cNvCxnSpPr>
+          <p:nvPr/>
+        </p:nvCxnSpPr>
+        <p:spPr>
+          <a:xfrm flipH="1">
+            <a:off x="1840230" y="10775315"/>
+            <a:ext cx="2643505" cy="1518920"/>
+          </a:xfrm>
+          <a:prstGeom prst="straightConnector1">
+            <a:avLst/>
+          </a:prstGeom>
+          <a:ln>
+            <a:tailEnd type="arrow" w="med" len="med"/>
+          </a:ln>
+        </p:spPr>
+        <p:style>
+          <a:lnRef idx="3">
+            <a:schemeClr val="accent6"/>
+          </a:lnRef>
+          <a:fillRef idx="0">
+            <a:schemeClr val="accent6"/>
+          </a:fillRef>
+          <a:effectRef idx="2">
+            <a:schemeClr val="accent6"/>
+          </a:effectRef>
+          <a:fontRef idx="minor">
+            <a:schemeClr val="tx1"/>
+          </a:fontRef>
+        </p:style>
+      </p:cxnSp>
+      <p:sp>
+        <p:nvSpPr>
+          <p:cNvPr id="57" name="文本框 56"/>
+          <p:cNvSpPr txBox="1"/>
+          <p:nvPr/>
+        </p:nvSpPr>
+        <p:spPr>
+          <a:xfrm>
+            <a:off x="390525" y="12294235"/>
+            <a:ext cx="2898775" cy="553085"/>
+          </a:xfrm>
+          <a:prstGeom prst="rect">
+            <a:avLst/>
+          </a:prstGeom>
+          <a:noFill/>
+        </p:spPr>
+        <p:txBody>
+          <a:bodyPr wrap="square" rtlCol="0">
+            <a:spAutoFit/>
+          </a:bodyPr>
+          <a:p>
+            <a:r>
+              <a:rPr lang="en-US" altLang="zh-CN" sz="1000">
+                <a:solidFill>
+                  <a:srgbClr val="FF0000"/>
+                </a:solidFill>
+                <a:effectLst>
+                  <a:outerShdw blurRad="38100" dist="25400" dir="5400000" algn="ctr" rotWithShape="0">
+                    <a:srgbClr val="6E747A">
+                      <a:alpha val="43000"/>
+                    </a:srgbClr>
+                  </a:outerShdw>
+                </a:effectLst>
+              </a:rPr>
+              <a:t>lable=1</a:t>
+            </a:r>
+            <a:r>
+              <a:rPr lang="zh-CN" altLang="en-US" sz="1000">
+                <a:solidFill>
+                  <a:srgbClr val="FF0000"/>
+                </a:solidFill>
+                <a:effectLst>
+                  <a:outerShdw blurRad="38100" dist="25400" dir="5400000" algn="ctr" rotWithShape="0">
+                    <a:srgbClr val="6E747A">
+                      <a:alpha val="43000"/>
+                    </a:srgbClr>
+                  </a:outerShdw>
+                </a:effectLst>
+              </a:rPr>
+              <a:t>：</a:t>
+            </a:r>
+            <a:r>
+              <a:rPr lang="en-US" altLang="zh-CN" sz="1000">
+                <a:solidFill>
+                  <a:srgbClr val="FF0000"/>
+                </a:solidFill>
+                <a:effectLst>
+                  <a:outerShdw blurRad="38100" dist="25400" dir="5400000" algn="ctr" rotWithShape="0">
+                    <a:srgbClr val="6E747A">
+                      <a:alpha val="43000"/>
+                    </a:srgbClr>
+                  </a:outerShdw>
+                </a:effectLst>
+              </a:rPr>
+              <a:t>QQQ</a:t>
+            </a:r>
+            <a:r>
+              <a:rPr lang="zh-CN" altLang="en-US" sz="1000">
+                <a:solidFill>
+                  <a:srgbClr val="FF0000"/>
+                </a:solidFill>
+                <a:effectLst>
+                  <a:outerShdw blurRad="38100" dist="25400" dir="5400000" algn="ctr" rotWithShape="0">
+                    <a:srgbClr val="6E747A">
+                      <a:alpha val="43000"/>
+                    </a:srgbClr>
+                  </a:outerShdw>
+                </a:effectLst>
+              </a:rPr>
+              <a:t>异步执行结束，通过</a:t>
+            </a:r>
+            <a:r>
+              <a:rPr lang="zh-CN" altLang="en-US" sz="1000">
+                <a:solidFill>
+                  <a:srgbClr val="FF0000"/>
+                </a:solidFill>
+                <a:effectLst>
+                  <a:outerShdw blurRad="38100" dist="19050" dir="2700000" algn="tl" rotWithShape="0">
+                    <a:schemeClr val="dk1">
+                      <a:alpha val="40000"/>
+                    </a:schemeClr>
+                  </a:outerShdw>
+                </a:effectLst>
+                <a:sym typeface="+mn-ea"/>
+              </a:rPr>
+              <a:t>Continuation</a:t>
+            </a:r>
+            <a:r>
+              <a:rPr lang="en-US" altLang="zh-CN" sz="1000">
+                <a:solidFill>
+                  <a:srgbClr val="FF0000"/>
+                </a:solidFill>
+                <a:effectLst>
+                  <a:outerShdw blurRad="38100" dist="19050" dir="2700000" algn="tl" rotWithShape="0">
+                    <a:schemeClr val="dk1">
+                      <a:alpha val="40000"/>
+                    </a:schemeClr>
+                  </a:outerShdw>
+                </a:effectLst>
+                <a:sym typeface="+mn-ea"/>
+              </a:rPr>
+              <a:t>.resumeWith(Result)</a:t>
+            </a:r>
+            <a:r>
+              <a:rPr lang="zh-CN" altLang="en-US" sz="1000">
+                <a:solidFill>
+                  <a:srgbClr val="FF0000"/>
+                </a:solidFill>
+                <a:effectLst>
+                  <a:outerShdw blurRad="38100" dist="25400" dir="5400000" algn="ctr" rotWithShape="0">
+                    <a:srgbClr val="6E747A">
+                      <a:alpha val="43000"/>
+                    </a:srgbClr>
+                  </a:outerShdw>
+                </a:effectLst>
+              </a:rPr>
+              <a:t>返回</a:t>
+            </a:r>
+            <a:r>
+              <a:rPr lang="en-US" altLang="zh-CN" sz="1000">
+                <a:solidFill>
+                  <a:srgbClr val="FF0000"/>
+                </a:solidFill>
+                <a:effectLst>
+                  <a:outerShdw blurRad="38100" dist="25400" dir="5400000" algn="ctr" rotWithShape="0">
+                    <a:srgbClr val="6E747A">
+                      <a:alpha val="43000"/>
+                    </a:srgbClr>
+                  </a:outerShdw>
+                </a:effectLst>
+              </a:rPr>
+              <a:t>Result</a:t>
+            </a:r>
+            <a:r>
+              <a:rPr lang="zh-CN" altLang="en-US" sz="1000">
+                <a:solidFill>
+                  <a:srgbClr val="FF0000"/>
+                </a:solidFill>
+                <a:effectLst>
+                  <a:outerShdw blurRad="38100" dist="25400" dir="5400000" algn="ctr" rotWithShape="0">
+                    <a:srgbClr val="6E747A">
+                      <a:alpha val="43000"/>
+                    </a:srgbClr>
+                  </a:outerShdw>
+                </a:effectLst>
+              </a:rPr>
+              <a:t>（</a:t>
+            </a:r>
+            <a:r>
+              <a:rPr lang="en-US" altLang="zh-CN" sz="1000">
+                <a:solidFill>
+                  <a:srgbClr val="FF0000"/>
+                </a:solidFill>
+                <a:effectLst>
+                  <a:outerShdw blurRad="38100" dist="25400" dir="5400000" algn="ctr" rotWithShape="0">
+                    <a:srgbClr val="6E747A">
+                      <a:alpha val="43000"/>
+                    </a:srgbClr>
+                  </a:outerShdw>
+                </a:effectLst>
+              </a:rPr>
+              <a:t>success/failure</a:t>
+            </a:r>
+            <a:r>
+              <a:rPr lang="zh-CN" altLang="en-US" sz="1000">
+                <a:solidFill>
+                  <a:srgbClr val="FF0000"/>
+                </a:solidFill>
+                <a:effectLst>
+                  <a:outerShdw blurRad="38100" dist="25400" dir="5400000" algn="ctr" rotWithShape="0">
+                    <a:srgbClr val="6E747A">
+                      <a:alpha val="43000"/>
+                    </a:srgbClr>
+                  </a:outerShdw>
+                </a:effectLst>
+              </a:rPr>
+              <a:t>）</a:t>
+            </a:r>
+            <a:endParaRPr lang="zh-CN" altLang="en-US" sz="1000">
+              <a:solidFill>
+                <a:srgbClr val="FF0000"/>
+              </a:solidFill>
+              <a:effectLst>
+                <a:outerShdw blurRad="38100" dist="25400" dir="5400000" algn="ctr" rotWithShape="0">
+                  <a:srgbClr val="6E747A">
+                    <a:alpha val="43000"/>
+                  </a:srgbClr>
+                </a:outerShdw>
+              </a:effectLst>
+              <a:sym typeface="+mn-ea"/>
+            </a:endParaRPr>
+          </a:p>
+        </p:txBody>
+      </p:sp>
+      <p:cxnSp>
+        <p:nvCxnSpPr>
+          <p:cNvPr id="58" name="直接箭头连接符 57"/>
+          <p:cNvCxnSpPr/>
+          <p:nvPr/>
+        </p:nvCxnSpPr>
+        <p:spPr>
+          <a:xfrm>
+            <a:off x="1759585" y="11193145"/>
+            <a:ext cx="2406015" cy="2320290"/>
+          </a:xfrm>
+          <a:prstGeom prst="straightConnector1">
+            <a:avLst/>
+          </a:prstGeom>
+          <a:ln>
+            <a:tailEnd type="arrow" w="med" len="med"/>
+          </a:ln>
+        </p:spPr>
+        <p:style>
+          <a:lnRef idx="3">
+            <a:schemeClr val="dk1"/>
+          </a:lnRef>
+          <a:fillRef idx="0">
+            <a:schemeClr val="dk1"/>
+          </a:fillRef>
+          <a:effectRef idx="2">
+            <a:schemeClr val="dk1"/>
+          </a:effectRef>
+          <a:fontRef idx="minor">
+            <a:schemeClr val="tx1"/>
+          </a:fontRef>
+        </p:style>
+      </p:cxnSp>
+      <p:cxnSp>
+        <p:nvCxnSpPr>
+          <p:cNvPr id="59" name="直接箭头连接符 58"/>
+          <p:cNvCxnSpPr/>
+          <p:nvPr/>
+        </p:nvCxnSpPr>
+        <p:spPr>
+          <a:xfrm flipH="1" flipV="1">
+            <a:off x="5573395" y="13056870"/>
+            <a:ext cx="636905" cy="589915"/>
+          </a:xfrm>
+          <a:prstGeom prst="straightConnector1">
+            <a:avLst/>
+          </a:prstGeom>
+          <a:ln>
+            <a:tailEnd type="arrow" w="med" len="med"/>
+          </a:ln>
+        </p:spPr>
+        <p:style>
+          <a:lnRef idx="3">
+            <a:schemeClr val="dk1"/>
+          </a:lnRef>
+          <a:fillRef idx="0">
+            <a:schemeClr val="dk1"/>
+          </a:fillRef>
+          <a:effectRef idx="2">
+            <a:schemeClr val="dk1"/>
+          </a:effectRef>
+          <a:fontRef idx="minor">
+            <a:schemeClr val="tx1"/>
+          </a:fontRef>
+        </p:style>
+      </p:cxnSp>
+      <p:cxnSp>
+        <p:nvCxnSpPr>
+          <p:cNvPr id="60" name="直接箭头连接符 59"/>
+          <p:cNvCxnSpPr/>
+          <p:nvPr/>
+        </p:nvCxnSpPr>
+        <p:spPr>
+          <a:xfrm flipH="1" flipV="1">
+            <a:off x="5544820" y="9310370"/>
+            <a:ext cx="2824480" cy="4298315"/>
+          </a:xfrm>
+          <a:prstGeom prst="straightConnector1">
+            <a:avLst/>
+          </a:prstGeom>
+          <a:ln>
+            <a:tailEnd type="arrow" w="med" len="med"/>
+          </a:ln>
+        </p:spPr>
+        <p:style>
+          <a:lnRef idx="3">
+            <a:schemeClr val="dk1"/>
+          </a:lnRef>
+          <a:fillRef idx="0">
+            <a:schemeClr val="dk1"/>
+          </a:fillRef>
+          <a:effectRef idx="2">
+            <a:schemeClr val="dk1"/>
+          </a:effectRef>
+          <a:fontRef idx="minor">
+            <a:schemeClr val="tx1"/>
+          </a:fontRef>
+        </p:style>
+      </p:cxnSp>
+      <p:sp>
+        <p:nvSpPr>
+          <p:cNvPr id="61" name="文本框 60"/>
+          <p:cNvSpPr txBox="1"/>
+          <p:nvPr/>
+        </p:nvSpPr>
+        <p:spPr>
+          <a:xfrm>
+            <a:off x="5803900" y="13121005"/>
+            <a:ext cx="1196975" cy="245110"/>
+          </a:xfrm>
+          <a:prstGeom prst="rect">
+            <a:avLst/>
+          </a:prstGeom>
+          <a:noFill/>
+        </p:spPr>
+        <p:txBody>
+          <a:bodyPr wrap="square" rtlCol="0">
+            <a:spAutoFit/>
+          </a:bodyPr>
+          <a:p>
+            <a:r>
+              <a:rPr lang="zh-CN" altLang="en-US" sz="1000">
+                <a:solidFill>
+                  <a:schemeClr val="accent1"/>
+                </a:solidFill>
+                <a:effectLst>
+                  <a:outerShdw blurRad="38100" dist="25400" dir="5400000" algn="ctr" rotWithShape="0">
+                    <a:srgbClr val="6E747A">
+                      <a:alpha val="43000"/>
+                    </a:srgbClr>
+                  </a:outerShdw>
+                </a:effectLst>
+              </a:rPr>
+              <a:t>创建</a:t>
+            </a:r>
+            <a:r>
+              <a:rPr lang="en-US" altLang="zh-CN" sz="1000">
+                <a:solidFill>
+                  <a:schemeClr val="accent1"/>
+                </a:solidFill>
+                <a:effectLst>
+                  <a:outerShdw blurRad="38100" dist="25400" dir="5400000" algn="ctr" rotWithShape="0">
+                    <a:srgbClr val="6E747A">
+                      <a:alpha val="43000"/>
+                    </a:srgbClr>
+                  </a:outerShdw>
+                </a:effectLst>
+              </a:rPr>
+              <a:t>Continuation</a:t>
+            </a:r>
+            <a:endParaRPr lang="en-US" altLang="zh-CN" sz="1000">
+              <a:solidFill>
+                <a:schemeClr val="accent1"/>
+              </a:solidFill>
+              <a:effectLst>
+                <a:outerShdw blurRad="38100" dist="25400" dir="5400000" algn="ctr" rotWithShape="0">
+                  <a:srgbClr val="6E747A">
+                    <a:alpha val="43000"/>
+                  </a:srgbClr>
+                </a:outerShdw>
+              </a:effectLst>
+            </a:endParaRPr>
+          </a:p>
+        </p:txBody>
+      </p:sp>
+      <p:sp>
+        <p:nvSpPr>
+          <p:cNvPr id="62" name="文本框 61"/>
+          <p:cNvSpPr txBox="1"/>
+          <p:nvPr/>
+        </p:nvSpPr>
+        <p:spPr>
+          <a:xfrm>
+            <a:off x="8255000" y="13056870"/>
+            <a:ext cx="1596390" cy="398780"/>
+          </a:xfrm>
+          <a:prstGeom prst="rect">
+            <a:avLst/>
+          </a:prstGeom>
+          <a:noFill/>
+        </p:spPr>
+        <p:txBody>
+          <a:bodyPr wrap="square" rtlCol="0">
+            <a:spAutoFit/>
+          </a:bodyPr>
+          <a:p>
+            <a:r>
+              <a:rPr lang="en-US" altLang="zh-CN" sz="1000">
+                <a:solidFill>
+                  <a:schemeClr val="accent1"/>
+                </a:solidFill>
+                <a:effectLst>
+                  <a:outerShdw blurRad="38100" dist="25400" dir="5400000" algn="ctr" rotWithShape="0">
+                    <a:srgbClr val="6E747A">
+                      <a:alpha val="43000"/>
+                    </a:srgbClr>
+                  </a:outerShdw>
+                </a:effectLst>
+              </a:rPr>
+              <a:t>CoroutineSope.()-&gt;{}</a:t>
+            </a:r>
+            <a:r>
+              <a:rPr lang="zh-CN" altLang="en-US" sz="1000">
+                <a:solidFill>
+                  <a:schemeClr val="accent1"/>
+                </a:solidFill>
+                <a:effectLst>
+                  <a:outerShdw blurRad="38100" dist="25400" dir="5400000" algn="ctr" rotWithShape="0">
+                    <a:srgbClr val="6E747A">
+                      <a:alpha val="43000"/>
+                    </a:srgbClr>
+                  </a:outerShdw>
+                </a:effectLst>
+              </a:rPr>
+              <a:t>初始调用</a:t>
+            </a:r>
+            <a:endParaRPr lang="zh-CN" altLang="en-US" sz="1000">
+              <a:solidFill>
+                <a:schemeClr val="accent1"/>
+              </a:solidFill>
+              <a:effectLst>
+                <a:outerShdw blurRad="38100" dist="25400" dir="5400000" algn="ctr" rotWithShape="0">
+                  <a:srgbClr val="6E747A">
+                    <a:alpha val="43000"/>
+                  </a:srgbClr>
+                </a:outerShdw>
+              </a:effectLst>
+            </a:endParaRPr>
+          </a:p>
+        </p:txBody>
+      </p:sp>
+      <p:cxnSp>
+        <p:nvCxnSpPr>
+          <p:cNvPr id="63" name="肘形连接符 62"/>
+          <p:cNvCxnSpPr>
+            <a:stCxn id="3" idx="1"/>
+            <a:endCxn id="45" idx="1"/>
+          </p:cNvCxnSpPr>
+          <p:nvPr/>
+        </p:nvCxnSpPr>
+        <p:spPr>
+          <a:xfrm rot="10800000" flipV="1">
+            <a:off x="-252730" y="569595"/>
+            <a:ext cx="403225" cy="10386060"/>
+          </a:xfrm>
+          <a:prstGeom prst="bentConnector3">
+            <a:avLst>
+              <a:gd name="adj1" fmla="val 159055"/>
+            </a:avLst>
+          </a:prstGeom>
+          <a:ln>
+            <a:tailEnd type="arrow" w="med" len="med"/>
+          </a:ln>
+        </p:spPr>
+        <p:style>
+          <a:lnRef idx="1">
+            <a:schemeClr val="dk1"/>
+          </a:lnRef>
+          <a:fillRef idx="0">
+            <a:schemeClr val="dk1"/>
+          </a:fillRef>
+          <a:effectRef idx="0">
+            <a:schemeClr val="dk1"/>
+          </a:effectRef>
+          <a:fontRef idx="minor">
+            <a:schemeClr val="tx1"/>
+          </a:fontRef>
+        </p:style>
+      </p:cxnSp>
+      <p:cxnSp>
+        <p:nvCxnSpPr>
+          <p:cNvPr id="67" name="肘形连接符 66"/>
+          <p:cNvCxnSpPr/>
+          <p:nvPr/>
+        </p:nvCxnSpPr>
+        <p:spPr>
+          <a:xfrm rot="5400000" flipV="1">
+            <a:off x="1550035" y="5134610"/>
+            <a:ext cx="10087610" cy="7019290"/>
+          </a:xfrm>
+          <a:prstGeom prst="bentConnector3">
+            <a:avLst>
+              <a:gd name="adj1" fmla="val 50006"/>
+            </a:avLst>
+          </a:prstGeom>
+          <a:ln>
+            <a:tailEnd type="arrow" w="med" len="med"/>
+          </a:ln>
+        </p:spPr>
+        <p:style>
+          <a:lnRef idx="1">
+            <a:schemeClr val="dk1"/>
+          </a:lnRef>
+          <a:fillRef idx="0">
+            <a:schemeClr val="dk1"/>
+          </a:fillRef>
+          <a:effectRef idx="0">
+            <a:schemeClr val="dk1"/>
+          </a:effectRef>
+          <a:fontRef idx="minor">
+            <a:schemeClr val="tx1"/>
+          </a:fontRef>
+        </p:style>
+      </p:cxnSp>
     </p:spTree>
     <p:custDataLst>
       <p:tags r:id="rId10"/>
@@ -8123,6 +10839,30 @@
         <p:nvPr/>
       </p:nvGrpSpPr>
       <p:grpSpPr/>
+      <p:pic>
+        <p:nvPicPr>
+          <p:cNvPr id="3" name="图片 2"/>
+          <p:cNvPicPr>
+            <a:picLocks noChangeAspect="1"/>
+          </p:cNvPicPr>
+          <p:nvPr/>
+        </p:nvPicPr>
+        <p:blipFill>
+          <a:blip r:embed="rId1"/>
+          <a:stretch>
+            <a:fillRect/>
+          </a:stretch>
+        </p:blipFill>
+        <p:spPr>
+          <a:xfrm>
+            <a:off x="-473075" y="2343150"/>
+            <a:ext cx="3886200" cy="2543175"/>
+          </a:xfrm>
+          <a:prstGeom prst="rect">
+            <a:avLst/>
+          </a:prstGeom>
+        </p:spPr>
+      </p:pic>
       <p:sp>
         <p:nvSpPr>
           <p:cNvPr id="23" name="矩形 22"/>
@@ -8234,30 +10974,6 @@
           </a:p>
         </p:txBody>
       </p:sp>
-      <p:pic>
-        <p:nvPicPr>
-          <p:cNvPr id="5" name="图片 4"/>
-          <p:cNvPicPr>
-            <a:picLocks noChangeAspect="1"/>
-          </p:cNvPicPr>
-          <p:nvPr/>
-        </p:nvPicPr>
-        <p:blipFill>
-          <a:blip r:embed="rId1"/>
-          <a:stretch>
-            <a:fillRect/>
-          </a:stretch>
-        </p:blipFill>
-        <p:spPr>
-          <a:xfrm>
-            <a:off x="0" y="2433320"/>
-            <a:ext cx="2941320" cy="1991995"/>
-          </a:xfrm>
-          <a:prstGeom prst="rect">
-            <a:avLst/>
-          </a:prstGeom>
-        </p:spPr>
-      </p:pic>
       <p:sp>
         <p:nvSpPr>
           <p:cNvPr id="6" name="文本框 5"/>
@@ -8266,8 +10982,8 @@
         </p:nvSpPr>
         <p:spPr>
           <a:xfrm>
-            <a:off x="3484880" y="283845"/>
-            <a:ext cx="8502015" cy="6708775"/>
+            <a:off x="3470275" y="-482600"/>
+            <a:ext cx="8502015" cy="7477760"/>
           </a:xfrm>
           <a:prstGeom prst="rect">
             <a:avLst/>
@@ -8321,7 +11037,7 @@
                   </a:outerShdw>
                 </a:effectLst>
               </a:rPr>
-              <a:t>        Object var10000 = DelayKt.delay(1L, $completion);</a:t>
+              <a:t>        SafeContinuation safeContinuation = new SafeContinuation(IntrinsicsKt.intercepted($completion));</a:t>
             </a:r>
             <a:endParaRPr lang="zh-CN" altLang="en-US" sz="1000">
               <a:solidFill>
@@ -8350,7 +11066,7 @@
                   </a:outerShdw>
                 </a:effectLst>
               </a:rPr>
-              <a:t>        return var10000 == IntrinsicsKt.getCOROUTINE_SUSPENDED() ? var10000 : Unit.INSTANCE;</a:t>
+              <a:t>        String var9 = "ok";</a:t>
             </a:r>
             <a:endParaRPr lang="zh-CN" altLang="en-US" sz="1000">
               <a:solidFill>
@@ -8379,7 +11095,7 @@
                   </a:outerShdw>
                 </a:effectLst>
               </a:rPr>
-              <a:t>    }</a:t>
+              <a:t>        safeContinuation.resumeWith(Result.constructor-impl(var9));</a:t>
             </a:r>
             <a:endParaRPr lang="zh-CN" altLang="en-US" sz="1000">
               <a:solidFill>
@@ -8395,6 +11111,21 @@
             </a:endParaRPr>
           </a:p>
           <a:p>
+            <a:r>
+              <a:rPr lang="zh-CN" altLang="en-US" sz="1000">
+                <a:solidFill>
+                  <a:schemeClr val="tx1"/>
+                </a:solidFill>
+                <a:effectLst>
+                  <a:outerShdw blurRad="38100" dist="19050" dir="2700000" algn="tl" rotWithShape="0">
+                    <a:schemeClr val="dk1">
+                      <a:alpha val="40000"/>
+                    </a:schemeClr>
+                  </a:outerShdw>
+                </a:effectLst>
+              </a:rPr>
+              <a:t>        Object var10000 = safeContinuation.getOrThrow();</a:t>
+            </a:r>
             <a:endParaRPr lang="zh-CN" altLang="en-US" sz="1000">
               <a:solidFill>
                 <a:schemeClr val="tx1"/>
@@ -8422,7 +11153,152 @@
                   </a:outerShdw>
                 </a:effectLst>
               </a:rPr>
-              <a:t>    public final void m() {</a:t>
+              <a:t>        if (var10000 == IntrinsicsKt.getCOROUTINE_SUSPENDED()) {</a:t>
+            </a:r>
+            <a:endParaRPr lang="zh-CN" altLang="en-US" sz="1000">
+              <a:solidFill>
+                <a:schemeClr val="tx1"/>
+              </a:solidFill>
+              <a:effectLst>
+                <a:outerShdw blurRad="38100" dist="19050" dir="2700000" algn="tl" rotWithShape="0">
+                  <a:schemeClr val="dk1">
+                    <a:alpha val="40000"/>
+                  </a:schemeClr>
+                </a:outerShdw>
+              </a:effectLst>
+            </a:endParaRPr>
+          </a:p>
+          <a:p>
+            <a:r>
+              <a:rPr lang="zh-CN" altLang="en-US" sz="1000">
+                <a:solidFill>
+                  <a:schemeClr val="tx1"/>
+                </a:solidFill>
+                <a:effectLst>
+                  <a:outerShdw blurRad="38100" dist="19050" dir="2700000" algn="tl" rotWithShape="0">
+                    <a:schemeClr val="dk1">
+                      <a:alpha val="40000"/>
+                    </a:schemeClr>
+                  </a:outerShdw>
+                </a:effectLst>
+              </a:rPr>
+              <a:t>            DebugProbesKt.probeCoroutineSuspended($completion);</a:t>
+            </a:r>
+            <a:endParaRPr lang="zh-CN" altLang="en-US" sz="1000">
+              <a:solidFill>
+                <a:schemeClr val="tx1"/>
+              </a:solidFill>
+              <a:effectLst>
+                <a:outerShdw blurRad="38100" dist="19050" dir="2700000" algn="tl" rotWithShape="0">
+                  <a:schemeClr val="dk1">
+                    <a:alpha val="40000"/>
+                  </a:schemeClr>
+                </a:outerShdw>
+              </a:effectLst>
+            </a:endParaRPr>
+          </a:p>
+          <a:p>
+            <a:r>
+              <a:rPr lang="zh-CN" altLang="en-US" sz="1000">
+                <a:solidFill>
+                  <a:schemeClr val="tx1"/>
+                </a:solidFill>
+                <a:effectLst>
+                  <a:outerShdw blurRad="38100" dist="19050" dir="2700000" algn="tl" rotWithShape="0">
+                    <a:schemeClr val="dk1">
+                      <a:alpha val="40000"/>
+                    </a:schemeClr>
+                  </a:outerShdw>
+                </a:effectLst>
+              </a:rPr>
+              <a:t>        }</a:t>
+            </a:r>
+            <a:endParaRPr lang="zh-CN" altLang="en-US" sz="1000">
+              <a:solidFill>
+                <a:schemeClr val="tx1"/>
+              </a:solidFill>
+              <a:effectLst>
+                <a:outerShdw blurRad="38100" dist="19050" dir="2700000" algn="tl" rotWithShape="0">
+                  <a:schemeClr val="dk1">
+                    <a:alpha val="40000"/>
+                  </a:schemeClr>
+                </a:outerShdw>
+              </a:effectLst>
+            </a:endParaRPr>
+          </a:p>
+          <a:p>
+            <a:r>
+              <a:rPr lang="zh-CN" altLang="en-US" sz="1000">
+                <a:solidFill>
+                  <a:schemeClr val="tx1"/>
+                </a:solidFill>
+                <a:effectLst>
+                  <a:outerShdw blurRad="38100" dist="19050" dir="2700000" algn="tl" rotWithShape="0">
+                    <a:schemeClr val="dk1">
+                      <a:alpha val="40000"/>
+                    </a:schemeClr>
+                  </a:outerShdw>
+                </a:effectLst>
+              </a:rPr>
+              <a:t>        return var10000;</a:t>
+            </a:r>
+            <a:endParaRPr lang="zh-CN" altLang="en-US" sz="1000">
+              <a:solidFill>
+                <a:schemeClr val="tx1"/>
+              </a:solidFill>
+              <a:effectLst>
+                <a:outerShdw blurRad="38100" dist="19050" dir="2700000" algn="tl" rotWithShape="0">
+                  <a:schemeClr val="dk1">
+                    <a:alpha val="40000"/>
+                  </a:schemeClr>
+                </a:outerShdw>
+              </a:effectLst>
+            </a:endParaRPr>
+          </a:p>
+          <a:p>
+            <a:r>
+              <a:rPr lang="zh-CN" altLang="en-US" sz="1000">
+                <a:solidFill>
+                  <a:schemeClr val="tx1"/>
+                </a:solidFill>
+                <a:effectLst>
+                  <a:outerShdw blurRad="38100" dist="19050" dir="2700000" algn="tl" rotWithShape="0">
+                    <a:schemeClr val="dk1">
+                      <a:alpha val="40000"/>
+                    </a:schemeClr>
+                  </a:outerShdw>
+                </a:effectLst>
+              </a:rPr>
+              <a:t>    }</a:t>
+            </a:r>
+            <a:endParaRPr lang="zh-CN" altLang="en-US" sz="1000">
+              <a:solidFill>
+                <a:schemeClr val="tx1"/>
+              </a:solidFill>
+              <a:effectLst>
+                <a:outerShdw blurRad="38100" dist="19050" dir="2700000" algn="tl" rotWithShape="0">
+                  <a:schemeClr val="dk1">
+                    <a:alpha val="40000"/>
+                  </a:schemeClr>
+                </a:outerShdw>
+              </a:effectLst>
+            </a:endParaRPr>
+          </a:p>
+          <a:p>
+            <a:r>
+              <a:rPr lang="zh-CN" altLang="en-US" sz="1000">
+                <a:solidFill>
+                  <a:schemeClr val="tx1"/>
+                </a:solidFill>
+                <a:effectLst>
+                  <a:outerShdw blurRad="38100" dist="19050" dir="2700000" algn="tl" rotWithShape="0">
+                    <a:schemeClr val="dk1">
+                      <a:alpha val="40000"/>
+                    </a:schemeClr>
+                  </a:outerShdw>
+                </a:effectLst>
+              </a:rPr>
+              <a:t>  public final void m() {</a:t>
             </a:r>
             <a:endParaRPr lang="zh-CN" altLang="en-US" sz="1000">
               <a:solidFill>
@@ -9637,7 +12513,7 @@
                   </a:outerShdw>
                 </a:effectLst>
               </a:rPr>
-              <a:t>block function</a:t>
+              <a:t>block </a:t>
             </a:r>
             <a:r>
               <a:rPr lang="zh-CN" altLang="en-US" sz="1000">
@@ -9682,7 +12558,22 @@
                   </a:outerShdw>
                 </a:effectLst>
               </a:rPr>
-              <a:t>方法）是阻塞的，不能立即返回结果</a:t>
+              <a:t>方法）是</a:t>
+            </a:r>
+            <a:r>
+              <a:rPr lang="en-US" altLang="zh-CN" sz="1000">
+                <a:solidFill>
+                  <a:schemeClr val="accent1"/>
+                </a:solidFill>
+                <a:effectLst>
+                  <a:outerShdw blurRad="38100" dist="25400" dir="5400000" algn="ctr" rotWithShape="0">
+                    <a:srgbClr val="6E747A">
+                      <a:alpha val="43000"/>
+                    </a:srgbClr>
+                  </a:outerShdw>
+                </a:effectLst>
+              </a:rPr>
+              <a:t>suspend func</a:t>
             </a:r>
             <a:endParaRPr lang="zh-CN" altLang="en-US" sz="1000">
               <a:solidFill>
@@ -9798,7 +12689,37 @@
                   </a:outerShdw>
                 </a:effectLst>
               </a:rPr>
-              <a:t>是阻塞的，主线程</a:t>
+              <a:t>是</a:t>
+            </a:r>
+            <a:r>
+              <a:rPr lang="en-US" altLang="zh-CN" sz="1000">
+                <a:solidFill>
+                  <a:schemeClr val="accent1"/>
+                </a:solidFill>
+                <a:effectLst>
+                  <a:outerShdw blurRad="38100" dist="25400" dir="5400000" algn="ctr" rotWithShape="0">
+                    <a:srgbClr val="6E747A">
+                      <a:alpha val="43000"/>
+                    </a:srgbClr>
+                  </a:outerShdw>
+                </a:effectLst>
+              </a:rPr>
+              <a:t>suspend func</a:t>
+            </a:r>
+            <a:r>
+              <a:rPr lang="zh-CN" altLang="en-US" sz="1000">
+                <a:solidFill>
+                  <a:schemeClr val="accent1"/>
+                </a:solidFill>
+                <a:effectLst>
+                  <a:outerShdw blurRad="38100" dist="25400" dir="5400000" algn="ctr" rotWithShape="0">
+                    <a:srgbClr val="6E747A">
+                      <a:alpha val="43000"/>
+                    </a:srgbClr>
+                  </a:outerShdw>
+                </a:effectLst>
+              </a:rPr>
+              <a:t>，主线程</a:t>
             </a:r>
             <a:r>
               <a:rPr lang="en-US" altLang="zh-CN" sz="1000">
@@ -10125,7 +13046,7 @@
         </p:nvCxnSpPr>
         <p:spPr>
           <a:xfrm flipH="1">
-            <a:off x="1630680" y="3310255"/>
+            <a:off x="1620520" y="3434715"/>
             <a:ext cx="2643505" cy="1518920"/>
           </a:xfrm>
           <a:prstGeom prst="straightConnector1">
@@ -10158,7 +13079,7 @@
         </p:nvSpPr>
         <p:spPr>
           <a:xfrm>
-            <a:off x="180975" y="4829175"/>
+            <a:off x="170815" y="4953635"/>
             <a:ext cx="2898775" cy="553085"/>
           </a:xfrm>
           <a:prstGeom prst="rect">
@@ -11240,6 +14161,93 @@
               <a:t>resumeWith()</a:t>
             </a:r>
             <a:endParaRPr lang="zh-CN" altLang="en-US" sz="1000"/>
+          </a:p>
+        </p:txBody>
+      </p:sp>
+      <p:sp>
+        <p:nvSpPr>
+          <p:cNvPr id="26" name="文本框 25"/>
+          <p:cNvSpPr txBox="1"/>
+          <p:nvPr/>
+        </p:nvSpPr>
+        <p:spPr>
+          <a:xfrm>
+            <a:off x="5741670" y="4363085"/>
+            <a:ext cx="1078230" cy="245110"/>
+          </a:xfrm>
+          <a:prstGeom prst="rect">
+            <a:avLst/>
+          </a:prstGeom>
+          <a:noFill/>
+        </p:spPr>
+        <p:txBody>
+          <a:bodyPr wrap="square" rtlCol="0">
+            <a:spAutoFit/>
+          </a:bodyPr>
+          <a:p>
+            <a:r>
+              <a:rPr lang="en-US" altLang="zh-CN" sz="1000"/>
+              <a:t>resumeWith()</a:t>
+            </a:r>
+            <a:endParaRPr lang="zh-CN" altLang="en-US" sz="1000"/>
+          </a:p>
+        </p:txBody>
+      </p:sp>
+      <p:sp>
+        <p:nvSpPr>
+          <p:cNvPr id="27" name="文本框 26"/>
+          <p:cNvSpPr txBox="1"/>
+          <p:nvPr/>
+        </p:nvSpPr>
+        <p:spPr>
+          <a:xfrm>
+            <a:off x="2662555" y="4907915"/>
+            <a:ext cx="554990" cy="245110"/>
+          </a:xfrm>
+          <a:prstGeom prst="rect">
+            <a:avLst/>
+          </a:prstGeom>
+          <a:noFill/>
+        </p:spPr>
+        <p:txBody>
+          <a:bodyPr wrap="square" rtlCol="0">
+            <a:spAutoFit/>
+          </a:bodyPr>
+          <a:p>
+            <a:r>
+              <a:rPr lang="en-US" sz="1000"/>
+              <a:t>return</a:t>
+            </a:r>
+            <a:endParaRPr lang="en-US" sz="1000"/>
+          </a:p>
+        </p:txBody>
+      </p:sp>
+      <p:sp>
+        <p:nvSpPr>
+          <p:cNvPr id="28" name="文本框 27"/>
+          <p:cNvSpPr txBox="1"/>
+          <p:nvPr/>
+        </p:nvSpPr>
+        <p:spPr>
+          <a:xfrm>
+            <a:off x="2605405" y="3672840"/>
+            <a:ext cx="554990" cy="245110"/>
+          </a:xfrm>
+          <a:prstGeom prst="rect">
+            <a:avLst/>
+          </a:prstGeom>
+          <a:noFill/>
+        </p:spPr>
+        <p:txBody>
+          <a:bodyPr wrap="square" rtlCol="0">
+            <a:spAutoFit/>
+          </a:bodyPr>
+          <a:p>
+            <a:r>
+              <a:rPr lang="en-US" sz="1000"/>
+              <a:t>return</a:t>
+            </a:r>
+            <a:endParaRPr lang="en-US" sz="1000"/>
           </a:p>
         </p:txBody>
       </p:sp>
